--- a/sbml-level-3/version-1/comp/HierarchicalSBase.pptx
+++ b/sbml-level-3/version-1/comp/HierarchicalSBase.pptx
@@ -10,13 +10,13 @@
   <p:sldIdLst>
     <p:sldId id="257" r:id="rId2"/>
   </p:sldIdLst>
-  <p:sldSz cx="4022725" cy="2378075"/>
+  <p:sldSz cx="3108325" cy="2011363"/>
   <p:notesSz cx="6858000" cy="9144000"/>
   <p:defaultTextStyle>
     <a:defPPr>
       <a:defRPr lang="en-US"/>
     </a:defPPr>
-    <a:lvl1pPr marL="0" algn="l" defTabSz="596918" rtl="0" eaLnBrk="1" latinLnBrk="0" hangingPunct="1">
+    <a:lvl1pPr marL="0" algn="l" defTabSz="596888" rtl="0" eaLnBrk="1" latinLnBrk="0" hangingPunct="1">
       <a:defRPr sz="1100" kern="1200">
         <a:solidFill>
           <a:schemeClr val="tx1"/>
@@ -26,7 +26,7 @@
         <a:cs typeface="+mn-cs"/>
       </a:defRPr>
     </a:lvl1pPr>
-    <a:lvl2pPr marL="298458" algn="l" defTabSz="596918" rtl="0" eaLnBrk="1" latinLnBrk="0" hangingPunct="1">
+    <a:lvl2pPr marL="298443" algn="l" defTabSz="596888" rtl="0" eaLnBrk="1" latinLnBrk="0" hangingPunct="1">
       <a:defRPr sz="1100" kern="1200">
         <a:solidFill>
           <a:schemeClr val="tx1"/>
@@ -36,7 +36,7 @@
         <a:cs typeface="+mn-cs"/>
       </a:defRPr>
     </a:lvl2pPr>
-    <a:lvl3pPr marL="596918" algn="l" defTabSz="596918" rtl="0" eaLnBrk="1" latinLnBrk="0" hangingPunct="1">
+    <a:lvl3pPr marL="596888" algn="l" defTabSz="596888" rtl="0" eaLnBrk="1" latinLnBrk="0" hangingPunct="1">
       <a:defRPr sz="1100" kern="1200">
         <a:solidFill>
           <a:schemeClr val="tx1"/>
@@ -46,7 +46,7 @@
         <a:cs typeface="+mn-cs"/>
       </a:defRPr>
     </a:lvl3pPr>
-    <a:lvl4pPr marL="895374" algn="l" defTabSz="596918" rtl="0" eaLnBrk="1" latinLnBrk="0" hangingPunct="1">
+    <a:lvl4pPr marL="895329" algn="l" defTabSz="596888" rtl="0" eaLnBrk="1" latinLnBrk="0" hangingPunct="1">
       <a:defRPr sz="1100" kern="1200">
         <a:solidFill>
           <a:schemeClr val="tx1"/>
@@ -56,7 +56,7 @@
         <a:cs typeface="+mn-cs"/>
       </a:defRPr>
     </a:lvl4pPr>
-    <a:lvl5pPr marL="1193833" algn="l" defTabSz="596918" rtl="0" eaLnBrk="1" latinLnBrk="0" hangingPunct="1">
+    <a:lvl5pPr marL="1193773" algn="l" defTabSz="596888" rtl="0" eaLnBrk="1" latinLnBrk="0" hangingPunct="1">
       <a:defRPr sz="1100" kern="1200">
         <a:solidFill>
           <a:schemeClr val="tx1"/>
@@ -66,7 +66,7 @@
         <a:cs typeface="+mn-cs"/>
       </a:defRPr>
     </a:lvl5pPr>
-    <a:lvl6pPr marL="1492290" algn="l" defTabSz="596918" rtl="0" eaLnBrk="1" latinLnBrk="0" hangingPunct="1">
+    <a:lvl6pPr marL="1492215" algn="l" defTabSz="596888" rtl="0" eaLnBrk="1" latinLnBrk="0" hangingPunct="1">
       <a:defRPr sz="1100" kern="1200">
         <a:solidFill>
           <a:schemeClr val="tx1"/>
@@ -76,7 +76,7 @@
         <a:cs typeface="+mn-cs"/>
       </a:defRPr>
     </a:lvl6pPr>
-    <a:lvl7pPr marL="1790748" algn="l" defTabSz="596918" rtl="0" eaLnBrk="1" latinLnBrk="0" hangingPunct="1">
+    <a:lvl7pPr marL="1790659" algn="l" defTabSz="596888" rtl="0" eaLnBrk="1" latinLnBrk="0" hangingPunct="1">
       <a:defRPr sz="1100" kern="1200">
         <a:solidFill>
           <a:schemeClr val="tx1"/>
@@ -86,7 +86,7 @@
         <a:cs typeface="+mn-cs"/>
       </a:defRPr>
     </a:lvl7pPr>
-    <a:lvl8pPr marL="2089205" algn="l" defTabSz="596918" rtl="0" eaLnBrk="1" latinLnBrk="0" hangingPunct="1">
+    <a:lvl8pPr marL="2089100" algn="l" defTabSz="596888" rtl="0" eaLnBrk="1" latinLnBrk="0" hangingPunct="1">
       <a:defRPr sz="1100" kern="1200">
         <a:solidFill>
           <a:schemeClr val="tx1"/>
@@ -96,7 +96,7 @@
         <a:cs typeface="+mn-cs"/>
       </a:defRPr>
     </a:lvl8pPr>
-    <a:lvl9pPr marL="2387663" algn="l" defTabSz="596918" rtl="0" eaLnBrk="1" latinLnBrk="0" hangingPunct="1">
+    <a:lvl9pPr marL="2387544" algn="l" defTabSz="596888" rtl="0" eaLnBrk="1" latinLnBrk="0" hangingPunct="1">
       <a:defRPr sz="1100" kern="1200">
         <a:solidFill>
           <a:schemeClr val="tx1"/>
@@ -192,7 +192,7 @@
           <a:p>
             <a:fld id="{7754A941-C6C2-4027-B1F4-A5E937B2245F}" type="datetimeFigureOut">
               <a:rPr lang="en-US" smtClean="0"/>
-              <a:t>9/15/2010</a:t>
+              <a:t>9/28/2010</a:t>
             </a:fld>
             <a:endParaRPr lang="en-US"/>
           </a:p>
@@ -210,8 +210,8 @@
         </p:nvSpPr>
         <p:spPr>
           <a:xfrm>
-            <a:off x="530225" y="685800"/>
-            <a:ext cx="5797550" cy="3429000"/>
+            <a:off x="779463" y="685800"/>
+            <a:ext cx="5299075" cy="3429000"/>
           </a:xfrm>
           <a:prstGeom prst="rect">
             <a:avLst/>
@@ -366,7 +366,7 @@
   </p:cSld>
   <p:clrMap bg1="lt1" tx1="dk1" bg2="lt2" tx2="dk2" accent1="accent1" accent2="accent2" accent3="accent3" accent4="accent4" accent5="accent5" accent6="accent6" hlink="hlink" folHlink="folHlink"/>
   <p:notesStyle>
-    <a:lvl1pPr marL="0" algn="l" defTabSz="596918" rtl="0" eaLnBrk="1" latinLnBrk="0" hangingPunct="1">
+    <a:lvl1pPr marL="0" algn="l" defTabSz="596888" rtl="0" eaLnBrk="1" latinLnBrk="0" hangingPunct="1">
       <a:defRPr sz="800" kern="1200">
         <a:solidFill>
           <a:schemeClr val="tx1"/>
@@ -376,7 +376,7 @@
         <a:cs typeface="+mn-cs"/>
       </a:defRPr>
     </a:lvl1pPr>
-    <a:lvl2pPr marL="298458" algn="l" defTabSz="596918" rtl="0" eaLnBrk="1" latinLnBrk="0" hangingPunct="1">
+    <a:lvl2pPr marL="298443" algn="l" defTabSz="596888" rtl="0" eaLnBrk="1" latinLnBrk="0" hangingPunct="1">
       <a:defRPr sz="800" kern="1200">
         <a:solidFill>
           <a:schemeClr val="tx1"/>
@@ -386,7 +386,7 @@
         <a:cs typeface="+mn-cs"/>
       </a:defRPr>
     </a:lvl2pPr>
-    <a:lvl3pPr marL="596918" algn="l" defTabSz="596918" rtl="0" eaLnBrk="1" latinLnBrk="0" hangingPunct="1">
+    <a:lvl3pPr marL="596888" algn="l" defTabSz="596888" rtl="0" eaLnBrk="1" latinLnBrk="0" hangingPunct="1">
       <a:defRPr sz="800" kern="1200">
         <a:solidFill>
           <a:schemeClr val="tx1"/>
@@ -396,7 +396,7 @@
         <a:cs typeface="+mn-cs"/>
       </a:defRPr>
     </a:lvl3pPr>
-    <a:lvl4pPr marL="895374" algn="l" defTabSz="596918" rtl="0" eaLnBrk="1" latinLnBrk="0" hangingPunct="1">
+    <a:lvl4pPr marL="895329" algn="l" defTabSz="596888" rtl="0" eaLnBrk="1" latinLnBrk="0" hangingPunct="1">
       <a:defRPr sz="800" kern="1200">
         <a:solidFill>
           <a:schemeClr val="tx1"/>
@@ -406,7 +406,7 @@
         <a:cs typeface="+mn-cs"/>
       </a:defRPr>
     </a:lvl4pPr>
-    <a:lvl5pPr marL="1193833" algn="l" defTabSz="596918" rtl="0" eaLnBrk="1" latinLnBrk="0" hangingPunct="1">
+    <a:lvl5pPr marL="1193773" algn="l" defTabSz="596888" rtl="0" eaLnBrk="1" latinLnBrk="0" hangingPunct="1">
       <a:defRPr sz="800" kern="1200">
         <a:solidFill>
           <a:schemeClr val="tx1"/>
@@ -416,7 +416,7 @@
         <a:cs typeface="+mn-cs"/>
       </a:defRPr>
     </a:lvl5pPr>
-    <a:lvl6pPr marL="1492290" algn="l" defTabSz="596918" rtl="0" eaLnBrk="1" latinLnBrk="0" hangingPunct="1">
+    <a:lvl6pPr marL="1492215" algn="l" defTabSz="596888" rtl="0" eaLnBrk="1" latinLnBrk="0" hangingPunct="1">
       <a:defRPr sz="800" kern="1200">
         <a:solidFill>
           <a:schemeClr val="tx1"/>
@@ -426,7 +426,7 @@
         <a:cs typeface="+mn-cs"/>
       </a:defRPr>
     </a:lvl6pPr>
-    <a:lvl7pPr marL="1790748" algn="l" defTabSz="596918" rtl="0" eaLnBrk="1" latinLnBrk="0" hangingPunct="1">
+    <a:lvl7pPr marL="1790659" algn="l" defTabSz="596888" rtl="0" eaLnBrk="1" latinLnBrk="0" hangingPunct="1">
       <a:defRPr sz="800" kern="1200">
         <a:solidFill>
           <a:schemeClr val="tx1"/>
@@ -436,7 +436,7 @@
         <a:cs typeface="+mn-cs"/>
       </a:defRPr>
     </a:lvl7pPr>
-    <a:lvl8pPr marL="2089205" algn="l" defTabSz="596918" rtl="0" eaLnBrk="1" latinLnBrk="0" hangingPunct="1">
+    <a:lvl8pPr marL="2089100" algn="l" defTabSz="596888" rtl="0" eaLnBrk="1" latinLnBrk="0" hangingPunct="1">
       <a:defRPr sz="800" kern="1200">
         <a:solidFill>
           <a:schemeClr val="tx1"/>
@@ -446,7 +446,7 @@
         <a:cs typeface="+mn-cs"/>
       </a:defRPr>
     </a:lvl8pPr>
-    <a:lvl9pPr marL="2387663" algn="l" defTabSz="596918" rtl="0" eaLnBrk="1" latinLnBrk="0" hangingPunct="1">
+    <a:lvl9pPr marL="2387544" algn="l" defTabSz="596888" rtl="0" eaLnBrk="1" latinLnBrk="0" hangingPunct="1">
       <a:defRPr sz="800" kern="1200">
         <a:solidFill>
           <a:schemeClr val="tx1"/>
@@ -489,8 +489,8 @@
         </p:nvSpPr>
         <p:spPr>
           <a:xfrm>
-            <a:off x="530225" y="685800"/>
-            <a:ext cx="5797550" cy="3429000"/>
+            <a:off x="779463" y="685800"/>
+            <a:ext cx="5299075" cy="3429000"/>
           </a:xfrm>
         </p:spPr>
       </p:sp>
@@ -578,8 +578,8 @@
         </p:nvSpPr>
         <p:spPr>
           <a:xfrm>
-            <a:off x="301705" y="738750"/>
-            <a:ext cx="3419316" cy="509745"/>
+            <a:off x="233126" y="624832"/>
+            <a:ext cx="2642077" cy="431140"/>
           </a:xfrm>
         </p:spPr>
         <p:txBody>
@@ -606,8 +606,8 @@
         </p:nvSpPr>
         <p:spPr>
           <a:xfrm>
-            <a:off x="603409" y="1347580"/>
-            <a:ext cx="2815908" cy="607729"/>
+            <a:off x="466250" y="1139777"/>
+            <a:ext cx="2175828" cy="514014"/>
           </a:xfrm>
         </p:spPr>
         <p:txBody>
@@ -623,7 +623,7 @@
                 </a:solidFill>
               </a:defRPr>
             </a:lvl1pPr>
-            <a:lvl2pPr marL="298458" indent="0" algn="ctr">
+            <a:lvl2pPr marL="298443" indent="0" algn="ctr">
               <a:buNone/>
               <a:defRPr>
                 <a:solidFill>
@@ -633,7 +633,7 @@
                 </a:solidFill>
               </a:defRPr>
             </a:lvl2pPr>
-            <a:lvl3pPr marL="596918" indent="0" algn="ctr">
+            <a:lvl3pPr marL="596888" indent="0" algn="ctr">
               <a:buNone/>
               <a:defRPr>
                 <a:solidFill>
@@ -643,7 +643,7 @@
                 </a:solidFill>
               </a:defRPr>
             </a:lvl3pPr>
-            <a:lvl4pPr marL="895374" indent="0" algn="ctr">
+            <a:lvl4pPr marL="895329" indent="0" algn="ctr">
               <a:buNone/>
               <a:defRPr>
                 <a:solidFill>
@@ -653,7 +653,7 @@
                 </a:solidFill>
               </a:defRPr>
             </a:lvl4pPr>
-            <a:lvl5pPr marL="1193833" indent="0" algn="ctr">
+            <a:lvl5pPr marL="1193773" indent="0" algn="ctr">
               <a:buNone/>
               <a:defRPr>
                 <a:solidFill>
@@ -663,7 +663,7 @@
                 </a:solidFill>
               </a:defRPr>
             </a:lvl5pPr>
-            <a:lvl6pPr marL="1492290" indent="0" algn="ctr">
+            <a:lvl6pPr marL="1492215" indent="0" algn="ctr">
               <a:buNone/>
               <a:defRPr>
                 <a:solidFill>
@@ -673,7 +673,7 @@
                 </a:solidFill>
               </a:defRPr>
             </a:lvl6pPr>
-            <a:lvl7pPr marL="1790748" indent="0" algn="ctr">
+            <a:lvl7pPr marL="1790659" indent="0" algn="ctr">
               <a:buNone/>
               <a:defRPr>
                 <a:solidFill>
@@ -683,7 +683,7 @@
                 </a:solidFill>
               </a:defRPr>
             </a:lvl7pPr>
-            <a:lvl8pPr marL="2089205" indent="0" algn="ctr">
+            <a:lvl8pPr marL="2089100" indent="0" algn="ctr">
               <a:buNone/>
               <a:defRPr>
                 <a:solidFill>
@@ -693,7 +693,7 @@
                 </a:solidFill>
               </a:defRPr>
             </a:lvl8pPr>
-            <a:lvl9pPr marL="2387663" indent="0" algn="ctr">
+            <a:lvl9pPr marL="2387544" indent="0" algn="ctr">
               <a:buNone/>
               <a:defRPr>
                 <a:solidFill>
@@ -730,7 +730,7 @@
           <a:p>
             <a:fld id="{F0172217-DC24-48CD-AE89-68C8C8D878B4}" type="datetimeFigureOut">
               <a:rPr lang="en-US" smtClean="0"/>
-              <a:t>9/15/2010</a:t>
+              <a:t>9/28/2010</a:t>
             </a:fld>
             <a:endParaRPr lang="en-US"/>
           </a:p>
@@ -900,7 +900,7 @@
           <a:p>
             <a:fld id="{F0172217-DC24-48CD-AE89-68C8C8D878B4}" type="datetimeFigureOut">
               <a:rPr lang="en-US" smtClean="0"/>
-              <a:t>9/15/2010</a:t>
+              <a:t>9/28/2010</a:t>
             </a:fld>
             <a:endParaRPr lang="en-US"/>
           </a:p>
@@ -990,8 +990,8 @@
         </p:nvSpPr>
         <p:spPr>
           <a:xfrm>
-            <a:off x="2916481" y="95243"/>
-            <a:ext cx="905113" cy="2029071"/>
+            <a:off x="2253546" y="80561"/>
+            <a:ext cx="699373" cy="1716177"/>
           </a:xfrm>
         </p:spPr>
         <p:txBody>
@@ -1018,8 +1018,8 @@
         </p:nvSpPr>
         <p:spPr>
           <a:xfrm>
-            <a:off x="201136" y="95243"/>
-            <a:ext cx="2648294" cy="2029071"/>
+            <a:off x="155416" y="80561"/>
+            <a:ext cx="2046314" cy="1716177"/>
           </a:xfrm>
         </p:spPr>
         <p:txBody>
@@ -1080,7 +1080,7 @@
           <a:p>
             <a:fld id="{F0172217-DC24-48CD-AE89-68C8C8D878B4}" type="datetimeFigureOut">
               <a:rPr lang="en-US" smtClean="0"/>
-              <a:t>9/15/2010</a:t>
+              <a:t>9/28/2010</a:t>
             </a:fld>
             <a:endParaRPr lang="en-US"/>
           </a:p>
@@ -1250,7 +1250,7 @@
           <a:p>
             <a:fld id="{F0172217-DC24-48CD-AE89-68C8C8D878B4}" type="datetimeFigureOut">
               <a:rPr lang="en-US" smtClean="0"/>
-              <a:t>9/15/2010</a:t>
+              <a:t>9/28/2010</a:t>
             </a:fld>
             <a:endParaRPr lang="en-US"/>
           </a:p>
@@ -1340,8 +1340,8 @@
         </p:nvSpPr>
         <p:spPr>
           <a:xfrm>
-            <a:off x="317767" y="1528138"/>
-            <a:ext cx="3419316" cy="472312"/>
+            <a:off x="245539" y="1292491"/>
+            <a:ext cx="2642077" cy="399479"/>
           </a:xfrm>
         </p:spPr>
         <p:txBody>
@@ -1372,8 +1372,8 @@
         </p:nvSpPr>
         <p:spPr>
           <a:xfrm>
-            <a:off x="317767" y="1007938"/>
-            <a:ext cx="3419316" cy="520204"/>
+            <a:off x="245539" y="852511"/>
+            <a:ext cx="2642077" cy="439986"/>
           </a:xfrm>
         </p:spPr>
         <p:txBody>
@@ -1389,7 +1389,7 @@
                 </a:solidFill>
               </a:defRPr>
             </a:lvl1pPr>
-            <a:lvl2pPr marL="298458" indent="0">
+            <a:lvl2pPr marL="298443" indent="0">
               <a:buNone/>
               <a:defRPr sz="1100">
                 <a:solidFill>
@@ -1399,7 +1399,7 @@
                 </a:solidFill>
               </a:defRPr>
             </a:lvl2pPr>
-            <a:lvl3pPr marL="596918" indent="0">
+            <a:lvl3pPr marL="596888" indent="0">
               <a:buNone/>
               <a:defRPr sz="1000">
                 <a:solidFill>
@@ -1409,7 +1409,7 @@
                 </a:solidFill>
               </a:defRPr>
             </a:lvl3pPr>
-            <a:lvl4pPr marL="895374" indent="0">
+            <a:lvl4pPr marL="895329" indent="0">
               <a:buNone/>
               <a:defRPr sz="800">
                 <a:solidFill>
@@ -1419,7 +1419,7 @@
                 </a:solidFill>
               </a:defRPr>
             </a:lvl4pPr>
-            <a:lvl5pPr marL="1193833" indent="0">
+            <a:lvl5pPr marL="1193773" indent="0">
               <a:buNone/>
               <a:defRPr sz="800">
                 <a:solidFill>
@@ -1429,7 +1429,7 @@
                 </a:solidFill>
               </a:defRPr>
             </a:lvl5pPr>
-            <a:lvl6pPr marL="1492290" indent="0">
+            <a:lvl6pPr marL="1492215" indent="0">
               <a:buNone/>
               <a:defRPr sz="800">
                 <a:solidFill>
@@ -1439,7 +1439,7 @@
                 </a:solidFill>
               </a:defRPr>
             </a:lvl6pPr>
-            <a:lvl7pPr marL="1790748" indent="0">
+            <a:lvl7pPr marL="1790659" indent="0">
               <a:buNone/>
               <a:defRPr sz="800">
                 <a:solidFill>
@@ -1449,7 +1449,7 @@
                 </a:solidFill>
               </a:defRPr>
             </a:lvl7pPr>
-            <a:lvl8pPr marL="2089205" indent="0">
+            <a:lvl8pPr marL="2089100" indent="0">
               <a:buNone/>
               <a:defRPr sz="800">
                 <a:solidFill>
@@ -1459,7 +1459,7 @@
                 </a:solidFill>
               </a:defRPr>
             </a:lvl8pPr>
-            <a:lvl9pPr marL="2387663" indent="0">
+            <a:lvl9pPr marL="2387544" indent="0">
               <a:buNone/>
               <a:defRPr sz="800">
                 <a:solidFill>
@@ -1496,7 +1496,7 @@
           <a:p>
             <a:fld id="{F0172217-DC24-48CD-AE89-68C8C8D878B4}" type="datetimeFigureOut">
               <a:rPr lang="en-US" smtClean="0"/>
-              <a:t>9/15/2010</a:t>
+              <a:t>9/28/2010</a:t>
             </a:fld>
             <a:endParaRPr lang="en-US"/>
           </a:p>
@@ -1609,8 +1609,8 @@
         </p:nvSpPr>
         <p:spPr>
           <a:xfrm>
-            <a:off x="201136" y="554888"/>
-            <a:ext cx="1776704" cy="1569419"/>
+            <a:off x="155418" y="469325"/>
+            <a:ext cx="1372845" cy="1327406"/>
           </a:xfrm>
         </p:spPr>
         <p:txBody>
@@ -1694,8 +1694,8 @@
         </p:nvSpPr>
         <p:spPr>
           <a:xfrm>
-            <a:off x="2044885" y="554888"/>
-            <a:ext cx="1776704" cy="1569419"/>
+            <a:off x="1580070" y="469325"/>
+            <a:ext cx="1372845" cy="1327406"/>
           </a:xfrm>
         </p:spPr>
         <p:txBody>
@@ -1784,7 +1784,7 @@
           <a:p>
             <a:fld id="{F0172217-DC24-48CD-AE89-68C8C8D878B4}" type="datetimeFigureOut">
               <a:rPr lang="en-US" smtClean="0"/>
-              <a:t>9/15/2010</a:t>
+              <a:t>9/28/2010</a:t>
             </a:fld>
             <a:endParaRPr lang="en-US"/>
           </a:p>
@@ -1901,8 +1901,8 @@
         </p:nvSpPr>
         <p:spPr>
           <a:xfrm>
-            <a:off x="201144" y="532320"/>
-            <a:ext cx="1777404" cy="221843"/>
+            <a:off x="155424" y="450234"/>
+            <a:ext cx="1373384" cy="187634"/>
           </a:xfrm>
         </p:spPr>
         <p:txBody>
@@ -1912,35 +1912,35 @@
               <a:buNone/>
               <a:defRPr sz="1600" b="1"/>
             </a:lvl1pPr>
-            <a:lvl2pPr marL="298458" indent="0">
+            <a:lvl2pPr marL="298443" indent="0">
               <a:buNone/>
               <a:defRPr sz="1300" b="1"/>
             </a:lvl2pPr>
-            <a:lvl3pPr marL="596918" indent="0">
+            <a:lvl3pPr marL="596888" indent="0">
               <a:buNone/>
               <a:defRPr sz="1100" b="1"/>
             </a:lvl3pPr>
-            <a:lvl4pPr marL="895374" indent="0">
+            <a:lvl4pPr marL="895329" indent="0">
               <a:buNone/>
               <a:defRPr sz="1000" b="1"/>
             </a:lvl4pPr>
-            <a:lvl5pPr marL="1193833" indent="0">
+            <a:lvl5pPr marL="1193773" indent="0">
               <a:buNone/>
               <a:defRPr sz="1000" b="1"/>
             </a:lvl5pPr>
-            <a:lvl6pPr marL="1492290" indent="0">
+            <a:lvl6pPr marL="1492215" indent="0">
               <a:buNone/>
               <a:defRPr sz="1000" b="1"/>
             </a:lvl6pPr>
-            <a:lvl7pPr marL="1790748" indent="0">
+            <a:lvl7pPr marL="1790659" indent="0">
               <a:buNone/>
               <a:defRPr sz="1000" b="1"/>
             </a:lvl7pPr>
-            <a:lvl8pPr marL="2089205" indent="0">
+            <a:lvl8pPr marL="2089100" indent="0">
               <a:buNone/>
               <a:defRPr sz="1000" b="1"/>
             </a:lvl8pPr>
-            <a:lvl9pPr marL="2387663" indent="0">
+            <a:lvl9pPr marL="2387544" indent="0">
               <a:buNone/>
               <a:defRPr sz="1000" b="1"/>
             </a:lvl9pPr>
@@ -1966,8 +1966,8 @@
         </p:nvSpPr>
         <p:spPr>
           <a:xfrm>
-            <a:off x="201144" y="754163"/>
-            <a:ext cx="1777404" cy="1370147"/>
+            <a:off x="155424" y="637868"/>
+            <a:ext cx="1373384" cy="1158862"/>
           </a:xfrm>
         </p:spPr>
         <p:txBody>
@@ -2051,8 +2051,8 @@
         </p:nvSpPr>
         <p:spPr>
           <a:xfrm>
-            <a:off x="2043502" y="532320"/>
-            <a:ext cx="1778101" cy="221843"/>
+            <a:off x="1579002" y="450234"/>
+            <a:ext cx="1373923" cy="187634"/>
           </a:xfrm>
         </p:spPr>
         <p:txBody>
@@ -2062,35 +2062,35 @@
               <a:buNone/>
               <a:defRPr sz="1600" b="1"/>
             </a:lvl1pPr>
-            <a:lvl2pPr marL="298458" indent="0">
+            <a:lvl2pPr marL="298443" indent="0">
               <a:buNone/>
               <a:defRPr sz="1300" b="1"/>
             </a:lvl2pPr>
-            <a:lvl3pPr marL="596918" indent="0">
+            <a:lvl3pPr marL="596888" indent="0">
               <a:buNone/>
               <a:defRPr sz="1100" b="1"/>
             </a:lvl3pPr>
-            <a:lvl4pPr marL="895374" indent="0">
+            <a:lvl4pPr marL="895329" indent="0">
               <a:buNone/>
               <a:defRPr sz="1000" b="1"/>
             </a:lvl4pPr>
-            <a:lvl5pPr marL="1193833" indent="0">
+            <a:lvl5pPr marL="1193773" indent="0">
               <a:buNone/>
               <a:defRPr sz="1000" b="1"/>
             </a:lvl5pPr>
-            <a:lvl6pPr marL="1492290" indent="0">
+            <a:lvl6pPr marL="1492215" indent="0">
               <a:buNone/>
               <a:defRPr sz="1000" b="1"/>
             </a:lvl6pPr>
-            <a:lvl7pPr marL="1790748" indent="0">
+            <a:lvl7pPr marL="1790659" indent="0">
               <a:buNone/>
               <a:defRPr sz="1000" b="1"/>
             </a:lvl7pPr>
-            <a:lvl8pPr marL="2089205" indent="0">
+            <a:lvl8pPr marL="2089100" indent="0">
               <a:buNone/>
               <a:defRPr sz="1000" b="1"/>
             </a:lvl8pPr>
-            <a:lvl9pPr marL="2387663" indent="0">
+            <a:lvl9pPr marL="2387544" indent="0">
               <a:buNone/>
               <a:defRPr sz="1000" b="1"/>
             </a:lvl9pPr>
@@ -2116,8 +2116,8 @@
         </p:nvSpPr>
         <p:spPr>
           <a:xfrm>
-            <a:off x="2043502" y="754163"/>
-            <a:ext cx="1778101" cy="1370147"/>
+            <a:off x="1579002" y="637868"/>
+            <a:ext cx="1373923" cy="1158862"/>
           </a:xfrm>
         </p:spPr>
         <p:txBody>
@@ -2206,7 +2206,7 @@
           <a:p>
             <a:fld id="{F0172217-DC24-48CD-AE89-68C8C8D878B4}" type="datetimeFigureOut">
               <a:rPr lang="en-US" smtClean="0"/>
-              <a:t>9/15/2010</a:t>
+              <a:t>9/28/2010</a:t>
             </a:fld>
             <a:endParaRPr lang="en-US"/>
           </a:p>
@@ -2324,7 +2324,7 @@
           <a:p>
             <a:fld id="{F0172217-DC24-48CD-AE89-68C8C8D878B4}" type="datetimeFigureOut">
               <a:rPr lang="en-US" smtClean="0"/>
-              <a:t>9/15/2010</a:t>
+              <a:t>9/28/2010</a:t>
             </a:fld>
             <a:endParaRPr lang="en-US"/>
           </a:p>
@@ -2419,7 +2419,7 @@
           <a:p>
             <a:fld id="{F0172217-DC24-48CD-AE89-68C8C8D878B4}" type="datetimeFigureOut">
               <a:rPr lang="en-US" smtClean="0"/>
-              <a:t>9/15/2010</a:t>
+              <a:t>9/28/2010</a:t>
             </a:fld>
             <a:endParaRPr lang="en-US"/>
           </a:p>
@@ -2509,8 +2509,8 @@
         </p:nvSpPr>
         <p:spPr>
           <a:xfrm>
-            <a:off x="201145" y="94683"/>
-            <a:ext cx="1323448" cy="402952"/>
+            <a:off x="155429" y="80086"/>
+            <a:ext cx="1022617" cy="340814"/>
           </a:xfrm>
         </p:spPr>
         <p:txBody>
@@ -2541,8 +2541,8 @@
         </p:nvSpPr>
         <p:spPr>
           <a:xfrm>
-            <a:off x="1572781" y="94692"/>
-            <a:ext cx="2248816" cy="2029621"/>
+            <a:off x="1215276" y="80095"/>
+            <a:ext cx="1737640" cy="1716642"/>
           </a:xfrm>
         </p:spPr>
         <p:txBody>
@@ -2626,8 +2626,8 @@
         </p:nvSpPr>
         <p:spPr>
           <a:xfrm>
-            <a:off x="201145" y="497639"/>
-            <a:ext cx="1323448" cy="1626670"/>
+            <a:off x="155429" y="420902"/>
+            <a:ext cx="1022617" cy="1375829"/>
           </a:xfrm>
         </p:spPr>
         <p:txBody>
@@ -2637,35 +2637,35 @@
               <a:buNone/>
               <a:defRPr sz="800"/>
             </a:lvl1pPr>
-            <a:lvl2pPr marL="298458" indent="0">
+            <a:lvl2pPr marL="298443" indent="0">
               <a:buNone/>
               <a:defRPr sz="800"/>
             </a:lvl2pPr>
-            <a:lvl3pPr marL="596918" indent="0">
+            <a:lvl3pPr marL="596888" indent="0">
               <a:buNone/>
               <a:defRPr sz="800"/>
             </a:lvl3pPr>
-            <a:lvl4pPr marL="895374" indent="0">
+            <a:lvl4pPr marL="895329" indent="0">
               <a:buNone/>
               <a:defRPr sz="600"/>
             </a:lvl4pPr>
-            <a:lvl5pPr marL="1193833" indent="0">
+            <a:lvl5pPr marL="1193773" indent="0">
               <a:buNone/>
               <a:defRPr sz="600"/>
             </a:lvl5pPr>
-            <a:lvl6pPr marL="1492290" indent="0">
+            <a:lvl6pPr marL="1492215" indent="0">
               <a:buNone/>
               <a:defRPr sz="600"/>
             </a:lvl6pPr>
-            <a:lvl7pPr marL="1790748" indent="0">
+            <a:lvl7pPr marL="1790659" indent="0">
               <a:buNone/>
               <a:defRPr sz="600"/>
             </a:lvl7pPr>
-            <a:lvl8pPr marL="2089205" indent="0">
+            <a:lvl8pPr marL="2089100" indent="0">
               <a:buNone/>
               <a:defRPr sz="600"/>
             </a:lvl8pPr>
-            <a:lvl9pPr marL="2387663" indent="0">
+            <a:lvl9pPr marL="2387544" indent="0">
               <a:buNone/>
               <a:defRPr sz="600"/>
             </a:lvl9pPr>
@@ -2696,7 +2696,7 @@
           <a:p>
             <a:fld id="{F0172217-DC24-48CD-AE89-68C8C8D878B4}" type="datetimeFigureOut">
               <a:rPr lang="en-US" smtClean="0"/>
-              <a:t>9/15/2010</a:t>
+              <a:t>9/28/2010</a:t>
             </a:fld>
             <a:endParaRPr lang="en-US"/>
           </a:p>
@@ -2786,8 +2786,8 @@
         </p:nvSpPr>
         <p:spPr>
           <a:xfrm>
-            <a:off x="788488" y="1664661"/>
-            <a:ext cx="2413635" cy="196522"/>
+            <a:off x="609263" y="1407962"/>
+            <a:ext cx="1864995" cy="166217"/>
           </a:xfrm>
         </p:spPr>
         <p:txBody>
@@ -2818,8 +2818,8 @@
         </p:nvSpPr>
         <p:spPr>
           <a:xfrm>
-            <a:off x="788488" y="212490"/>
-            <a:ext cx="2413635" cy="1426846"/>
+            <a:off x="609263" y="179726"/>
+            <a:ext cx="1864995" cy="1206819"/>
           </a:xfrm>
         </p:spPr>
         <p:txBody>
@@ -2829,35 +2829,35 @@
               <a:buNone/>
               <a:defRPr sz="2300"/>
             </a:lvl1pPr>
-            <a:lvl2pPr marL="298458" indent="0">
+            <a:lvl2pPr marL="298443" indent="0">
               <a:buNone/>
               <a:defRPr sz="1900"/>
             </a:lvl2pPr>
-            <a:lvl3pPr marL="596918" indent="0">
+            <a:lvl3pPr marL="596888" indent="0">
               <a:buNone/>
               <a:defRPr sz="1600"/>
             </a:lvl3pPr>
-            <a:lvl4pPr marL="895374" indent="0">
+            <a:lvl4pPr marL="895329" indent="0">
               <a:buNone/>
               <a:defRPr sz="1300"/>
             </a:lvl4pPr>
-            <a:lvl5pPr marL="1193833" indent="0">
+            <a:lvl5pPr marL="1193773" indent="0">
               <a:buNone/>
               <a:defRPr sz="1300"/>
             </a:lvl5pPr>
-            <a:lvl6pPr marL="1492290" indent="0">
+            <a:lvl6pPr marL="1492215" indent="0">
               <a:buNone/>
               <a:defRPr sz="1300"/>
             </a:lvl6pPr>
-            <a:lvl7pPr marL="1790748" indent="0">
+            <a:lvl7pPr marL="1790659" indent="0">
               <a:buNone/>
               <a:defRPr sz="1300"/>
             </a:lvl7pPr>
-            <a:lvl8pPr marL="2089205" indent="0">
+            <a:lvl8pPr marL="2089100" indent="0">
               <a:buNone/>
               <a:defRPr sz="1300"/>
             </a:lvl8pPr>
-            <a:lvl9pPr marL="2387663" indent="0">
+            <a:lvl9pPr marL="2387544" indent="0">
               <a:buNone/>
               <a:defRPr sz="1300"/>
             </a:lvl9pPr>
@@ -2879,8 +2879,8 @@
         </p:nvSpPr>
         <p:spPr>
           <a:xfrm>
-            <a:off x="788488" y="1861180"/>
-            <a:ext cx="2413635" cy="279094"/>
+            <a:off x="609263" y="1574176"/>
+            <a:ext cx="1864995" cy="236056"/>
           </a:xfrm>
         </p:spPr>
         <p:txBody>
@@ -2890,35 +2890,35 @@
               <a:buNone/>
               <a:defRPr sz="800"/>
             </a:lvl1pPr>
-            <a:lvl2pPr marL="298458" indent="0">
+            <a:lvl2pPr marL="298443" indent="0">
               <a:buNone/>
               <a:defRPr sz="800"/>
             </a:lvl2pPr>
-            <a:lvl3pPr marL="596918" indent="0">
+            <a:lvl3pPr marL="596888" indent="0">
               <a:buNone/>
               <a:defRPr sz="800"/>
             </a:lvl3pPr>
-            <a:lvl4pPr marL="895374" indent="0">
+            <a:lvl4pPr marL="895329" indent="0">
               <a:buNone/>
               <a:defRPr sz="600"/>
             </a:lvl4pPr>
-            <a:lvl5pPr marL="1193833" indent="0">
+            <a:lvl5pPr marL="1193773" indent="0">
               <a:buNone/>
               <a:defRPr sz="600"/>
             </a:lvl5pPr>
-            <a:lvl6pPr marL="1492290" indent="0">
+            <a:lvl6pPr marL="1492215" indent="0">
               <a:buNone/>
               <a:defRPr sz="600"/>
             </a:lvl6pPr>
-            <a:lvl7pPr marL="1790748" indent="0">
+            <a:lvl7pPr marL="1790659" indent="0">
               <a:buNone/>
               <a:defRPr sz="600"/>
             </a:lvl7pPr>
-            <a:lvl8pPr marL="2089205" indent="0">
+            <a:lvl8pPr marL="2089100" indent="0">
               <a:buNone/>
               <a:defRPr sz="600"/>
             </a:lvl8pPr>
-            <a:lvl9pPr marL="2387663" indent="0">
+            <a:lvl9pPr marL="2387544" indent="0">
               <a:buNone/>
               <a:defRPr sz="600"/>
             </a:lvl9pPr>
@@ -2949,7 +2949,7 @@
           <a:p>
             <a:fld id="{F0172217-DC24-48CD-AE89-68C8C8D878B4}" type="datetimeFigureOut">
               <a:rPr lang="en-US" smtClean="0"/>
-              <a:t>9/15/2010</a:t>
+              <a:t>9/28/2010</a:t>
             </a:fld>
             <a:endParaRPr lang="en-US"/>
           </a:p>
@@ -3044,15 +3044,15 @@
         </p:nvSpPr>
         <p:spPr>
           <a:xfrm>
-            <a:off x="201139" y="95235"/>
-            <a:ext cx="3620453" cy="396346"/>
+            <a:off x="155419" y="80550"/>
+            <a:ext cx="2797494" cy="335227"/>
           </a:xfrm>
           <a:prstGeom prst="rect">
             <a:avLst/>
           </a:prstGeom>
         </p:spPr>
         <p:txBody>
-          <a:bodyPr vert="horz" lIns="59693" tIns="29846" rIns="59693" bIns="29846" rtlCol="0" anchor="ctr">
+          <a:bodyPr vert="horz" lIns="59690" tIns="29845" rIns="59690" bIns="29845" rtlCol="0" anchor="ctr">
             <a:normAutofit/>
           </a:bodyPr>
           <a:lstStyle/>
@@ -3077,15 +3077,15 @@
         </p:nvSpPr>
         <p:spPr>
           <a:xfrm>
-            <a:off x="201139" y="554888"/>
-            <a:ext cx="3620453" cy="1569419"/>
+            <a:off x="155419" y="469325"/>
+            <a:ext cx="2797494" cy="1327406"/>
           </a:xfrm>
           <a:prstGeom prst="rect">
             <a:avLst/>
           </a:prstGeom>
         </p:spPr>
         <p:txBody>
-          <a:bodyPr vert="horz" lIns="59693" tIns="29846" rIns="59693" bIns="29846" rtlCol="0">
+          <a:bodyPr vert="horz" lIns="59690" tIns="29845" rIns="59690" bIns="29845" rtlCol="0">
             <a:normAutofit/>
           </a:bodyPr>
           <a:lstStyle/>
@@ -3139,15 +3139,15 @@
         </p:nvSpPr>
         <p:spPr>
           <a:xfrm>
-            <a:off x="201136" y="2204130"/>
-            <a:ext cx="938636" cy="126611"/>
+            <a:off x="155416" y="1864245"/>
+            <a:ext cx="725276" cy="107087"/>
           </a:xfrm>
           <a:prstGeom prst="rect">
             <a:avLst/>
           </a:prstGeom>
         </p:spPr>
         <p:txBody>
-          <a:bodyPr vert="horz" lIns="59693" tIns="29846" rIns="59693" bIns="29846" rtlCol="0" anchor="ctr"/>
+          <a:bodyPr vert="horz" lIns="59690" tIns="29845" rIns="59690" bIns="29845" rtlCol="0" anchor="ctr"/>
           <a:lstStyle>
             <a:lvl1pPr algn="l">
               <a:defRPr sz="800">
@@ -3162,7 +3162,7 @@
           <a:p>
             <a:fld id="{F0172217-DC24-48CD-AE89-68C8C8D878B4}" type="datetimeFigureOut">
               <a:rPr lang="en-US" smtClean="0"/>
-              <a:t>9/15/2010</a:t>
+              <a:t>9/28/2010</a:t>
             </a:fld>
             <a:endParaRPr lang="en-US"/>
           </a:p>
@@ -3180,15 +3180,15 @@
         </p:nvSpPr>
         <p:spPr>
           <a:xfrm>
-            <a:off x="1374434" y="2204130"/>
-            <a:ext cx="1273863" cy="126611"/>
+            <a:off x="1062018" y="1864245"/>
+            <a:ext cx="984303" cy="107087"/>
           </a:xfrm>
           <a:prstGeom prst="rect">
             <a:avLst/>
           </a:prstGeom>
         </p:spPr>
         <p:txBody>
-          <a:bodyPr vert="horz" lIns="59693" tIns="29846" rIns="59693" bIns="29846" rtlCol="0" anchor="ctr"/>
+          <a:bodyPr vert="horz" lIns="59690" tIns="29845" rIns="59690" bIns="29845" rtlCol="0" anchor="ctr"/>
           <a:lstStyle>
             <a:lvl1pPr algn="ctr">
               <a:defRPr sz="800">
@@ -3217,15 +3217,15 @@
         </p:nvSpPr>
         <p:spPr>
           <a:xfrm>
-            <a:off x="2882953" y="2204130"/>
-            <a:ext cx="938636" cy="126611"/>
+            <a:off x="2227633" y="1864245"/>
+            <a:ext cx="725276" cy="107087"/>
           </a:xfrm>
           <a:prstGeom prst="rect">
             <a:avLst/>
           </a:prstGeom>
         </p:spPr>
         <p:txBody>
-          <a:bodyPr vert="horz" lIns="59693" tIns="29846" rIns="59693" bIns="29846" rtlCol="0" anchor="ctr"/>
+          <a:bodyPr vert="horz" lIns="59690" tIns="29845" rIns="59690" bIns="29845" rtlCol="0" anchor="ctr"/>
           <a:lstStyle>
             <a:lvl1pPr algn="r">
               <a:defRPr sz="800">
@@ -3269,7 +3269,7 @@
   </p:sldLayoutIdLst>
   <p:txStyles>
     <p:titleStyle>
-      <a:lvl1pPr algn="ctr" defTabSz="596918" rtl="0" eaLnBrk="1" latinLnBrk="0" hangingPunct="1">
+      <a:lvl1pPr algn="ctr" defTabSz="596888" rtl="0" eaLnBrk="1" latinLnBrk="0" hangingPunct="1">
         <a:spcBef>
           <a:spcPct val="0"/>
         </a:spcBef>
@@ -3285,7 +3285,7 @@
       </a:lvl1pPr>
     </p:titleStyle>
     <p:bodyStyle>
-      <a:lvl1pPr marL="223844" indent="-223844" algn="l" defTabSz="596918" rtl="0" eaLnBrk="1" latinLnBrk="0" hangingPunct="1">
+      <a:lvl1pPr marL="223833" indent="-223833" algn="l" defTabSz="596888" rtl="0" eaLnBrk="1" latinLnBrk="0" hangingPunct="1">
         <a:spcBef>
           <a:spcPct val="20000"/>
         </a:spcBef>
@@ -3300,7 +3300,7 @@
           <a:cs typeface="+mn-cs"/>
         </a:defRPr>
       </a:lvl1pPr>
-      <a:lvl2pPr marL="484994" indent="-186536" algn="l" defTabSz="596918" rtl="0" eaLnBrk="1" latinLnBrk="0" hangingPunct="1">
+      <a:lvl2pPr marL="484970" indent="-186527" algn="l" defTabSz="596888" rtl="0" eaLnBrk="1" latinLnBrk="0" hangingPunct="1">
         <a:spcBef>
           <a:spcPct val="20000"/>
         </a:spcBef>
@@ -3315,7 +3315,7 @@
           <a:cs typeface="+mn-cs"/>
         </a:defRPr>
       </a:lvl2pPr>
-      <a:lvl3pPr marL="746146" indent="-149229" algn="l" defTabSz="596918" rtl="0" eaLnBrk="1" latinLnBrk="0" hangingPunct="1">
+      <a:lvl3pPr marL="746109" indent="-149222" algn="l" defTabSz="596888" rtl="0" eaLnBrk="1" latinLnBrk="0" hangingPunct="1">
         <a:spcBef>
           <a:spcPct val="20000"/>
         </a:spcBef>
@@ -3330,7 +3330,7 @@
           <a:cs typeface="+mn-cs"/>
         </a:defRPr>
       </a:lvl3pPr>
-      <a:lvl4pPr marL="1044603" indent="-149229" algn="l" defTabSz="596918" rtl="0" eaLnBrk="1" latinLnBrk="0" hangingPunct="1">
+      <a:lvl4pPr marL="1044551" indent="-149222" algn="l" defTabSz="596888" rtl="0" eaLnBrk="1" latinLnBrk="0" hangingPunct="1">
         <a:spcBef>
           <a:spcPct val="20000"/>
         </a:spcBef>
@@ -3345,7 +3345,7 @@
           <a:cs typeface="+mn-cs"/>
         </a:defRPr>
       </a:lvl4pPr>
-      <a:lvl5pPr marL="1343061" indent="-149229" algn="l" defTabSz="596918" rtl="0" eaLnBrk="1" latinLnBrk="0" hangingPunct="1">
+      <a:lvl5pPr marL="1342994" indent="-149222" algn="l" defTabSz="596888" rtl="0" eaLnBrk="1" latinLnBrk="0" hangingPunct="1">
         <a:spcBef>
           <a:spcPct val="20000"/>
         </a:spcBef>
@@ -3360,7 +3360,7 @@
           <a:cs typeface="+mn-cs"/>
         </a:defRPr>
       </a:lvl5pPr>
-      <a:lvl6pPr marL="1641519" indent="-149229" algn="l" defTabSz="596918" rtl="0" eaLnBrk="1" latinLnBrk="0" hangingPunct="1">
+      <a:lvl6pPr marL="1641437" indent="-149222" algn="l" defTabSz="596888" rtl="0" eaLnBrk="1" latinLnBrk="0" hangingPunct="1">
         <a:spcBef>
           <a:spcPct val="20000"/>
         </a:spcBef>
@@ -3375,7 +3375,7 @@
           <a:cs typeface="+mn-cs"/>
         </a:defRPr>
       </a:lvl6pPr>
-      <a:lvl7pPr marL="1939976" indent="-149229" algn="l" defTabSz="596918" rtl="0" eaLnBrk="1" latinLnBrk="0" hangingPunct="1">
+      <a:lvl7pPr marL="1939879" indent="-149222" algn="l" defTabSz="596888" rtl="0" eaLnBrk="1" latinLnBrk="0" hangingPunct="1">
         <a:spcBef>
           <a:spcPct val="20000"/>
         </a:spcBef>
@@ -3390,7 +3390,7 @@
           <a:cs typeface="+mn-cs"/>
         </a:defRPr>
       </a:lvl7pPr>
-      <a:lvl8pPr marL="2238434" indent="-149229" algn="l" defTabSz="596918" rtl="0" eaLnBrk="1" latinLnBrk="0" hangingPunct="1">
+      <a:lvl8pPr marL="2238322" indent="-149222" algn="l" defTabSz="596888" rtl="0" eaLnBrk="1" latinLnBrk="0" hangingPunct="1">
         <a:spcBef>
           <a:spcPct val="20000"/>
         </a:spcBef>
@@ -3405,7 +3405,7 @@
           <a:cs typeface="+mn-cs"/>
         </a:defRPr>
       </a:lvl8pPr>
-      <a:lvl9pPr marL="2536891" indent="-149229" algn="l" defTabSz="596918" rtl="0" eaLnBrk="1" latinLnBrk="0" hangingPunct="1">
+      <a:lvl9pPr marL="2536764" indent="-149222" algn="l" defTabSz="596888" rtl="0" eaLnBrk="1" latinLnBrk="0" hangingPunct="1">
         <a:spcBef>
           <a:spcPct val="20000"/>
         </a:spcBef>
@@ -3425,7 +3425,7 @@
       <a:defPPr>
         <a:defRPr lang="en-US"/>
       </a:defPPr>
-      <a:lvl1pPr marL="0" algn="l" defTabSz="596918" rtl="0" eaLnBrk="1" latinLnBrk="0" hangingPunct="1">
+      <a:lvl1pPr marL="0" algn="l" defTabSz="596888" rtl="0" eaLnBrk="1" latinLnBrk="0" hangingPunct="1">
         <a:defRPr sz="1100" kern="1200">
           <a:solidFill>
             <a:schemeClr val="tx1"/>
@@ -3435,7 +3435,7 @@
           <a:cs typeface="+mn-cs"/>
         </a:defRPr>
       </a:lvl1pPr>
-      <a:lvl2pPr marL="298458" algn="l" defTabSz="596918" rtl="0" eaLnBrk="1" latinLnBrk="0" hangingPunct="1">
+      <a:lvl2pPr marL="298443" algn="l" defTabSz="596888" rtl="0" eaLnBrk="1" latinLnBrk="0" hangingPunct="1">
         <a:defRPr sz="1100" kern="1200">
           <a:solidFill>
             <a:schemeClr val="tx1"/>
@@ -3445,7 +3445,7 @@
           <a:cs typeface="+mn-cs"/>
         </a:defRPr>
       </a:lvl2pPr>
-      <a:lvl3pPr marL="596918" algn="l" defTabSz="596918" rtl="0" eaLnBrk="1" latinLnBrk="0" hangingPunct="1">
+      <a:lvl3pPr marL="596888" algn="l" defTabSz="596888" rtl="0" eaLnBrk="1" latinLnBrk="0" hangingPunct="1">
         <a:defRPr sz="1100" kern="1200">
           <a:solidFill>
             <a:schemeClr val="tx1"/>
@@ -3455,7 +3455,7 @@
           <a:cs typeface="+mn-cs"/>
         </a:defRPr>
       </a:lvl3pPr>
-      <a:lvl4pPr marL="895374" algn="l" defTabSz="596918" rtl="0" eaLnBrk="1" latinLnBrk="0" hangingPunct="1">
+      <a:lvl4pPr marL="895329" algn="l" defTabSz="596888" rtl="0" eaLnBrk="1" latinLnBrk="0" hangingPunct="1">
         <a:defRPr sz="1100" kern="1200">
           <a:solidFill>
             <a:schemeClr val="tx1"/>
@@ -3465,7 +3465,7 @@
           <a:cs typeface="+mn-cs"/>
         </a:defRPr>
       </a:lvl4pPr>
-      <a:lvl5pPr marL="1193833" algn="l" defTabSz="596918" rtl="0" eaLnBrk="1" latinLnBrk="0" hangingPunct="1">
+      <a:lvl5pPr marL="1193773" algn="l" defTabSz="596888" rtl="0" eaLnBrk="1" latinLnBrk="0" hangingPunct="1">
         <a:defRPr sz="1100" kern="1200">
           <a:solidFill>
             <a:schemeClr val="tx1"/>
@@ -3475,7 +3475,7 @@
           <a:cs typeface="+mn-cs"/>
         </a:defRPr>
       </a:lvl5pPr>
-      <a:lvl6pPr marL="1492290" algn="l" defTabSz="596918" rtl="0" eaLnBrk="1" latinLnBrk="0" hangingPunct="1">
+      <a:lvl6pPr marL="1492215" algn="l" defTabSz="596888" rtl="0" eaLnBrk="1" latinLnBrk="0" hangingPunct="1">
         <a:defRPr sz="1100" kern="1200">
           <a:solidFill>
             <a:schemeClr val="tx1"/>
@@ -3485,7 +3485,7 @@
           <a:cs typeface="+mn-cs"/>
         </a:defRPr>
       </a:lvl6pPr>
-      <a:lvl7pPr marL="1790748" algn="l" defTabSz="596918" rtl="0" eaLnBrk="1" latinLnBrk="0" hangingPunct="1">
+      <a:lvl7pPr marL="1790659" algn="l" defTabSz="596888" rtl="0" eaLnBrk="1" latinLnBrk="0" hangingPunct="1">
         <a:defRPr sz="1100" kern="1200">
           <a:solidFill>
             <a:schemeClr val="tx1"/>
@@ -3495,7 +3495,7 @@
           <a:cs typeface="+mn-cs"/>
         </a:defRPr>
       </a:lvl7pPr>
-      <a:lvl8pPr marL="2089205" algn="l" defTabSz="596918" rtl="0" eaLnBrk="1" latinLnBrk="0" hangingPunct="1">
+      <a:lvl8pPr marL="2089100" algn="l" defTabSz="596888" rtl="0" eaLnBrk="1" latinLnBrk="0" hangingPunct="1">
         <a:defRPr sz="1100" kern="1200">
           <a:solidFill>
             <a:schemeClr val="tx1"/>
@@ -3505,7 +3505,7 @@
           <a:cs typeface="+mn-cs"/>
         </a:defRPr>
       </a:lvl8pPr>
-      <a:lvl9pPr marL="2387663" algn="l" defTabSz="596918" rtl="0" eaLnBrk="1" latinLnBrk="0" hangingPunct="1">
+      <a:lvl9pPr marL="2387544" algn="l" defTabSz="596888" rtl="0" eaLnBrk="1" latinLnBrk="0" hangingPunct="1">
         <a:defRPr sz="1100" kern="1200">
           <a:solidFill>
             <a:schemeClr val="tx1"/>
@@ -3539,31 +3539,31 @@
       </p:grpSpPr>
       <p:grpSp>
         <p:nvGrpSpPr>
-          <p:cNvPr id="578" name="Group 577"/>
+          <p:cNvPr id="2" name="Group 1"/>
           <p:cNvGrpSpPr/>
           <p:nvPr/>
         </p:nvGrpSpPr>
         <p:grpSpPr>
           <a:xfrm>
-            <a:off x="54532" y="169414"/>
-            <a:ext cx="3913660" cy="2039246"/>
-            <a:chOff x="54532" y="169414"/>
-            <a:chExt cx="3913660" cy="2039246"/>
+            <a:off x="70179" y="50964"/>
+            <a:ext cx="2967966" cy="1909435"/>
+            <a:chOff x="70179" y="50964"/>
+            <a:chExt cx="2967966" cy="1909435"/>
           </a:xfrm>
         </p:grpSpPr>
         <p:cxnSp>
           <p:nvCxnSpPr>
-            <p:cNvPr id="550" name="Elbow Connector 549"/>
+            <p:cNvPr id="60" name="Elbow Connector 59"/>
             <p:cNvCxnSpPr>
-              <a:stCxn id="559" idx="2"/>
-              <a:endCxn id="554" idx="0"/>
+              <a:stCxn id="81" idx="2"/>
+              <a:endCxn id="72" idx="0"/>
             </p:cNvCxnSpPr>
             <p:nvPr/>
           </p:nvCxnSpPr>
           <p:spPr>
             <a:xfrm rot="16200000" flipH="1">
-              <a:off x="619931" y="1151827"/>
-              <a:ext cx="253314" cy="1122367"/>
+              <a:off x="633330" y="893923"/>
+              <a:ext cx="272600" cy="1122367"/>
             </a:xfrm>
             <a:prstGeom prst="bentConnector3">
               <a:avLst>
@@ -3572,7 +3572,7 @@
             </a:prstGeom>
             <a:ln w="6350">
               <a:solidFill>
-                <a:schemeClr val="tx1"/>
+                <a:srgbClr val="0070C0"/>
               </a:solidFill>
             </a:ln>
           </p:spPr>
@@ -3593,17 +3593,17 @@
         </p:cxnSp>
         <p:cxnSp>
           <p:nvCxnSpPr>
-            <p:cNvPr id="551" name="Elbow Connector 550"/>
+            <p:cNvPr id="61" name="Elbow Connector 60"/>
             <p:cNvCxnSpPr>
-              <a:stCxn id="569" idx="2"/>
-              <a:endCxn id="558" idx="0"/>
+              <a:stCxn id="79" idx="2"/>
+              <a:endCxn id="80" idx="0"/>
             </p:cNvCxnSpPr>
             <p:nvPr/>
           </p:nvCxnSpPr>
           <p:spPr>
             <a:xfrm rot="16200000" flipH="1">
-              <a:off x="372802" y="588827"/>
-              <a:ext cx="255492" cy="825163"/>
+              <a:off x="414680" y="340115"/>
+              <a:ext cx="220695" cy="822289"/>
             </a:xfrm>
             <a:prstGeom prst="bentConnector3">
               <a:avLst>
@@ -3612,45 +3612,7 @@
             </a:prstGeom>
             <a:ln w="6350">
               <a:solidFill>
-                <a:schemeClr val="tx1"/>
-              </a:solidFill>
-            </a:ln>
-          </p:spPr>
-          <p:style>
-            <a:lnRef idx="1">
-              <a:schemeClr val="accent1"/>
-            </a:lnRef>
-            <a:fillRef idx="0">
-              <a:schemeClr val="accent1"/>
-            </a:fillRef>
-            <a:effectRef idx="0">
-              <a:schemeClr val="accent1"/>
-            </a:effectRef>
-            <a:fontRef idx="minor">
-              <a:schemeClr val="tx1"/>
-            </a:fontRef>
-          </p:style>
-        </p:cxnSp>
-        <p:cxnSp>
-          <p:nvCxnSpPr>
-            <p:cNvPr id="552" name="Elbow Connector 551"/>
-            <p:cNvCxnSpPr>
-              <a:stCxn id="558" idx="3"/>
-              <a:endCxn id="563" idx="3"/>
-            </p:cNvCxnSpPr>
-            <p:nvPr/>
-          </p:nvCxnSpPr>
-          <p:spPr>
-            <a:xfrm flipV="1">
-              <a:off x="1641643" y="705746"/>
-              <a:ext cx="2052582" cy="575809"/>
-            </a:xfrm>
-            <a:prstGeom prst="bentConnector2">
-              <a:avLst/>
-            </a:prstGeom>
-            <a:ln w="6350">
-              <a:solidFill>
-                <a:schemeClr val="tx1"/>
+                <a:srgbClr val="00B050"/>
               </a:solidFill>
             </a:ln>
           </p:spPr>
@@ -3671,13 +3633,13 @@
         </p:cxnSp>
         <p:sp>
           <p:nvSpPr>
-            <p:cNvPr id="553" name="Rectangle 552"/>
+            <p:cNvPr id="62" name="Rectangle 61"/>
             <p:cNvSpPr/>
             <p:nvPr/>
           </p:nvSpPr>
           <p:spPr>
             <a:xfrm>
-              <a:off x="60363" y="819363"/>
+              <a:off x="70179" y="549155"/>
               <a:ext cx="575799" cy="369332"/>
             </a:xfrm>
             <a:prstGeom prst="rect">
@@ -3691,14 +3653,26 @@
             <a:lstStyle/>
             <a:p>
               <a:r>
-                <a:rPr lang="en-US" sz="900" dirty="0" smtClean="0"/>
+                <a:rPr lang="en-US" sz="900" dirty="0" smtClean="0">
+                  <a:solidFill>
+                    <a:srgbClr val="00B050"/>
+                  </a:solidFill>
+                </a:rPr>
                 <a:t>replaces</a:t>
               </a:r>
-              <a:endParaRPr lang="en-US" sz="900" dirty="0"/>
+              <a:endParaRPr lang="en-US" sz="900" dirty="0">
+                <a:solidFill>
+                  <a:srgbClr val="00B050"/>
+                </a:solidFill>
+              </a:endParaRPr>
             </a:p>
             <a:p>
               <a:r>
-                <a:rPr lang="en-US" sz="900" dirty="0"/>
+                <a:rPr lang="en-US" sz="900" dirty="0">
+                  <a:solidFill>
+                    <a:srgbClr val="00B050"/>
+                  </a:solidFill>
+                </a:rPr>
                 <a:t>0,1</a:t>
               </a:r>
             </a:p>
@@ -3706,97 +3680,13 @@
         </p:sp>
         <p:sp>
           <p:nvSpPr>
-            <p:cNvPr id="554" name="Rectangle 553"/>
+            <p:cNvPr id="63" name="Rectangle 62"/>
             <p:cNvSpPr/>
             <p:nvPr/>
           </p:nvSpPr>
           <p:spPr>
             <a:xfrm>
-              <a:off x="375581" y="1839668"/>
-              <a:ext cx="1864381" cy="368992"/>
-            </a:xfrm>
-            <a:prstGeom prst="rect">
-              <a:avLst/>
-            </a:prstGeom>
-            <a:noFill/>
-            <a:ln w="6350">
-              <a:solidFill>
-                <a:srgbClr val="002060"/>
-              </a:solidFill>
-            </a:ln>
-          </p:spPr>
-          <p:style>
-            <a:lnRef idx="2">
-              <a:schemeClr val="accent1">
-                <a:shade val="50000"/>
-              </a:schemeClr>
-            </a:lnRef>
-            <a:fillRef idx="1">
-              <a:schemeClr val="accent1"/>
-            </a:fillRef>
-            <a:effectRef idx="0">
-              <a:schemeClr val="accent1"/>
-            </a:effectRef>
-            <a:fontRef idx="minor">
-              <a:schemeClr val="lt1"/>
-            </a:fontRef>
-          </p:style>
-          <p:txBody>
-            <a:bodyPr lIns="91440" tIns="45720" rIns="91440" bIns="45720" spcCol="0" rtlCol="0" anchor="t"/>
-            <a:lstStyle/>
-            <a:p>
-              <a:pPr algn="ctr"/>
-              <a:r>
-                <a:rPr lang="en-US" sz="1100" b="1" dirty="0" err="1" smtClean="0">
-                  <a:solidFill>
-                    <a:schemeClr val="tx1"/>
-                  </a:solidFill>
-                </a:rPr>
-                <a:t>ReplacedElement</a:t>
-              </a:r>
-              <a:endParaRPr lang="en-US" sz="1100" b="1" dirty="0" smtClean="0">
-                <a:solidFill>
-                  <a:schemeClr val="tx1"/>
-                </a:solidFill>
-              </a:endParaRPr>
-            </a:p>
-            <a:p>
-              <a:r>
-                <a:rPr lang="en-US" sz="900" dirty="0" smtClean="0">
-                  <a:solidFill>
-                    <a:schemeClr val="tx1"/>
-                  </a:solidFill>
-                </a:rPr>
-                <a:t>identical: </a:t>
-              </a:r>
-              <a:r>
-                <a:rPr lang="en-US" sz="900" dirty="0" err="1" smtClean="0">
-                  <a:solidFill>
-                    <a:schemeClr val="tx1"/>
-                  </a:solidFill>
-                </a:rPr>
-                <a:t>boolean</a:t>
-              </a:r>
-              <a:r>
-                <a:rPr lang="en-US" sz="900" dirty="0" smtClean="0">
-                  <a:solidFill>
-                    <a:schemeClr val="tx1"/>
-                  </a:solidFill>
-                </a:rPr>
-                <a:t> {use=“optional”}</a:t>
-              </a:r>
-            </a:p>
-          </p:txBody>
-        </p:sp>
-        <p:sp>
-          <p:nvSpPr>
-            <p:cNvPr id="555" name="Rectangle 554"/>
-            <p:cNvSpPr/>
-            <p:nvPr/>
-          </p:nvSpPr>
-          <p:spPr>
-            <a:xfrm>
-              <a:off x="131272" y="1515096"/>
+              <a:off x="154314" y="1263364"/>
               <a:ext cx="744114" cy="369332"/>
             </a:xfrm>
             <a:prstGeom prst="rect">
@@ -3810,14 +3700,26 @@
             <a:lstStyle/>
             <a:p>
               <a:r>
-                <a:rPr lang="en-US" sz="900" dirty="0" err="1" smtClean="0"/>
+                <a:rPr lang="en-US" sz="900" dirty="0" err="1" smtClean="0">
+                  <a:solidFill>
+                    <a:srgbClr val="0070C0"/>
+                  </a:solidFill>
+                </a:rPr>
                 <a:t>subelement</a:t>
               </a:r>
-              <a:endParaRPr lang="en-US" sz="900" dirty="0"/>
+              <a:endParaRPr lang="en-US" sz="900" dirty="0">
+                <a:solidFill>
+                  <a:srgbClr val="0070C0"/>
+                </a:solidFill>
+              </a:endParaRPr>
             </a:p>
             <a:p>
               <a:r>
-                <a:rPr lang="en-US" sz="900" dirty="0"/>
+                <a:rPr lang="en-US" sz="900" dirty="0">
+                  <a:solidFill>
+                    <a:srgbClr val="0070C0"/>
+                  </a:solidFill>
+                </a:rPr>
                 <a:t>0,…,*</a:t>
               </a:r>
             </a:p>
@@ -3825,24 +3727,26 @@
         </p:sp>
         <p:cxnSp>
           <p:nvCxnSpPr>
-            <p:cNvPr id="556" name="Elbow Connector 555"/>
+            <p:cNvPr id="64" name="Elbow Connector 63"/>
             <p:cNvCxnSpPr>
-              <a:stCxn id="571" idx="3"/>
-              <a:endCxn id="563" idx="3"/>
+              <a:stCxn id="74" idx="0"/>
+              <a:endCxn id="66" idx="3"/>
             </p:cNvCxnSpPr>
             <p:nvPr/>
           </p:nvCxnSpPr>
           <p:spPr>
-            <a:xfrm flipV="1">
-              <a:off x="3519369" y="705746"/>
-              <a:ext cx="174856" cy="911982"/>
+            <a:xfrm rot="16200000" flipV="1">
+              <a:off x="2294266" y="856184"/>
+              <a:ext cx="537776" cy="2"/>
             </a:xfrm>
-            <a:prstGeom prst="bentConnector2">
-              <a:avLst/>
+            <a:prstGeom prst="bentConnector3">
+              <a:avLst>
+                <a:gd name="adj1" fmla="val 50000"/>
+              </a:avLst>
             </a:prstGeom>
             <a:ln w="6350">
               <a:solidFill>
-                <a:schemeClr val="tx1"/>
+                <a:srgbClr val="0070C0"/>
               </a:solidFill>
             </a:ln>
           </p:spPr>
@@ -3863,13 +3767,13 @@
         </p:cxnSp>
         <p:grpSp>
           <p:nvGrpSpPr>
-            <p:cNvPr id="557" name="Group 556"/>
+            <p:cNvPr id="65" name="Group 64"/>
             <p:cNvGrpSpPr/>
             <p:nvPr/>
           </p:nvGrpSpPr>
           <p:grpSpPr>
             <a:xfrm>
-              <a:off x="151970" y="1129155"/>
+              <a:off x="175012" y="861608"/>
               <a:ext cx="1489673" cy="457199"/>
               <a:chOff x="162625" y="2704579"/>
               <a:chExt cx="1489673" cy="457199"/>
@@ -3877,7 +3781,7 @@
           </p:grpSpPr>
           <p:sp>
             <p:nvSpPr>
-              <p:cNvPr id="558" name="Rectangle 557"/>
+              <p:cNvPr id="80" name="Rectangle 79"/>
               <p:cNvSpPr/>
               <p:nvPr/>
             </p:nvSpPr>
@@ -3892,7 +3796,7 @@
               <a:noFill/>
               <a:ln w="6350">
                 <a:solidFill>
-                  <a:srgbClr val="002060"/>
+                  <a:srgbClr val="0070C0"/>
                 </a:solidFill>
               </a:ln>
             </p:spPr>
@@ -3920,14 +3824,14 @@
                 <a:r>
                   <a:rPr lang="en-US" sz="1100" b="1" dirty="0" err="1" smtClean="0">
                     <a:solidFill>
-                      <a:schemeClr val="tx1"/>
+                      <a:srgbClr val="0070C0"/>
                     </a:solidFill>
                   </a:rPr>
                   <a:t>ListOfReplacements</a:t>
                 </a:r>
                 <a:endParaRPr lang="en-US" sz="1100" b="1" dirty="0">
                   <a:solidFill>
-                    <a:schemeClr val="tx1"/>
+                    <a:srgbClr val="0070C0"/>
                   </a:solidFill>
                 </a:endParaRPr>
               </a:p>
@@ -3935,7 +3839,7 @@
           </p:sp>
           <p:sp>
             <p:nvSpPr>
-              <p:cNvPr id="559" name="Diamond 558"/>
+              <p:cNvPr id="81" name="Diamond 80"/>
               <p:cNvSpPr/>
               <p:nvPr/>
             </p:nvSpPr>
@@ -3948,11 +3852,11 @@
                 <a:avLst/>
               </a:prstGeom>
               <a:solidFill>
-                <a:schemeClr val="tx1"/>
+                <a:srgbClr val="0070C0"/>
               </a:solidFill>
               <a:ln w="6350">
                 <a:solidFill>
-                  <a:schemeClr val="tx1"/>
+                  <a:srgbClr val="0070C0"/>
                 </a:solidFill>
               </a:ln>
             </p:spPr>
@@ -3977,163 +3881,9 @@
               <a:lstStyle/>
               <a:p>
                 <a:pPr algn="ctr"/>
-                <a:endParaRPr lang="en-US"/>
-              </a:p>
-            </p:txBody>
-          </p:sp>
-        </p:grpSp>
-        <p:cxnSp>
-          <p:nvCxnSpPr>
-            <p:cNvPr id="560" name="Elbow Connector 559"/>
-            <p:cNvCxnSpPr>
-              <a:stCxn id="568" idx="0"/>
-              <a:endCxn id="564" idx="3"/>
-            </p:cNvCxnSpPr>
-            <p:nvPr/>
-          </p:nvCxnSpPr>
-          <p:spPr>
-            <a:xfrm rot="5400000" flipH="1" flipV="1">
-              <a:off x="2525137" y="-885371"/>
-              <a:ext cx="114300" cy="2223871"/>
-            </a:xfrm>
-            <a:prstGeom prst="bentConnector3">
-              <a:avLst>
-                <a:gd name="adj1" fmla="val 187565"/>
-              </a:avLst>
-            </a:prstGeom>
-            <a:ln w="6350">
-              <a:solidFill>
-                <a:schemeClr val="tx1"/>
-              </a:solidFill>
-            </a:ln>
-          </p:spPr>
-          <p:style>
-            <a:lnRef idx="1">
-              <a:schemeClr val="accent1"/>
-            </a:lnRef>
-            <a:fillRef idx="0">
-              <a:schemeClr val="accent1"/>
-            </a:fillRef>
-            <a:effectRef idx="0">
-              <a:schemeClr val="accent1"/>
-            </a:effectRef>
-            <a:fontRef idx="minor">
-              <a:schemeClr val="tx1"/>
-            </a:fontRef>
-          </p:style>
-        </p:cxnSp>
-        <p:grpSp>
-          <p:nvGrpSpPr>
-            <p:cNvPr id="561" name="Group 560"/>
-            <p:cNvGrpSpPr/>
-            <p:nvPr/>
-          </p:nvGrpSpPr>
-          <p:grpSpPr>
-            <a:xfrm>
-              <a:off x="3386023" y="283714"/>
-              <a:ext cx="582169" cy="422032"/>
-              <a:chOff x="4453762" y="214881"/>
-              <a:chExt cx="582169" cy="422032"/>
-            </a:xfrm>
-          </p:grpSpPr>
-          <p:sp>
-            <p:nvSpPr>
-              <p:cNvPr id="562" name="Rectangle 561"/>
-              <p:cNvSpPr/>
-              <p:nvPr/>
-            </p:nvSpPr>
-            <p:spPr>
-              <a:xfrm>
-                <a:off x="4453762" y="214881"/>
-                <a:ext cx="582169" cy="304800"/>
-              </a:xfrm>
-              <a:prstGeom prst="rect">
-                <a:avLst/>
-              </a:prstGeom>
-              <a:noFill/>
-              <a:ln w="6350">
-                <a:solidFill>
-                  <a:srgbClr val="002060"/>
-                </a:solidFill>
-              </a:ln>
-            </p:spPr>
-            <p:style>
-              <a:lnRef idx="2">
-                <a:schemeClr val="accent1">
-                  <a:shade val="50000"/>
-                </a:schemeClr>
-              </a:lnRef>
-              <a:fillRef idx="1">
-                <a:schemeClr val="accent1"/>
-              </a:fillRef>
-              <a:effectRef idx="0">
-                <a:schemeClr val="accent1"/>
-              </a:effectRef>
-              <a:fontRef idx="minor">
-                <a:schemeClr val="lt1"/>
-              </a:fontRef>
-            </p:style>
-            <p:txBody>
-              <a:bodyPr lIns="91440" tIns="45720" rIns="91440" bIns="45720" spcCol="0" rtlCol="0" anchor="ctr"/>
-              <a:lstStyle/>
-              <a:p>
-                <a:pPr algn="ctr"/>
-                <a:r>
-                  <a:rPr lang="en-US" sz="1100" b="1" dirty="0">
-                    <a:solidFill>
-                      <a:schemeClr val="tx1"/>
-                    </a:solidFill>
-                  </a:rPr>
-                  <a:t>SBase</a:t>
-                </a:r>
-              </a:p>
-            </p:txBody>
-          </p:sp>
-          <p:sp>
-            <p:nvSpPr>
-              <p:cNvPr id="563" name="Isosceles Triangle 562"/>
-              <p:cNvSpPr/>
-              <p:nvPr/>
-            </p:nvSpPr>
-            <p:spPr>
-              <a:xfrm>
-                <a:off x="4682364" y="522613"/>
-                <a:ext cx="159199" cy="114300"/>
-              </a:xfrm>
-              <a:prstGeom prst="triangle">
-                <a:avLst/>
-              </a:prstGeom>
-              <a:noFill/>
-              <a:ln w="6350">
-                <a:solidFill>
-                  <a:srgbClr val="002060"/>
-                </a:solidFill>
-              </a:ln>
-            </p:spPr>
-            <p:style>
-              <a:lnRef idx="2">
-                <a:schemeClr val="accent1">
-                  <a:shade val="50000"/>
-                </a:schemeClr>
-              </a:lnRef>
-              <a:fillRef idx="1">
-                <a:schemeClr val="accent1"/>
-              </a:fillRef>
-              <a:effectRef idx="0">
-                <a:schemeClr val="accent1"/>
-              </a:effectRef>
-              <a:fontRef idx="minor">
-                <a:schemeClr val="lt1"/>
-              </a:fontRef>
-            </p:style>
-            <p:txBody>
-              <a:bodyPr lIns="91440" tIns="45720" rIns="91440" bIns="45720" spcCol="0" rtlCol="0" anchor="ctr"/>
-              <a:lstStyle/>
-              <a:p>
-                <a:pPr algn="ctr"/>
-                <a:endParaRPr lang="en-US" sz="1100" b="1" dirty="0">
+                <a:endParaRPr lang="en-US">
                   <a:solidFill>
-                    <a:schemeClr val="tx1"/>
+                    <a:srgbClr val="0070C0"/>
                   </a:solidFill>
                 </a:endParaRPr>
               </a:p>
@@ -4142,13 +3892,13 @@
         </p:grpSp>
         <p:sp>
           <p:nvSpPr>
-            <p:cNvPr id="564" name="Isosceles Triangle 563"/>
+            <p:cNvPr id="66" name="Isosceles Triangle 65"/>
             <p:cNvSpPr/>
             <p:nvPr/>
           </p:nvSpPr>
           <p:spPr>
-            <a:xfrm rot="10800000">
-              <a:off x="3614624" y="169414"/>
+            <a:xfrm>
+              <a:off x="2483553" y="472997"/>
               <a:ext cx="159199" cy="114300"/>
             </a:xfrm>
             <a:prstGeom prst="triangle">
@@ -4157,7 +3907,7 @@
             <a:noFill/>
             <a:ln w="6350">
               <a:solidFill>
-                <a:srgbClr val="002060"/>
+                <a:srgbClr val="0070C0"/>
               </a:solidFill>
             </a:ln>
           </p:spPr>
@@ -4184,247 +3934,241 @@
               <a:pPr algn="ctr"/>
               <a:endParaRPr lang="en-US" sz="1100" b="1" dirty="0">
                 <a:solidFill>
-                  <a:schemeClr val="tx1"/>
+                  <a:srgbClr val="0070C0"/>
                 </a:solidFill>
               </a:endParaRPr>
             </a:p>
           </p:txBody>
         </p:sp>
+        <p:sp>
+          <p:nvSpPr>
+            <p:cNvPr id="78" name="Rectangle 77"/>
+            <p:cNvSpPr/>
+            <p:nvPr/>
+          </p:nvSpPr>
+          <p:spPr>
+            <a:xfrm>
+              <a:off x="113883" y="50964"/>
+              <a:ext cx="2764770" cy="422033"/>
+            </a:xfrm>
+            <a:prstGeom prst="rect">
+              <a:avLst/>
+            </a:prstGeom>
+            <a:noFill/>
+            <a:ln w="6350">
+              <a:solidFill>
+                <a:schemeClr val="tx1"/>
+              </a:solidFill>
+            </a:ln>
+          </p:spPr>
+          <p:style>
+            <a:lnRef idx="2">
+              <a:schemeClr val="accent1">
+                <a:shade val="50000"/>
+              </a:schemeClr>
+            </a:lnRef>
+            <a:fillRef idx="1">
+              <a:schemeClr val="accent1"/>
+            </a:fillRef>
+            <a:effectRef idx="0">
+              <a:schemeClr val="accent1"/>
+            </a:effectRef>
+            <a:fontRef idx="minor">
+              <a:schemeClr val="lt1"/>
+            </a:fontRef>
+          </p:style>
+          <p:txBody>
+            <a:bodyPr rtlCol="0" anchor="t"/>
+            <a:lstStyle/>
+            <a:p>
+              <a:pPr algn="ctr"/>
+              <a:r>
+                <a:rPr lang="en-US" sz="1100" b="1" dirty="0" err="1" smtClean="0">
+                  <a:solidFill>
+                    <a:schemeClr val="tx1"/>
+                  </a:solidFill>
+                </a:rPr>
+                <a:t>SBase</a:t>
+              </a:r>
+              <a:r>
+                <a:rPr lang="en-US" sz="1100" b="1" dirty="0" smtClean="0">
+                  <a:solidFill>
+                    <a:schemeClr val="tx1"/>
+                  </a:solidFill>
+                </a:rPr>
+                <a:t> </a:t>
+              </a:r>
+              <a:r>
+                <a:rPr lang="en-US" sz="900" b="1" i="1" dirty="0">
+                  <a:solidFill>
+                    <a:srgbClr val="00B050"/>
+                  </a:solidFill>
+                </a:rPr>
+                <a:t>(extended</a:t>
+              </a:r>
+              <a:r>
+                <a:rPr lang="en-US" sz="900" b="1" i="1" dirty="0" smtClean="0">
+                  <a:solidFill>
+                    <a:srgbClr val="00B050"/>
+                  </a:solidFill>
+                </a:rPr>
+                <a:t>)</a:t>
+              </a:r>
+              <a:endParaRPr lang="en-US" sz="1100" b="1" dirty="0">
+                <a:solidFill>
+                  <a:schemeClr val="tx1"/>
+                </a:solidFill>
+              </a:endParaRPr>
+            </a:p>
+            <a:p>
+              <a:r>
+                <a:rPr lang="en-US" sz="900" dirty="0" err="1" smtClean="0">
+                  <a:solidFill>
+                    <a:srgbClr val="00B050"/>
+                  </a:solidFill>
+                </a:rPr>
+                <a:t>portid</a:t>
+              </a:r>
+              <a:r>
+                <a:rPr lang="en-US" sz="900" dirty="0" smtClean="0">
+                  <a:solidFill>
+                    <a:srgbClr val="00B050"/>
+                  </a:solidFill>
+                </a:rPr>
+                <a:t>: </a:t>
+              </a:r>
+              <a:r>
+                <a:rPr lang="en-US" sz="900" dirty="0" err="1" smtClean="0">
+                  <a:solidFill>
+                    <a:srgbClr val="00B050"/>
+                  </a:solidFill>
+                </a:rPr>
+                <a:t>P</a:t>
+              </a:r>
+              <a:r>
+                <a:rPr lang="en-US" sz="900" dirty="0" err="1">
+                  <a:solidFill>
+                    <a:srgbClr val="00B050"/>
+                  </a:solidFill>
+                </a:rPr>
+                <a:t>I</a:t>
+              </a:r>
+              <a:r>
+                <a:rPr lang="en-US" sz="900" dirty="0" err="1" smtClean="0">
+                  <a:solidFill>
+                    <a:srgbClr val="00B050"/>
+                  </a:solidFill>
+                </a:rPr>
+                <a:t>d</a:t>
+              </a:r>
+              <a:r>
+                <a:rPr lang="en-US" sz="900" dirty="0" smtClean="0">
+                  <a:solidFill>
+                    <a:srgbClr val="00B050"/>
+                  </a:solidFill>
+                </a:rPr>
+                <a:t> {use=“optional”}</a:t>
+              </a:r>
+              <a:endParaRPr lang="en-US" sz="900" dirty="0">
+                <a:solidFill>
+                  <a:srgbClr val="00B050"/>
+                </a:solidFill>
+              </a:endParaRPr>
+            </a:p>
+          </p:txBody>
+        </p:sp>
+        <p:sp>
+          <p:nvSpPr>
+            <p:cNvPr id="79" name="Diamond 78"/>
+            <p:cNvSpPr/>
+            <p:nvPr/>
+          </p:nvSpPr>
+          <p:spPr>
+            <a:xfrm>
+              <a:off x="80448" y="472997"/>
+              <a:ext cx="66869" cy="167916"/>
+            </a:xfrm>
+            <a:prstGeom prst="diamond">
+              <a:avLst/>
+            </a:prstGeom>
+            <a:solidFill>
+              <a:srgbClr val="00B050"/>
+            </a:solidFill>
+            <a:ln w="6350">
+              <a:solidFill>
+                <a:srgbClr val="00B050"/>
+              </a:solidFill>
+            </a:ln>
+          </p:spPr>
+          <p:style>
+            <a:lnRef idx="2">
+              <a:schemeClr val="accent1">
+                <a:shade val="50000"/>
+              </a:schemeClr>
+            </a:lnRef>
+            <a:fillRef idx="1">
+              <a:schemeClr val="accent1"/>
+            </a:fillRef>
+            <a:effectRef idx="0">
+              <a:schemeClr val="accent1"/>
+            </a:effectRef>
+            <a:fontRef idx="minor">
+              <a:schemeClr val="lt1"/>
+            </a:fontRef>
+          </p:style>
+          <p:txBody>
+            <a:bodyPr lIns="91440" tIns="45720" rIns="91440" bIns="45720" spcCol="0" rtlCol="0" anchor="ctr"/>
+            <a:lstStyle/>
+            <a:p>
+              <a:pPr algn="ctr"/>
+              <a:endParaRPr lang="en-US"/>
+            </a:p>
+          </p:txBody>
+        </p:sp>
+        <p:cxnSp>
+          <p:nvCxnSpPr>
+            <p:cNvPr id="77" name="Straight Connector 76"/>
+            <p:cNvCxnSpPr/>
+            <p:nvPr/>
+          </p:nvCxnSpPr>
+          <p:spPr>
+            <a:xfrm>
+              <a:off x="113882" y="237374"/>
+              <a:ext cx="2764770" cy="0"/>
+            </a:xfrm>
+            <a:prstGeom prst="line">
+              <a:avLst/>
+            </a:prstGeom>
+            <a:ln w="6350">
+              <a:solidFill>
+                <a:schemeClr val="tx1"/>
+              </a:solidFill>
+            </a:ln>
+          </p:spPr>
+          <p:style>
+            <a:lnRef idx="1">
+              <a:schemeClr val="accent1"/>
+            </a:lnRef>
+            <a:fillRef idx="0">
+              <a:schemeClr val="accent1"/>
+            </a:fillRef>
+            <a:effectRef idx="0">
+              <a:schemeClr val="accent1"/>
+            </a:effectRef>
+            <a:fontRef idx="minor">
+              <a:schemeClr val="tx1"/>
+            </a:fontRef>
+          </p:style>
+        </p:cxnSp>
         <p:grpSp>
           <p:nvGrpSpPr>
-            <p:cNvPr id="565" name="Group 564"/>
+            <p:cNvPr id="68" name="Group 67"/>
             <p:cNvGrpSpPr/>
             <p:nvPr/>
           </p:nvGrpSpPr>
           <p:grpSpPr>
             <a:xfrm>
-              <a:off x="54532" y="283714"/>
-              <a:ext cx="2798205" cy="589949"/>
-              <a:chOff x="65187" y="453100"/>
-              <a:chExt cx="2798205" cy="589949"/>
-            </a:xfrm>
-          </p:grpSpPr>
-          <p:grpSp>
-            <p:nvGrpSpPr>
-              <p:cNvPr id="566" name="Group 565"/>
-              <p:cNvGrpSpPr/>
-              <p:nvPr/>
-            </p:nvGrpSpPr>
-            <p:grpSpPr>
-              <a:xfrm>
-                <a:off x="65187" y="453100"/>
-                <a:ext cx="2798205" cy="589949"/>
-                <a:chOff x="65187" y="109269"/>
-                <a:chExt cx="2798205" cy="535428"/>
-              </a:xfrm>
-            </p:grpSpPr>
-            <p:sp>
-              <p:nvSpPr>
-                <p:cNvPr id="568" name="Rectangle 567"/>
-                <p:cNvSpPr/>
-                <p:nvPr/>
-              </p:nvSpPr>
-              <p:spPr>
-                <a:xfrm>
-                  <a:off x="98622" y="109269"/>
-                  <a:ext cx="2764770" cy="383030"/>
-                </a:xfrm>
-                <a:prstGeom prst="rect">
-                  <a:avLst/>
-                </a:prstGeom>
-                <a:noFill/>
-                <a:ln w="6350">
-                  <a:solidFill>
-                    <a:srgbClr val="002060"/>
-                  </a:solidFill>
-                </a:ln>
-              </p:spPr>
-              <p:style>
-                <a:lnRef idx="2">
-                  <a:schemeClr val="accent1">
-                    <a:shade val="50000"/>
-                  </a:schemeClr>
-                </a:lnRef>
-                <a:fillRef idx="1">
-                  <a:schemeClr val="accent1"/>
-                </a:fillRef>
-                <a:effectRef idx="0">
-                  <a:schemeClr val="accent1"/>
-                </a:effectRef>
-                <a:fontRef idx="minor">
-                  <a:schemeClr val="lt1"/>
-                </a:fontRef>
-              </p:style>
-              <p:txBody>
-                <a:bodyPr rtlCol="0" anchor="t"/>
-                <a:lstStyle/>
-                <a:p>
-                  <a:pPr algn="ctr"/>
-                  <a:r>
-                    <a:rPr lang="en-US" sz="1100" b="1" dirty="0" err="1" smtClean="0">
-                      <a:solidFill>
-                        <a:schemeClr val="tx1"/>
-                      </a:solidFill>
-                    </a:rPr>
-                    <a:t>HierarchicalSBase</a:t>
-                  </a:r>
-                  <a:endParaRPr lang="en-US" sz="1100" b="1" dirty="0">
-                    <a:solidFill>
-                      <a:schemeClr val="tx1"/>
-                    </a:solidFill>
-                  </a:endParaRPr>
-                </a:p>
-                <a:p>
-                  <a:r>
-                    <a:rPr lang="en-US" sz="900" dirty="0" err="1" smtClean="0">
-                      <a:solidFill>
-                        <a:schemeClr val="tx1"/>
-                      </a:solidFill>
-                    </a:rPr>
-                    <a:t>portid</a:t>
-                  </a:r>
-                  <a:r>
-                    <a:rPr lang="en-US" sz="900" dirty="0" smtClean="0">
-                      <a:solidFill>
-                        <a:schemeClr val="tx1"/>
-                      </a:solidFill>
-                    </a:rPr>
-                    <a:t>: </a:t>
-                  </a:r>
-                  <a:r>
-                    <a:rPr lang="en-US" sz="900" dirty="0" err="1" smtClean="0">
-                      <a:solidFill>
-                        <a:schemeClr val="tx1"/>
-                      </a:solidFill>
-                    </a:rPr>
-                    <a:t>P</a:t>
-                  </a:r>
-                  <a:r>
-                    <a:rPr lang="en-US" sz="900" dirty="0" err="1">
-                      <a:solidFill>
-                        <a:schemeClr val="tx1"/>
-                      </a:solidFill>
-                    </a:rPr>
-                    <a:t>I</a:t>
-                  </a:r>
-                  <a:r>
-                    <a:rPr lang="en-US" sz="900" dirty="0" err="1" smtClean="0">
-                      <a:solidFill>
-                        <a:schemeClr val="tx1"/>
-                      </a:solidFill>
-                    </a:rPr>
-                    <a:t>d</a:t>
-                  </a:r>
-                  <a:r>
-                    <a:rPr lang="en-US" sz="900" dirty="0" smtClean="0">
-                      <a:solidFill>
-                        <a:schemeClr val="tx1"/>
-                      </a:solidFill>
-                    </a:rPr>
-                    <a:t> {use=“optional”}</a:t>
-                  </a:r>
-                  <a:endParaRPr lang="en-US" sz="900" dirty="0">
-                    <a:solidFill>
-                      <a:schemeClr val="tx1"/>
-                    </a:solidFill>
-                  </a:endParaRPr>
-                </a:p>
-              </p:txBody>
-            </p:sp>
-            <p:sp>
-              <p:nvSpPr>
-                <p:cNvPr id="569" name="Diamond 568"/>
-                <p:cNvSpPr/>
-                <p:nvPr/>
-              </p:nvSpPr>
-              <p:spPr>
-                <a:xfrm>
-                  <a:off x="65187" y="492299"/>
-                  <a:ext cx="66869" cy="152398"/>
-                </a:xfrm>
-                <a:prstGeom prst="diamond">
-                  <a:avLst/>
-                </a:prstGeom>
-                <a:solidFill>
-                  <a:schemeClr val="tx1"/>
-                </a:solidFill>
-                <a:ln w="6350">
-                  <a:solidFill>
-                    <a:schemeClr val="tx1"/>
-                  </a:solidFill>
-                </a:ln>
-              </p:spPr>
-              <p:style>
-                <a:lnRef idx="2">
-                  <a:schemeClr val="accent1">
-                    <a:shade val="50000"/>
-                  </a:schemeClr>
-                </a:lnRef>
-                <a:fillRef idx="1">
-                  <a:schemeClr val="accent1"/>
-                </a:fillRef>
-                <a:effectRef idx="0">
-                  <a:schemeClr val="accent1"/>
-                </a:effectRef>
-                <a:fontRef idx="minor">
-                  <a:schemeClr val="lt1"/>
-                </a:fontRef>
-              </p:style>
-              <p:txBody>
-                <a:bodyPr lIns="91440" tIns="45720" rIns="91440" bIns="45720" spcCol="0" rtlCol="0" anchor="ctr"/>
-                <a:lstStyle/>
-                <a:p>
-                  <a:pPr algn="ctr"/>
-                  <a:endParaRPr lang="en-US"/>
-                </a:p>
-              </p:txBody>
-            </p:sp>
-          </p:grpSp>
-          <p:cxnSp>
-            <p:nvCxnSpPr>
-              <p:cNvPr id="567" name="Straight Connector 566"/>
-              <p:cNvCxnSpPr/>
-              <p:nvPr/>
-            </p:nvCxnSpPr>
-            <p:spPr>
-              <a:xfrm>
-                <a:off x="98621" y="639510"/>
-                <a:ext cx="2764770" cy="0"/>
-              </a:xfrm>
-              <a:prstGeom prst="line">
-                <a:avLst/>
-              </a:prstGeom>
-              <a:ln w="6350">
-                <a:solidFill>
-                  <a:schemeClr val="tx1"/>
-                </a:solidFill>
-              </a:ln>
-            </p:spPr>
-            <p:style>
-              <a:lnRef idx="1">
-                <a:schemeClr val="accent1"/>
-              </a:lnRef>
-              <a:fillRef idx="0">
-                <a:schemeClr val="accent1"/>
-              </a:fillRef>
-              <a:effectRef idx="0">
-                <a:schemeClr val="accent1"/>
-              </a:effectRef>
-              <a:fontRef idx="minor">
-                <a:schemeClr val="tx1"/>
-              </a:fontRef>
-            </p:style>
-          </p:cxnSp>
-        </p:grpSp>
-        <p:grpSp>
-          <p:nvGrpSpPr>
-            <p:cNvPr id="570" name="Group 569"/>
-            <p:cNvGrpSpPr/>
-            <p:nvPr/>
-          </p:nvGrpSpPr>
-          <p:grpSpPr>
-            <a:xfrm>
-              <a:off x="2569388" y="1465328"/>
+              <a:off x="2088164" y="1125073"/>
               <a:ext cx="949981" cy="419100"/>
               <a:chOff x="2569388" y="1565687"/>
               <a:chExt cx="949981" cy="419100"/>
@@ -4432,7 +4176,7 @@
           </p:grpSpPr>
           <p:sp>
             <p:nvSpPr>
-              <p:cNvPr id="571" name="Rectangle 570"/>
+              <p:cNvPr id="74" name="Rectangle 73"/>
               <p:cNvSpPr/>
               <p:nvPr/>
             </p:nvSpPr>
@@ -4447,7 +4191,7 @@
               <a:noFill/>
               <a:ln w="6350">
                 <a:solidFill>
-                  <a:srgbClr val="002060"/>
+                  <a:srgbClr val="0070C0"/>
                 </a:solidFill>
               </a:ln>
             </p:spPr>
@@ -4475,14 +4219,14 @@
                 <a:r>
                   <a:rPr lang="en-US" sz="1100" b="1" dirty="0" err="1" smtClean="0">
                     <a:solidFill>
-                      <a:schemeClr val="tx1"/>
+                      <a:srgbClr val="0070C0"/>
                     </a:solidFill>
                   </a:rPr>
                   <a:t>Subelement</a:t>
                 </a:r>
                 <a:endParaRPr lang="en-US" sz="1100" b="1" dirty="0">
                   <a:solidFill>
-                    <a:schemeClr val="tx1"/>
+                    <a:srgbClr val="0070C0"/>
                   </a:solidFill>
                 </a:endParaRPr>
               </a:p>
@@ -4490,7 +4234,7 @@
           </p:sp>
           <p:sp>
             <p:nvSpPr>
-              <p:cNvPr id="572" name="Isosceles Triangle 571"/>
+              <p:cNvPr id="75" name="Isosceles Triangle 74"/>
               <p:cNvSpPr/>
               <p:nvPr/>
             </p:nvSpPr>
@@ -4505,7 +4249,7 @@
               <a:noFill/>
               <a:ln w="6350">
                 <a:solidFill>
-                  <a:srgbClr val="002060"/>
+                  <a:srgbClr val="0070C0"/>
                 </a:solidFill>
               </a:ln>
             </p:spPr>
@@ -4532,30 +4276,167 @@
                 <a:pPr algn="ctr"/>
                 <a:endParaRPr lang="en-US" sz="1100" b="1" dirty="0">
                   <a:solidFill>
-                    <a:schemeClr val="tx1"/>
+                    <a:srgbClr val="0070C0"/>
                   </a:solidFill>
                 </a:endParaRPr>
               </a:p>
             </p:txBody>
           </p:sp>
         </p:grpSp>
+        <p:grpSp>
+          <p:nvGrpSpPr>
+            <p:cNvPr id="69" name="Group 68"/>
+            <p:cNvGrpSpPr/>
+            <p:nvPr/>
+          </p:nvGrpSpPr>
+          <p:grpSpPr>
+            <a:xfrm>
+              <a:off x="398623" y="1591407"/>
+              <a:ext cx="1864381" cy="368992"/>
+              <a:chOff x="372707" y="2137744"/>
+              <a:chExt cx="1864381" cy="368992"/>
+            </a:xfrm>
+          </p:grpSpPr>
+          <p:sp>
+            <p:nvSpPr>
+              <p:cNvPr id="72" name="Rectangle 71"/>
+              <p:cNvSpPr/>
+              <p:nvPr/>
+            </p:nvSpPr>
+            <p:spPr>
+              <a:xfrm>
+                <a:off x="372707" y="2137744"/>
+                <a:ext cx="1864381" cy="368992"/>
+              </a:xfrm>
+              <a:prstGeom prst="rect">
+                <a:avLst/>
+              </a:prstGeom>
+              <a:noFill/>
+              <a:ln w="6350">
+                <a:solidFill>
+                  <a:srgbClr val="0070C0"/>
+                </a:solidFill>
+              </a:ln>
+            </p:spPr>
+            <p:style>
+              <a:lnRef idx="2">
+                <a:schemeClr val="accent1">
+                  <a:shade val="50000"/>
+                </a:schemeClr>
+              </a:lnRef>
+              <a:fillRef idx="1">
+                <a:schemeClr val="accent1"/>
+              </a:fillRef>
+              <a:effectRef idx="0">
+                <a:schemeClr val="accent1"/>
+              </a:effectRef>
+              <a:fontRef idx="minor">
+                <a:schemeClr val="lt1"/>
+              </a:fontRef>
+            </p:style>
+            <p:txBody>
+              <a:bodyPr lIns="91440" tIns="45720" rIns="91440" bIns="45720" spcCol="0" rtlCol="0" anchor="t"/>
+              <a:lstStyle/>
+              <a:p>
+                <a:pPr algn="ctr"/>
+                <a:r>
+                  <a:rPr lang="en-US" sz="1100" b="1" dirty="0" err="1" smtClean="0">
+                    <a:solidFill>
+                      <a:srgbClr val="0070C0"/>
+                    </a:solidFill>
+                  </a:rPr>
+                  <a:t>ReplacedElement</a:t>
+                </a:r>
+                <a:endParaRPr lang="en-US" sz="1100" b="1" dirty="0" smtClean="0">
+                  <a:solidFill>
+                    <a:srgbClr val="0070C0"/>
+                  </a:solidFill>
+                </a:endParaRPr>
+              </a:p>
+              <a:p>
+                <a:r>
+                  <a:rPr lang="en-US" sz="900" dirty="0" smtClean="0">
+                    <a:solidFill>
+                      <a:srgbClr val="0070C0"/>
+                    </a:solidFill>
+                  </a:rPr>
+                  <a:t>identical: </a:t>
+                </a:r>
+                <a:r>
+                  <a:rPr lang="en-US" sz="900" dirty="0" err="1" smtClean="0">
+                    <a:solidFill>
+                      <a:srgbClr val="0070C0"/>
+                    </a:solidFill>
+                  </a:rPr>
+                  <a:t>boolean</a:t>
+                </a:r>
+                <a:r>
+                  <a:rPr lang="en-US" sz="900" dirty="0" smtClean="0">
+                    <a:solidFill>
+                      <a:srgbClr val="0070C0"/>
+                    </a:solidFill>
+                  </a:rPr>
+                  <a:t> {use=“optional”}</a:t>
+                </a:r>
+              </a:p>
+            </p:txBody>
+          </p:sp>
+          <p:cxnSp>
+            <p:nvCxnSpPr>
+              <p:cNvPr id="73" name="Straight Connector 72"/>
+              <p:cNvCxnSpPr/>
+              <p:nvPr/>
+            </p:nvCxnSpPr>
+            <p:spPr>
+              <a:xfrm flipV="1">
+                <a:off x="372707" y="2360339"/>
+                <a:ext cx="1864381" cy="1"/>
+              </a:xfrm>
+              <a:prstGeom prst="line">
+                <a:avLst/>
+              </a:prstGeom>
+              <a:ln w="6350">
+                <a:solidFill>
+                  <a:srgbClr val="0070C0"/>
+                </a:solidFill>
+              </a:ln>
+            </p:spPr>
+            <p:style>
+              <a:lnRef idx="1">
+                <a:schemeClr val="accent1"/>
+              </a:lnRef>
+              <a:fillRef idx="0">
+                <a:schemeClr val="accent1"/>
+              </a:fillRef>
+              <a:effectRef idx="0">
+                <a:schemeClr val="accent1"/>
+              </a:effectRef>
+              <a:fontRef idx="minor">
+                <a:schemeClr val="tx1"/>
+              </a:fontRef>
+            </p:style>
+          </p:cxnSp>
+        </p:grpSp>
         <p:cxnSp>
           <p:nvCxnSpPr>
-            <p:cNvPr id="573" name="Straight Connector 572"/>
-            <p:cNvCxnSpPr/>
+            <p:cNvPr id="70" name="Elbow Connector 69"/>
+            <p:cNvCxnSpPr>
+              <a:stCxn id="72" idx="3"/>
+              <a:endCxn id="75" idx="3"/>
+            </p:cNvCxnSpPr>
             <p:nvPr/>
           </p:nvCxnSpPr>
           <p:spPr>
             <a:xfrm flipV="1">
-              <a:off x="375581" y="2062263"/>
-              <a:ext cx="1864381" cy="1"/>
+              <a:off x="2263004" y="1544173"/>
+              <a:ext cx="300150" cy="231730"/>
             </a:xfrm>
-            <a:prstGeom prst="line">
+            <a:prstGeom prst="bentConnector2">
               <a:avLst/>
             </a:prstGeom>
             <a:ln w="6350">
               <a:solidFill>
-                <a:schemeClr val="tx1"/>
+                <a:srgbClr val="0070C0"/>
               </a:solidFill>
             </a:ln>
           </p:spPr>
@@ -4576,24 +4457,24 @@
         </p:cxnSp>
         <p:cxnSp>
           <p:nvCxnSpPr>
-            <p:cNvPr id="574" name="Elbow Connector 573"/>
+            <p:cNvPr id="71" name="Elbow Connector 70"/>
             <p:cNvCxnSpPr>
-              <a:stCxn id="554" idx="3"/>
-              <a:endCxn id="572" idx="3"/>
+              <a:stCxn id="80" idx="3"/>
+              <a:endCxn id="66" idx="3"/>
             </p:cNvCxnSpPr>
             <p:nvPr/>
           </p:nvCxnSpPr>
           <p:spPr>
             <a:xfrm flipV="1">
-              <a:off x="2239962" y="1884428"/>
-              <a:ext cx="804416" cy="139736"/>
+              <a:off x="1664685" y="587297"/>
+              <a:ext cx="898468" cy="426711"/>
             </a:xfrm>
             <a:prstGeom prst="bentConnector2">
               <a:avLst/>
             </a:prstGeom>
             <a:ln w="6350">
               <a:solidFill>
-                <a:schemeClr val="tx1"/>
+                <a:srgbClr val="0070C0"/>
               </a:solidFill>
             </a:ln>
           </p:spPr>

--- a/sbml-level-3/version-1/comp/HierarchicalSBase.pptx
+++ b/sbml-level-3/version-1/comp/HierarchicalSBase.pptx
@@ -10,7 +10,7 @@
   <p:sldIdLst>
     <p:sldId id="257" r:id="rId2"/>
   </p:sldIdLst>
-  <p:sldSz cx="3108325" cy="2011363"/>
+  <p:sldSz cx="3108325" cy="2286000"/>
   <p:notesSz cx="6858000" cy="9144000"/>
   <p:defaultTextStyle>
     <a:defPPr>
@@ -192,7 +192,7 @@
           <a:p>
             <a:fld id="{7754A941-C6C2-4027-B1F4-A5E937B2245F}" type="datetimeFigureOut">
               <a:rPr lang="en-US" smtClean="0"/>
-              <a:t>9/28/2010</a:t>
+              <a:t>10/1/2010</a:t>
             </a:fld>
             <a:endParaRPr lang="en-US"/>
           </a:p>
@@ -210,8 +210,8 @@
         </p:nvSpPr>
         <p:spPr>
           <a:xfrm>
-            <a:off x="779463" y="685800"/>
-            <a:ext cx="5299075" cy="3429000"/>
+            <a:off x="1096963" y="685800"/>
+            <a:ext cx="4664075" cy="3429000"/>
           </a:xfrm>
           <a:prstGeom prst="rect">
             <a:avLst/>
@@ -489,8 +489,8 @@
         </p:nvSpPr>
         <p:spPr>
           <a:xfrm>
-            <a:off x="779463" y="685800"/>
-            <a:ext cx="5299075" cy="3429000"/>
+            <a:off x="1096963" y="685800"/>
+            <a:ext cx="4664075" cy="3429000"/>
           </a:xfrm>
         </p:spPr>
       </p:sp>
@@ -578,8 +578,8 @@
         </p:nvSpPr>
         <p:spPr>
           <a:xfrm>
-            <a:off x="233126" y="624832"/>
-            <a:ext cx="2642077" cy="431140"/>
+            <a:off x="233126" y="710148"/>
+            <a:ext cx="2642077" cy="490009"/>
           </a:xfrm>
         </p:spPr>
         <p:txBody>
@@ -606,8 +606,8 @@
         </p:nvSpPr>
         <p:spPr>
           <a:xfrm>
-            <a:off x="466250" y="1139777"/>
-            <a:ext cx="2175828" cy="514014"/>
+            <a:off x="466250" y="1295405"/>
+            <a:ext cx="2175828" cy="584199"/>
           </a:xfrm>
         </p:spPr>
         <p:txBody>
@@ -730,7 +730,7 @@
           <a:p>
             <a:fld id="{F0172217-DC24-48CD-AE89-68C8C8D878B4}" type="datetimeFigureOut">
               <a:rPr lang="en-US" smtClean="0"/>
-              <a:t>9/28/2010</a:t>
+              <a:t>10/1/2010</a:t>
             </a:fld>
             <a:endParaRPr lang="en-US"/>
           </a:p>
@@ -900,7 +900,7 @@
           <a:p>
             <a:fld id="{F0172217-DC24-48CD-AE89-68C8C8D878B4}" type="datetimeFigureOut">
               <a:rPr lang="en-US" smtClean="0"/>
-              <a:t>9/28/2010</a:t>
+              <a:t>10/1/2010</a:t>
             </a:fld>
             <a:endParaRPr lang="en-US"/>
           </a:p>
@@ -990,8 +990,8 @@
         </p:nvSpPr>
         <p:spPr>
           <a:xfrm>
-            <a:off x="2253546" y="80561"/>
-            <a:ext cx="699373" cy="1716177"/>
+            <a:off x="2253547" y="91562"/>
+            <a:ext cx="699373" cy="1950508"/>
           </a:xfrm>
         </p:spPr>
         <p:txBody>
@@ -1018,8 +1018,8 @@
         </p:nvSpPr>
         <p:spPr>
           <a:xfrm>
-            <a:off x="155416" y="80561"/>
-            <a:ext cx="2046314" cy="1716177"/>
+            <a:off x="155416" y="91562"/>
+            <a:ext cx="2046314" cy="1950508"/>
           </a:xfrm>
         </p:spPr>
         <p:txBody>
@@ -1080,7 +1080,7 @@
           <a:p>
             <a:fld id="{F0172217-DC24-48CD-AE89-68C8C8D878B4}" type="datetimeFigureOut">
               <a:rPr lang="en-US" smtClean="0"/>
-              <a:t>9/28/2010</a:t>
+              <a:t>10/1/2010</a:t>
             </a:fld>
             <a:endParaRPr lang="en-US"/>
           </a:p>
@@ -1250,7 +1250,7 @@
           <a:p>
             <a:fld id="{F0172217-DC24-48CD-AE89-68C8C8D878B4}" type="datetimeFigureOut">
               <a:rPr lang="en-US" smtClean="0"/>
-              <a:t>9/28/2010</a:t>
+              <a:t>10/1/2010</a:t>
             </a:fld>
             <a:endParaRPr lang="en-US"/>
           </a:p>
@@ -1340,8 +1340,8 @@
         </p:nvSpPr>
         <p:spPr>
           <a:xfrm>
-            <a:off x="245539" y="1292491"/>
-            <a:ext cx="2642077" cy="399479"/>
+            <a:off x="245540" y="1468972"/>
+            <a:ext cx="2642077" cy="454025"/>
           </a:xfrm>
         </p:spPr>
         <p:txBody>
@@ -1372,8 +1372,8 @@
         </p:nvSpPr>
         <p:spPr>
           <a:xfrm>
-            <a:off x="245539" y="852511"/>
-            <a:ext cx="2642077" cy="439986"/>
+            <a:off x="245540" y="968915"/>
+            <a:ext cx="2642077" cy="500063"/>
           </a:xfrm>
         </p:spPr>
         <p:txBody>
@@ -1496,7 +1496,7 @@
           <a:p>
             <a:fld id="{F0172217-DC24-48CD-AE89-68C8C8D878B4}" type="datetimeFigureOut">
               <a:rPr lang="en-US" smtClean="0"/>
-              <a:t>9/28/2010</a:t>
+              <a:t>10/1/2010</a:t>
             </a:fld>
             <a:endParaRPr lang="en-US"/>
           </a:p>
@@ -1609,8 +1609,8 @@
         </p:nvSpPr>
         <p:spPr>
           <a:xfrm>
-            <a:off x="155418" y="469325"/>
-            <a:ext cx="1372845" cy="1327406"/>
+            <a:off x="155418" y="533408"/>
+            <a:ext cx="1372845" cy="1508654"/>
           </a:xfrm>
         </p:spPr>
         <p:txBody>
@@ -1694,8 +1694,8 @@
         </p:nvSpPr>
         <p:spPr>
           <a:xfrm>
-            <a:off x="1580070" y="469325"/>
-            <a:ext cx="1372845" cy="1327406"/>
+            <a:off x="1580071" y="533408"/>
+            <a:ext cx="1372845" cy="1508654"/>
           </a:xfrm>
         </p:spPr>
         <p:txBody>
@@ -1784,7 +1784,7 @@
           <a:p>
             <a:fld id="{F0172217-DC24-48CD-AE89-68C8C8D878B4}" type="datetimeFigureOut">
               <a:rPr lang="en-US" smtClean="0"/>
-              <a:t>9/28/2010</a:t>
+              <a:t>10/1/2010</a:t>
             </a:fld>
             <a:endParaRPr lang="en-US"/>
           </a:p>
@@ -1901,8 +1901,8 @@
         </p:nvSpPr>
         <p:spPr>
           <a:xfrm>
-            <a:off x="155424" y="450234"/>
-            <a:ext cx="1373384" cy="187634"/>
+            <a:off x="155424" y="511710"/>
+            <a:ext cx="1373384" cy="213254"/>
           </a:xfrm>
         </p:spPr>
         <p:txBody>
@@ -1966,8 +1966,8 @@
         </p:nvSpPr>
         <p:spPr>
           <a:xfrm>
-            <a:off x="155424" y="637868"/>
-            <a:ext cx="1373384" cy="1158862"/>
+            <a:off x="155424" y="724964"/>
+            <a:ext cx="1373384" cy="1317096"/>
           </a:xfrm>
         </p:spPr>
         <p:txBody>
@@ -2051,8 +2051,8 @@
         </p:nvSpPr>
         <p:spPr>
           <a:xfrm>
-            <a:off x="1579002" y="450234"/>
-            <a:ext cx="1373923" cy="187634"/>
+            <a:off x="1579003" y="511710"/>
+            <a:ext cx="1373923" cy="213254"/>
           </a:xfrm>
         </p:spPr>
         <p:txBody>
@@ -2116,8 +2116,8 @@
         </p:nvSpPr>
         <p:spPr>
           <a:xfrm>
-            <a:off x="1579002" y="637868"/>
-            <a:ext cx="1373923" cy="1158862"/>
+            <a:off x="1579003" y="724964"/>
+            <a:ext cx="1373923" cy="1317096"/>
           </a:xfrm>
         </p:spPr>
         <p:txBody>
@@ -2206,7 +2206,7 @@
           <a:p>
             <a:fld id="{F0172217-DC24-48CD-AE89-68C8C8D878B4}" type="datetimeFigureOut">
               <a:rPr lang="en-US" smtClean="0"/>
-              <a:t>9/28/2010</a:t>
+              <a:t>10/1/2010</a:t>
             </a:fld>
             <a:endParaRPr lang="en-US"/>
           </a:p>
@@ -2324,7 +2324,7 @@
           <a:p>
             <a:fld id="{F0172217-DC24-48CD-AE89-68C8C8D878B4}" type="datetimeFigureOut">
               <a:rPr lang="en-US" smtClean="0"/>
-              <a:t>9/28/2010</a:t>
+              <a:t>10/1/2010</a:t>
             </a:fld>
             <a:endParaRPr lang="en-US"/>
           </a:p>
@@ -2419,7 +2419,7 @@
           <a:p>
             <a:fld id="{F0172217-DC24-48CD-AE89-68C8C8D878B4}" type="datetimeFigureOut">
               <a:rPr lang="en-US" smtClean="0"/>
-              <a:t>9/28/2010</a:t>
+              <a:t>10/1/2010</a:t>
             </a:fld>
             <a:endParaRPr lang="en-US"/>
           </a:p>
@@ -2509,8 +2509,8 @@
         </p:nvSpPr>
         <p:spPr>
           <a:xfrm>
-            <a:off x="155429" y="80086"/>
-            <a:ext cx="1022617" cy="340814"/>
+            <a:off x="155430" y="91021"/>
+            <a:ext cx="1022617" cy="387350"/>
           </a:xfrm>
         </p:spPr>
         <p:txBody>
@@ -2541,8 +2541,8 @@
         </p:nvSpPr>
         <p:spPr>
           <a:xfrm>
-            <a:off x="1215276" y="80095"/>
-            <a:ext cx="1737640" cy="1716642"/>
+            <a:off x="1215276" y="91031"/>
+            <a:ext cx="1737640" cy="1951037"/>
           </a:xfrm>
         </p:spPr>
         <p:txBody>
@@ -2626,8 +2626,8 @@
         </p:nvSpPr>
         <p:spPr>
           <a:xfrm>
-            <a:off x="155429" y="420902"/>
-            <a:ext cx="1022617" cy="1375829"/>
+            <a:off x="155430" y="478374"/>
+            <a:ext cx="1022617" cy="1563688"/>
           </a:xfrm>
         </p:spPr>
         <p:txBody>
@@ -2696,7 +2696,7 @@
           <a:p>
             <a:fld id="{F0172217-DC24-48CD-AE89-68C8C8D878B4}" type="datetimeFigureOut">
               <a:rPr lang="en-US" smtClean="0"/>
-              <a:t>9/28/2010</a:t>
+              <a:t>10/1/2010</a:t>
             </a:fld>
             <a:endParaRPr lang="en-US"/>
           </a:p>
@@ -2786,8 +2786,8 @@
         </p:nvSpPr>
         <p:spPr>
           <a:xfrm>
-            <a:off x="609263" y="1407962"/>
-            <a:ext cx="1864995" cy="166217"/>
+            <a:off x="609264" y="1600209"/>
+            <a:ext cx="1864995" cy="188913"/>
           </a:xfrm>
         </p:spPr>
         <p:txBody>
@@ -2818,8 +2818,8 @@
         </p:nvSpPr>
         <p:spPr>
           <a:xfrm>
-            <a:off x="609263" y="179726"/>
-            <a:ext cx="1864995" cy="1206819"/>
+            <a:off x="609264" y="204267"/>
+            <a:ext cx="1864995" cy="1371601"/>
           </a:xfrm>
         </p:spPr>
         <p:txBody>
@@ -2879,8 +2879,8 @@
         </p:nvSpPr>
         <p:spPr>
           <a:xfrm>
-            <a:off x="609263" y="1574176"/>
-            <a:ext cx="1864995" cy="236056"/>
+            <a:off x="609264" y="1789118"/>
+            <a:ext cx="1864995" cy="268288"/>
           </a:xfrm>
         </p:spPr>
         <p:txBody>
@@ -2949,7 +2949,7 @@
           <a:p>
             <a:fld id="{F0172217-DC24-48CD-AE89-68C8C8D878B4}" type="datetimeFigureOut">
               <a:rPr lang="en-US" smtClean="0"/>
-              <a:t>9/28/2010</a:t>
+              <a:t>10/1/2010</a:t>
             </a:fld>
             <a:endParaRPr lang="en-US"/>
           </a:p>
@@ -3044,8 +3044,8 @@
         </p:nvSpPr>
         <p:spPr>
           <a:xfrm>
-            <a:off x="155419" y="80550"/>
-            <a:ext cx="2797494" cy="335227"/>
+            <a:off x="155419" y="91549"/>
+            <a:ext cx="2797494" cy="381000"/>
           </a:xfrm>
           <a:prstGeom prst="rect">
             <a:avLst/>
@@ -3077,8 +3077,8 @@
         </p:nvSpPr>
         <p:spPr>
           <a:xfrm>
-            <a:off x="155419" y="469325"/>
-            <a:ext cx="2797494" cy="1327406"/>
+            <a:off x="155419" y="533408"/>
+            <a:ext cx="2797494" cy="1508654"/>
           </a:xfrm>
           <a:prstGeom prst="rect">
             <a:avLst/>
@@ -3139,8 +3139,8 @@
         </p:nvSpPr>
         <p:spPr>
           <a:xfrm>
-            <a:off x="155416" y="1864245"/>
-            <a:ext cx="725276" cy="107087"/>
+            <a:off x="155416" y="2118795"/>
+            <a:ext cx="725276" cy="121709"/>
           </a:xfrm>
           <a:prstGeom prst="rect">
             <a:avLst/>
@@ -3162,7 +3162,7 @@
           <a:p>
             <a:fld id="{F0172217-DC24-48CD-AE89-68C8C8D878B4}" type="datetimeFigureOut">
               <a:rPr lang="en-US" smtClean="0"/>
-              <a:t>9/28/2010</a:t>
+              <a:t>10/1/2010</a:t>
             </a:fld>
             <a:endParaRPr lang="en-US"/>
           </a:p>
@@ -3180,8 +3180,8 @@
         </p:nvSpPr>
         <p:spPr>
           <a:xfrm>
-            <a:off x="1062018" y="1864245"/>
-            <a:ext cx="984303" cy="107087"/>
+            <a:off x="1062018" y="2118795"/>
+            <a:ext cx="984303" cy="121709"/>
           </a:xfrm>
           <a:prstGeom prst="rect">
             <a:avLst/>
@@ -3217,8 +3217,8 @@
         </p:nvSpPr>
         <p:spPr>
           <a:xfrm>
-            <a:off x="2227633" y="1864245"/>
-            <a:ext cx="725276" cy="107087"/>
+            <a:off x="2227633" y="2118795"/>
+            <a:ext cx="725276" cy="121709"/>
           </a:xfrm>
           <a:prstGeom prst="rect">
             <a:avLst/>
@@ -3539,31 +3539,31 @@
       </p:grpSpPr>
       <p:grpSp>
         <p:nvGrpSpPr>
-          <p:cNvPr id="2" name="Group 1"/>
+          <p:cNvPr id="23" name="Group 22"/>
           <p:cNvGrpSpPr/>
           <p:nvPr/>
         </p:nvGrpSpPr>
         <p:grpSpPr>
           <a:xfrm>
-            <a:off x="70179" y="50964"/>
-            <a:ext cx="2967966" cy="1909435"/>
-            <a:chOff x="70179" y="50964"/>
-            <a:chExt cx="2967966" cy="1909435"/>
+            <a:off x="70179" y="50965"/>
+            <a:ext cx="2967966" cy="2082634"/>
+            <a:chOff x="70179" y="50965"/>
+            <a:chExt cx="2967966" cy="2082634"/>
           </a:xfrm>
         </p:grpSpPr>
         <p:cxnSp>
           <p:nvCxnSpPr>
-            <p:cNvPr id="60" name="Elbow Connector 59"/>
+            <p:cNvPr id="24" name="Elbow Connector 23"/>
             <p:cNvCxnSpPr>
-              <a:stCxn id="81" idx="2"/>
-              <a:endCxn id="72" idx="0"/>
+              <a:stCxn id="43" idx="2"/>
+              <a:endCxn id="38" idx="0"/>
             </p:cNvCxnSpPr>
             <p:nvPr/>
           </p:nvCxnSpPr>
           <p:spPr>
             <a:xfrm rot="16200000" flipH="1">
-              <a:off x="633330" y="893923"/>
-              <a:ext cx="272600" cy="1122367"/>
+              <a:off x="671104" y="856149"/>
+              <a:ext cx="272599" cy="1197913"/>
             </a:xfrm>
             <a:prstGeom prst="bentConnector3">
               <a:avLst>
@@ -3593,17 +3593,17 @@
         </p:cxnSp>
         <p:cxnSp>
           <p:nvCxnSpPr>
-            <p:cNvPr id="61" name="Elbow Connector 60"/>
+            <p:cNvPr id="25" name="Elbow Connector 24"/>
             <p:cNvCxnSpPr>
-              <a:stCxn id="79" idx="2"/>
-              <a:endCxn id="80" idx="0"/>
+              <a:stCxn id="32" idx="2"/>
+              <a:endCxn id="42" idx="0"/>
             </p:cNvCxnSpPr>
             <p:nvPr/>
           </p:nvCxnSpPr>
           <p:spPr>
             <a:xfrm rot="16200000" flipH="1">
-              <a:off x="414680" y="340115"/>
-              <a:ext cx="220695" cy="822289"/>
+              <a:off x="406782" y="332217"/>
+              <a:ext cx="236491" cy="822289"/>
             </a:xfrm>
             <a:prstGeom prst="bentConnector3">
               <a:avLst>
@@ -3633,7 +3633,7 @@
         </p:cxnSp>
         <p:sp>
           <p:nvSpPr>
-            <p:cNvPr id="62" name="Rectangle 61"/>
+            <p:cNvPr id="26" name="Rectangle 25"/>
             <p:cNvSpPr/>
             <p:nvPr/>
           </p:nvSpPr>
@@ -3680,7 +3680,7 @@
         </p:sp>
         <p:sp>
           <p:nvSpPr>
-            <p:cNvPr id="63" name="Rectangle 62"/>
+            <p:cNvPr id="27" name="Rectangle 26"/>
             <p:cNvSpPr/>
             <p:nvPr/>
           </p:nvSpPr>
@@ -3727,17 +3727,17 @@
         </p:sp>
         <p:cxnSp>
           <p:nvCxnSpPr>
-            <p:cNvPr id="64" name="Elbow Connector 63"/>
+            <p:cNvPr id="28" name="Elbow Connector 27"/>
             <p:cNvCxnSpPr>
-              <a:stCxn id="74" idx="0"/>
-              <a:endCxn id="66" idx="3"/>
+              <a:stCxn id="40" idx="0"/>
+              <a:endCxn id="30" idx="3"/>
             </p:cNvCxnSpPr>
             <p:nvPr/>
           </p:nvCxnSpPr>
           <p:spPr>
             <a:xfrm rot="16200000" flipV="1">
-              <a:off x="2294266" y="856184"/>
-              <a:ext cx="537776" cy="2"/>
+              <a:off x="2286368" y="848286"/>
+              <a:ext cx="553572" cy="2"/>
             </a:xfrm>
             <a:prstGeom prst="bentConnector3">
               <a:avLst>
@@ -3767,7 +3767,7 @@
         </p:cxnSp>
         <p:grpSp>
           <p:nvGrpSpPr>
-            <p:cNvPr id="65" name="Group 64"/>
+            <p:cNvPr id="29" name="Group 28"/>
             <p:cNvGrpSpPr/>
             <p:nvPr/>
           </p:nvGrpSpPr>
@@ -3781,7 +3781,7 @@
           </p:grpSpPr>
           <p:sp>
             <p:nvSpPr>
-              <p:cNvPr id="80" name="Rectangle 79"/>
+              <p:cNvPr id="42" name="Rectangle 41"/>
               <p:cNvSpPr/>
               <p:nvPr/>
             </p:nvSpPr>
@@ -3839,7 +3839,7 @@
           </p:sp>
           <p:sp>
             <p:nvSpPr>
-              <p:cNvPr id="81" name="Diamond 80"/>
+              <p:cNvPr id="43" name="Diamond 42"/>
               <p:cNvSpPr/>
               <p:nvPr/>
             </p:nvSpPr>
@@ -3892,13 +3892,13 @@
         </p:grpSp>
         <p:sp>
           <p:nvSpPr>
-            <p:cNvPr id="66" name="Isosceles Triangle 65"/>
+            <p:cNvPr id="30" name="Isosceles Triangle 29"/>
             <p:cNvSpPr/>
             <p:nvPr/>
           </p:nvSpPr>
           <p:spPr>
             <a:xfrm>
-              <a:off x="2483553" y="472997"/>
+              <a:off x="2483553" y="457201"/>
               <a:ext cx="159199" cy="114300"/>
             </a:xfrm>
             <a:prstGeom prst="triangle">
@@ -3942,14 +3942,14 @@
         </p:sp>
         <p:sp>
           <p:nvSpPr>
-            <p:cNvPr id="78" name="Rectangle 77"/>
+            <p:cNvPr id="31" name="Rectangle 30"/>
             <p:cNvSpPr/>
             <p:nvPr/>
           </p:nvSpPr>
           <p:spPr>
             <a:xfrm>
-              <a:off x="113883" y="50964"/>
-              <a:ext cx="2764770" cy="422033"/>
+              <a:off x="113883" y="50965"/>
+              <a:ext cx="2764770" cy="406236"/>
             </a:xfrm>
             <a:prstGeom prst="rect">
               <a:avLst/>
@@ -4079,13 +4079,13 @@
         </p:sp>
         <p:sp>
           <p:nvSpPr>
-            <p:cNvPr id="79" name="Diamond 78"/>
+            <p:cNvPr id="32" name="Diamond 31"/>
             <p:cNvSpPr/>
             <p:nvPr/>
           </p:nvSpPr>
           <p:spPr>
             <a:xfrm>
-              <a:off x="80448" y="472997"/>
+              <a:off x="80448" y="457201"/>
               <a:ext cx="66869" cy="167916"/>
             </a:xfrm>
             <a:prstGeom prst="diamond">
@@ -4127,7 +4127,7 @@
         </p:sp>
         <p:cxnSp>
           <p:nvCxnSpPr>
-            <p:cNvPr id="77" name="Straight Connector 76"/>
+            <p:cNvPr id="33" name="Straight Connector 32"/>
             <p:cNvCxnSpPr/>
             <p:nvPr/>
           </p:nvCxnSpPr>
@@ -4162,7 +4162,7 @@
         </p:cxnSp>
         <p:grpSp>
           <p:nvGrpSpPr>
-            <p:cNvPr id="68" name="Group 67"/>
+            <p:cNvPr id="34" name="Group 33"/>
             <p:cNvGrpSpPr/>
             <p:nvPr/>
           </p:nvGrpSpPr>
@@ -4176,7 +4176,7 @@
           </p:grpSpPr>
           <p:sp>
             <p:nvSpPr>
-              <p:cNvPr id="74" name="Rectangle 73"/>
+              <p:cNvPr id="40" name="Rectangle 39"/>
               <p:cNvSpPr/>
               <p:nvPr/>
             </p:nvSpPr>
@@ -4234,7 +4234,7 @@
           </p:sp>
           <p:sp>
             <p:nvSpPr>
-              <p:cNvPr id="75" name="Isosceles Triangle 74"/>
+              <p:cNvPr id="41" name="Isosceles Triangle 40"/>
               <p:cNvSpPr/>
               <p:nvPr/>
             </p:nvSpPr>
@@ -4285,28 +4285,28 @@
         </p:grpSp>
         <p:grpSp>
           <p:nvGrpSpPr>
-            <p:cNvPr id="69" name="Group 68"/>
+            <p:cNvPr id="35" name="Group 34"/>
             <p:cNvGrpSpPr/>
             <p:nvPr/>
           </p:nvGrpSpPr>
           <p:grpSpPr>
             <a:xfrm>
-              <a:off x="398623" y="1591407"/>
-              <a:ext cx="1864381" cy="368992"/>
-              <a:chOff x="372707" y="2137744"/>
-              <a:chExt cx="1864381" cy="368992"/>
+              <a:off x="334962" y="1591406"/>
+              <a:ext cx="2142795" cy="542193"/>
+              <a:chOff x="309046" y="2137743"/>
+              <a:chExt cx="2142795" cy="542193"/>
             </a:xfrm>
           </p:grpSpPr>
           <p:sp>
             <p:nvSpPr>
-              <p:cNvPr id="72" name="Rectangle 71"/>
+              <p:cNvPr id="38" name="Rectangle 37"/>
               <p:cNvSpPr/>
               <p:nvPr/>
             </p:nvSpPr>
             <p:spPr>
               <a:xfrm>
-                <a:off x="372707" y="2137744"/>
-                <a:ext cx="1864381" cy="368992"/>
+                <a:off x="309046" y="2137743"/>
+                <a:ext cx="2142795" cy="542193"/>
               </a:xfrm>
               <a:prstGeom prst="rect">
                 <a:avLst/>
@@ -4379,18 +4379,52 @@
                   <a:t> {use=“optional”}</a:t>
                 </a:r>
               </a:p>
+              <a:p>
+                <a:r>
+                  <a:rPr lang="en-US" sz="900" dirty="0" err="1" smtClean="0">
+                    <a:solidFill>
+                      <a:srgbClr val="0070C0"/>
+                    </a:solidFill>
+                  </a:rPr>
+                  <a:t>conversionFactor</a:t>
+                </a:r>
+                <a:r>
+                  <a:rPr lang="en-US" sz="900" dirty="0" smtClean="0">
+                    <a:solidFill>
+                      <a:srgbClr val="0070C0"/>
+                    </a:solidFill>
+                  </a:rPr>
+                  <a:t>: </a:t>
+                </a:r>
+                <a:r>
+                  <a:rPr lang="en-US" sz="900" dirty="0" err="1" smtClean="0">
+                    <a:solidFill>
+                      <a:srgbClr val="0070C0"/>
+                    </a:solidFill>
+                  </a:rPr>
+                  <a:t>SIdRef</a:t>
+                </a:r>
+                <a:r>
+                  <a:rPr lang="en-US" sz="900" dirty="0" smtClean="0">
+                    <a:solidFill>
+                      <a:srgbClr val="0070C0"/>
+                    </a:solidFill>
+                  </a:rPr>
+                  <a:t> {use=“optional”}</a:t>
+                </a:r>
+              </a:p>
             </p:txBody>
           </p:sp>
           <p:cxnSp>
             <p:nvCxnSpPr>
-              <p:cNvPr id="73" name="Straight Connector 72"/>
+              <p:cNvPr id="39" name="Straight Connector 38"/>
               <p:cNvCxnSpPr/>
               <p:nvPr/>
             </p:nvCxnSpPr>
             <p:spPr>
               <a:xfrm flipV="1">
-                <a:off x="372707" y="2360339"/>
-                <a:ext cx="1864381" cy="1"/>
+                <a:off x="309046" y="2349009"/>
+                <a:ext cx="2142795" cy="1"/>
               </a:xfrm>
               <a:prstGeom prst="line">
                 <a:avLst/>
@@ -4419,17 +4453,17 @@
         </p:grpSp>
         <p:cxnSp>
           <p:nvCxnSpPr>
-            <p:cNvPr id="70" name="Elbow Connector 69"/>
+            <p:cNvPr id="36" name="Elbow Connector 35"/>
             <p:cNvCxnSpPr>
-              <a:stCxn id="72" idx="3"/>
-              <a:endCxn id="75" idx="3"/>
+              <a:stCxn id="38" idx="3"/>
+              <a:endCxn id="41" idx="3"/>
             </p:cNvCxnSpPr>
             <p:nvPr/>
           </p:nvCxnSpPr>
           <p:spPr>
             <a:xfrm flipV="1">
-              <a:off x="2263004" y="1544173"/>
-              <a:ext cx="300150" cy="231730"/>
+              <a:off x="2477757" y="1544173"/>
+              <a:ext cx="85397" cy="318330"/>
             </a:xfrm>
             <a:prstGeom prst="bentConnector2">
               <a:avLst/>
@@ -4457,17 +4491,17 @@
         </p:cxnSp>
         <p:cxnSp>
           <p:nvCxnSpPr>
-            <p:cNvPr id="71" name="Elbow Connector 70"/>
+            <p:cNvPr id="37" name="Elbow Connector 36"/>
             <p:cNvCxnSpPr>
-              <a:stCxn id="80" idx="3"/>
-              <a:endCxn id="66" idx="3"/>
+              <a:stCxn id="42" idx="3"/>
+              <a:endCxn id="30" idx="3"/>
             </p:cNvCxnSpPr>
             <p:nvPr/>
           </p:nvCxnSpPr>
           <p:spPr>
             <a:xfrm flipV="1">
-              <a:off x="1664685" y="587297"/>
-              <a:ext cx="898468" cy="426711"/>
+              <a:off x="1664685" y="571501"/>
+              <a:ext cx="898468" cy="442507"/>
             </a:xfrm>
             <a:prstGeom prst="bentConnector2">
               <a:avLst/>

--- a/sbml-level-3/version-1/comp/HierarchicalSBase.pptx
+++ b/sbml-level-3/version-1/comp/HierarchicalSBase.pptx
@@ -192,7 +192,7 @@
           <a:p>
             <a:fld id="{7754A941-C6C2-4027-B1F4-A5E937B2245F}" type="datetimeFigureOut">
               <a:rPr lang="en-US" smtClean="0"/>
-              <a:t>10/1/2010</a:t>
+              <a:t>10/28/2010</a:t>
             </a:fld>
             <a:endParaRPr lang="en-US"/>
           </a:p>
@@ -730,7 +730,7 @@
           <a:p>
             <a:fld id="{F0172217-DC24-48CD-AE89-68C8C8D878B4}" type="datetimeFigureOut">
               <a:rPr lang="en-US" smtClean="0"/>
-              <a:t>10/1/2010</a:t>
+              <a:t>10/28/2010</a:t>
             </a:fld>
             <a:endParaRPr lang="en-US"/>
           </a:p>
@@ -900,7 +900,7 @@
           <a:p>
             <a:fld id="{F0172217-DC24-48CD-AE89-68C8C8D878B4}" type="datetimeFigureOut">
               <a:rPr lang="en-US" smtClean="0"/>
-              <a:t>10/1/2010</a:t>
+              <a:t>10/28/2010</a:t>
             </a:fld>
             <a:endParaRPr lang="en-US"/>
           </a:p>
@@ -1080,7 +1080,7 @@
           <a:p>
             <a:fld id="{F0172217-DC24-48CD-AE89-68C8C8D878B4}" type="datetimeFigureOut">
               <a:rPr lang="en-US" smtClean="0"/>
-              <a:t>10/1/2010</a:t>
+              <a:t>10/28/2010</a:t>
             </a:fld>
             <a:endParaRPr lang="en-US"/>
           </a:p>
@@ -1250,7 +1250,7 @@
           <a:p>
             <a:fld id="{F0172217-DC24-48CD-AE89-68C8C8D878B4}" type="datetimeFigureOut">
               <a:rPr lang="en-US" smtClean="0"/>
-              <a:t>10/1/2010</a:t>
+              <a:t>10/28/2010</a:t>
             </a:fld>
             <a:endParaRPr lang="en-US"/>
           </a:p>
@@ -1496,7 +1496,7 @@
           <a:p>
             <a:fld id="{F0172217-DC24-48CD-AE89-68C8C8D878B4}" type="datetimeFigureOut">
               <a:rPr lang="en-US" smtClean="0"/>
-              <a:t>10/1/2010</a:t>
+              <a:t>10/28/2010</a:t>
             </a:fld>
             <a:endParaRPr lang="en-US"/>
           </a:p>
@@ -1784,7 +1784,7 @@
           <a:p>
             <a:fld id="{F0172217-DC24-48CD-AE89-68C8C8D878B4}" type="datetimeFigureOut">
               <a:rPr lang="en-US" smtClean="0"/>
-              <a:t>10/1/2010</a:t>
+              <a:t>10/28/2010</a:t>
             </a:fld>
             <a:endParaRPr lang="en-US"/>
           </a:p>
@@ -2206,7 +2206,7 @@
           <a:p>
             <a:fld id="{F0172217-DC24-48CD-AE89-68C8C8D878B4}" type="datetimeFigureOut">
               <a:rPr lang="en-US" smtClean="0"/>
-              <a:t>10/1/2010</a:t>
+              <a:t>10/28/2010</a:t>
             </a:fld>
             <a:endParaRPr lang="en-US"/>
           </a:p>
@@ -2324,7 +2324,7 @@
           <a:p>
             <a:fld id="{F0172217-DC24-48CD-AE89-68C8C8D878B4}" type="datetimeFigureOut">
               <a:rPr lang="en-US" smtClean="0"/>
-              <a:t>10/1/2010</a:t>
+              <a:t>10/28/2010</a:t>
             </a:fld>
             <a:endParaRPr lang="en-US"/>
           </a:p>
@@ -2419,7 +2419,7 @@
           <a:p>
             <a:fld id="{F0172217-DC24-48CD-AE89-68C8C8D878B4}" type="datetimeFigureOut">
               <a:rPr lang="en-US" smtClean="0"/>
-              <a:t>10/1/2010</a:t>
+              <a:t>10/28/2010</a:t>
             </a:fld>
             <a:endParaRPr lang="en-US"/>
           </a:p>
@@ -2696,7 +2696,7 @@
           <a:p>
             <a:fld id="{F0172217-DC24-48CD-AE89-68C8C8D878B4}" type="datetimeFigureOut">
               <a:rPr lang="en-US" smtClean="0"/>
-              <a:t>10/1/2010</a:t>
+              <a:t>10/28/2010</a:t>
             </a:fld>
             <a:endParaRPr lang="en-US"/>
           </a:p>
@@ -2949,7 +2949,7 @@
           <a:p>
             <a:fld id="{F0172217-DC24-48CD-AE89-68C8C8D878B4}" type="datetimeFigureOut">
               <a:rPr lang="en-US" smtClean="0"/>
-              <a:t>10/1/2010</a:t>
+              <a:t>10/28/2010</a:t>
             </a:fld>
             <a:endParaRPr lang="en-US"/>
           </a:p>
@@ -3162,7 +3162,7 @@
           <a:p>
             <a:fld id="{F0172217-DC24-48CD-AE89-68C8C8D878B4}" type="datetimeFigureOut">
               <a:rPr lang="en-US" smtClean="0"/>
-              <a:t>10/1/2010</a:t>
+              <a:t>10/28/2010</a:t>
             </a:fld>
             <a:endParaRPr lang="en-US"/>
           </a:p>
@@ -3546,9 +3546,9 @@
         <p:grpSpPr>
           <a:xfrm>
             <a:off x="70179" y="50965"/>
-            <a:ext cx="2967966" cy="2082634"/>
+            <a:ext cx="2967966" cy="2082635"/>
             <a:chOff x="70179" y="50965"/>
-            <a:chExt cx="2967966" cy="2082634"/>
+            <a:chExt cx="2967966" cy="2082635"/>
           </a:xfrm>
         </p:grpSpPr>
         <p:cxnSp>
@@ -4292,9 +4292,9 @@
           <p:grpSpPr>
             <a:xfrm>
               <a:off x="334962" y="1591406"/>
-              <a:ext cx="2142795" cy="542193"/>
+              <a:ext cx="2142795" cy="542194"/>
               <a:chOff x="309046" y="2137743"/>
-              <a:chExt cx="2142795" cy="542193"/>
+              <a:chExt cx="2142795" cy="542194"/>
             </a:xfrm>
           </p:grpSpPr>
           <p:sp>
@@ -4306,7 +4306,7 @@
             <p:spPr>
               <a:xfrm>
                 <a:off x="309046" y="2137743"/>
-                <a:ext cx="2142795" cy="542193"/>
+                <a:ext cx="2142795" cy="542194"/>
               </a:xfrm>
               <a:prstGeom prst="rect">
                 <a:avLst/>
@@ -4360,7 +4360,15 @@
                       <a:srgbClr val="0070C0"/>
                     </a:solidFill>
                   </a:rPr>
-                  <a:t>identical: </a:t>
+                  <a:t>identical</a:t>
+                </a:r>
+                <a:r>
+                  <a:rPr lang="en-US" sz="900" dirty="0" smtClean="0">
+                    <a:solidFill>
+                      <a:srgbClr val="0070C0"/>
+                    </a:solidFill>
+                  </a:rPr>
+                  <a:t>: </a:t>
                 </a:r>
                 <a:r>
                   <a:rPr lang="en-US" sz="900" dirty="0" err="1" smtClean="0">

--- a/sbml-level-3/version-1/comp/HierarchicalSBase.pptx
+++ b/sbml-level-3/version-1/comp/HierarchicalSBase.pptx
@@ -192,7 +192,7 @@
           <a:p>
             <a:fld id="{7754A941-C6C2-4027-B1F4-A5E937B2245F}" type="datetimeFigureOut">
               <a:rPr lang="en-US" smtClean="0"/>
-              <a:t>10/28/2010</a:t>
+              <a:t>3/8/2011</a:t>
             </a:fld>
             <a:endParaRPr lang="en-US"/>
           </a:p>
@@ -730,7 +730,7 @@
           <a:p>
             <a:fld id="{F0172217-DC24-48CD-AE89-68C8C8D878B4}" type="datetimeFigureOut">
               <a:rPr lang="en-US" smtClean="0"/>
-              <a:t>10/28/2010</a:t>
+              <a:t>3/8/2011</a:t>
             </a:fld>
             <a:endParaRPr lang="en-US"/>
           </a:p>
@@ -900,7 +900,7 @@
           <a:p>
             <a:fld id="{F0172217-DC24-48CD-AE89-68C8C8D878B4}" type="datetimeFigureOut">
               <a:rPr lang="en-US" smtClean="0"/>
-              <a:t>10/28/2010</a:t>
+              <a:t>3/8/2011</a:t>
             </a:fld>
             <a:endParaRPr lang="en-US"/>
           </a:p>
@@ -1080,7 +1080,7 @@
           <a:p>
             <a:fld id="{F0172217-DC24-48CD-AE89-68C8C8D878B4}" type="datetimeFigureOut">
               <a:rPr lang="en-US" smtClean="0"/>
-              <a:t>10/28/2010</a:t>
+              <a:t>3/8/2011</a:t>
             </a:fld>
             <a:endParaRPr lang="en-US"/>
           </a:p>
@@ -1250,7 +1250,7 @@
           <a:p>
             <a:fld id="{F0172217-DC24-48CD-AE89-68C8C8D878B4}" type="datetimeFigureOut">
               <a:rPr lang="en-US" smtClean="0"/>
-              <a:t>10/28/2010</a:t>
+              <a:t>3/8/2011</a:t>
             </a:fld>
             <a:endParaRPr lang="en-US"/>
           </a:p>
@@ -1496,7 +1496,7 @@
           <a:p>
             <a:fld id="{F0172217-DC24-48CD-AE89-68C8C8D878B4}" type="datetimeFigureOut">
               <a:rPr lang="en-US" smtClean="0"/>
-              <a:t>10/28/2010</a:t>
+              <a:t>3/8/2011</a:t>
             </a:fld>
             <a:endParaRPr lang="en-US"/>
           </a:p>
@@ -1784,7 +1784,7 @@
           <a:p>
             <a:fld id="{F0172217-DC24-48CD-AE89-68C8C8D878B4}" type="datetimeFigureOut">
               <a:rPr lang="en-US" smtClean="0"/>
-              <a:t>10/28/2010</a:t>
+              <a:t>3/8/2011</a:t>
             </a:fld>
             <a:endParaRPr lang="en-US"/>
           </a:p>
@@ -2206,7 +2206,7 @@
           <a:p>
             <a:fld id="{F0172217-DC24-48CD-AE89-68C8C8D878B4}" type="datetimeFigureOut">
               <a:rPr lang="en-US" smtClean="0"/>
-              <a:t>10/28/2010</a:t>
+              <a:t>3/8/2011</a:t>
             </a:fld>
             <a:endParaRPr lang="en-US"/>
           </a:p>
@@ -2324,7 +2324,7 @@
           <a:p>
             <a:fld id="{F0172217-DC24-48CD-AE89-68C8C8D878B4}" type="datetimeFigureOut">
               <a:rPr lang="en-US" smtClean="0"/>
-              <a:t>10/28/2010</a:t>
+              <a:t>3/8/2011</a:t>
             </a:fld>
             <a:endParaRPr lang="en-US"/>
           </a:p>
@@ -2419,7 +2419,7 @@
           <a:p>
             <a:fld id="{F0172217-DC24-48CD-AE89-68C8C8D878B4}" type="datetimeFigureOut">
               <a:rPr lang="en-US" smtClean="0"/>
-              <a:t>10/28/2010</a:t>
+              <a:t>3/8/2011</a:t>
             </a:fld>
             <a:endParaRPr lang="en-US"/>
           </a:p>
@@ -2696,7 +2696,7 @@
           <a:p>
             <a:fld id="{F0172217-DC24-48CD-AE89-68C8C8D878B4}" type="datetimeFigureOut">
               <a:rPr lang="en-US" smtClean="0"/>
-              <a:t>10/28/2010</a:t>
+              <a:t>3/8/2011</a:t>
             </a:fld>
             <a:endParaRPr lang="en-US"/>
           </a:p>
@@ -2949,7 +2949,7 @@
           <a:p>
             <a:fld id="{F0172217-DC24-48CD-AE89-68C8C8D878B4}" type="datetimeFigureOut">
               <a:rPr lang="en-US" smtClean="0"/>
-              <a:t>10/28/2010</a:t>
+              <a:t>3/8/2011</a:t>
             </a:fld>
             <a:endParaRPr lang="en-US"/>
           </a:p>
@@ -3162,7 +3162,7 @@
           <a:p>
             <a:fld id="{F0172217-DC24-48CD-AE89-68C8C8D878B4}" type="datetimeFigureOut">
               <a:rPr lang="en-US" smtClean="0"/>
-              <a:t>10/28/2010</a:t>
+              <a:t>3/8/2011</a:t>
             </a:fld>
             <a:endParaRPr lang="en-US"/>
           </a:p>
@@ -3602,8 +3602,8 @@
           </p:nvCxnSpPr>
           <p:spPr>
             <a:xfrm rot="16200000" flipH="1">
-              <a:off x="406782" y="332217"/>
-              <a:ext cx="236491" cy="822289"/>
+              <a:off x="455351" y="283648"/>
+              <a:ext cx="236491" cy="919427"/>
             </a:xfrm>
             <a:prstGeom prst="bentConnector3">
               <a:avLst>
@@ -3640,7 +3640,7 @@
           <p:spPr>
             <a:xfrm>
               <a:off x="70179" y="549155"/>
-              <a:ext cx="575799" cy="369332"/>
+              <a:ext cx="1300356" cy="369332"/>
             </a:xfrm>
             <a:prstGeom prst="rect">
               <a:avLst/>
@@ -3653,12 +3653,12 @@
             <a:lstStyle/>
             <a:p>
               <a:r>
-                <a:rPr lang="en-US" sz="900" dirty="0" smtClean="0">
+                <a:rPr lang="en-US" sz="900" dirty="0" err="1" smtClean="0">
                   <a:solidFill>
                     <a:srgbClr val="00B050"/>
                   </a:solidFill>
                 </a:rPr>
-                <a:t>replaces</a:t>
+                <a:t>listOfReplacedElements</a:t>
               </a:r>
               <a:endParaRPr lang="en-US" sz="900" dirty="0">
                 <a:solidFill>
@@ -3687,7 +3687,7 @@
           <p:spPr>
             <a:xfrm>
               <a:off x="154314" y="1263364"/>
-              <a:ext cx="744114" cy="369332"/>
+              <a:ext cx="982961" cy="369332"/>
             </a:xfrm>
             <a:prstGeom prst="rect">
               <a:avLst/>
@@ -3705,7 +3705,23 @@
                     <a:srgbClr val="0070C0"/>
                   </a:solidFill>
                 </a:rPr>
-                <a:t>subelement</a:t>
+                <a:t>replaced</a:t>
+              </a:r>
+              <a:r>
+                <a:rPr lang="en-US" sz="900" dirty="0" err="1">
+                  <a:solidFill>
+                    <a:srgbClr val="0070C0"/>
+                  </a:solidFill>
+                </a:rPr>
+                <a:t>E</a:t>
+              </a:r>
+              <a:r>
+                <a:rPr lang="en-US" sz="900" dirty="0" err="1" smtClean="0">
+                  <a:solidFill>
+                    <a:srgbClr val="0070C0"/>
+                  </a:solidFill>
+                </a:rPr>
+                <a:t>lement</a:t>
               </a:r>
               <a:endParaRPr lang="en-US" sz="900" dirty="0">
                 <a:solidFill>
@@ -3774,9 +3790,9 @@
           <p:grpSpPr>
             <a:xfrm>
               <a:off x="175012" y="861608"/>
-              <a:ext cx="1489673" cy="457199"/>
+              <a:ext cx="1683950" cy="457199"/>
               <a:chOff x="162625" y="2704579"/>
-              <a:chExt cx="1489673" cy="457199"/>
+              <a:chExt cx="1683950" cy="457199"/>
             </a:xfrm>
           </p:grpSpPr>
           <p:sp>
@@ -3787,8 +3803,8 @@
             </p:nvSpPr>
             <p:spPr>
               <a:xfrm>
-                <a:off x="195272" y="2704579"/>
-                <a:ext cx="1457026" cy="304800"/>
+                <a:off x="195271" y="2704579"/>
+                <a:ext cx="1651304" cy="304800"/>
               </a:xfrm>
               <a:prstGeom prst="rect">
                 <a:avLst/>
@@ -3827,7 +3843,7 @@
                       <a:srgbClr val="0070C0"/>
                     </a:solidFill>
                   </a:rPr>
-                  <a:t>ListOfReplacements</a:t>
+                  <a:t>ListOfReplacedElements</a:t>
                 </a:r>
                 <a:endParaRPr lang="en-US" sz="1100" b="1" dirty="0">
                   <a:solidFill>
@@ -4360,15 +4376,7 @@
                       <a:srgbClr val="0070C0"/>
                     </a:solidFill>
                   </a:rPr>
-                  <a:t>identical</a:t>
-                </a:r>
-                <a:r>
-                  <a:rPr lang="en-US" sz="900" dirty="0" smtClean="0">
-                    <a:solidFill>
-                      <a:srgbClr val="0070C0"/>
-                    </a:solidFill>
-                  </a:rPr>
-                  <a:t>: </a:t>
+                  <a:t>identical: </a:t>
                 </a:r>
                 <a:r>
                   <a:rPr lang="en-US" sz="900" dirty="0" err="1" smtClean="0">
@@ -4508,8 +4516,8 @@
           </p:nvCxnSpPr>
           <p:spPr>
             <a:xfrm flipV="1">
-              <a:off x="1664685" y="571501"/>
-              <a:ext cx="898468" cy="442507"/>
+              <a:off x="1858962" y="571501"/>
+              <a:ext cx="704191" cy="442507"/>
             </a:xfrm>
             <a:prstGeom prst="bentConnector2">
               <a:avLst/>

--- a/sbml-level-3/version-1/comp/HierarchicalSBase.pptx
+++ b/sbml-level-3/version-1/comp/HierarchicalSBase.pptx
@@ -10,13 +10,13 @@
   <p:sldIdLst>
     <p:sldId id="257" r:id="rId2"/>
   </p:sldIdLst>
-  <p:sldSz cx="3108325" cy="2286000"/>
+  <p:sldSz cx="3017838" cy="2193925"/>
   <p:notesSz cx="6858000" cy="9144000"/>
   <p:defaultTextStyle>
     <a:defPPr>
       <a:defRPr lang="en-US"/>
     </a:defPPr>
-    <a:lvl1pPr marL="0" algn="l" defTabSz="596888" rtl="0" eaLnBrk="1" latinLnBrk="0" hangingPunct="1">
+    <a:lvl1pPr marL="0" algn="l" defTabSz="575758" rtl="0" eaLnBrk="1" latinLnBrk="0" hangingPunct="1">
       <a:defRPr sz="1100" kern="1200">
         <a:solidFill>
           <a:schemeClr val="tx1"/>
@@ -26,7 +26,7 @@
         <a:cs typeface="+mn-cs"/>
       </a:defRPr>
     </a:lvl1pPr>
-    <a:lvl2pPr marL="298443" algn="l" defTabSz="596888" rtl="0" eaLnBrk="1" latinLnBrk="0" hangingPunct="1">
+    <a:lvl2pPr marL="287878" algn="l" defTabSz="575758" rtl="0" eaLnBrk="1" latinLnBrk="0" hangingPunct="1">
       <a:defRPr sz="1100" kern="1200">
         <a:solidFill>
           <a:schemeClr val="tx1"/>
@@ -36,7 +36,7 @@
         <a:cs typeface="+mn-cs"/>
       </a:defRPr>
     </a:lvl2pPr>
-    <a:lvl3pPr marL="596888" algn="l" defTabSz="596888" rtl="0" eaLnBrk="1" latinLnBrk="0" hangingPunct="1">
+    <a:lvl3pPr marL="575758" algn="l" defTabSz="575758" rtl="0" eaLnBrk="1" latinLnBrk="0" hangingPunct="1">
       <a:defRPr sz="1100" kern="1200">
         <a:solidFill>
           <a:schemeClr val="tx1"/>
@@ -46,7 +46,7 @@
         <a:cs typeface="+mn-cs"/>
       </a:defRPr>
     </a:lvl3pPr>
-    <a:lvl4pPr marL="895329" algn="l" defTabSz="596888" rtl="0" eaLnBrk="1" latinLnBrk="0" hangingPunct="1">
+    <a:lvl4pPr marL="863634" algn="l" defTabSz="575758" rtl="0" eaLnBrk="1" latinLnBrk="0" hangingPunct="1">
       <a:defRPr sz="1100" kern="1200">
         <a:solidFill>
           <a:schemeClr val="tx1"/>
@@ -56,7 +56,7 @@
         <a:cs typeface="+mn-cs"/>
       </a:defRPr>
     </a:lvl4pPr>
-    <a:lvl5pPr marL="1193773" algn="l" defTabSz="596888" rtl="0" eaLnBrk="1" latinLnBrk="0" hangingPunct="1">
+    <a:lvl5pPr marL="1151513" algn="l" defTabSz="575758" rtl="0" eaLnBrk="1" latinLnBrk="0" hangingPunct="1">
       <a:defRPr sz="1100" kern="1200">
         <a:solidFill>
           <a:schemeClr val="tx1"/>
@@ -66,7 +66,7 @@
         <a:cs typeface="+mn-cs"/>
       </a:defRPr>
     </a:lvl5pPr>
-    <a:lvl6pPr marL="1492215" algn="l" defTabSz="596888" rtl="0" eaLnBrk="1" latinLnBrk="0" hangingPunct="1">
+    <a:lvl6pPr marL="1439391" algn="l" defTabSz="575758" rtl="0" eaLnBrk="1" latinLnBrk="0" hangingPunct="1">
       <a:defRPr sz="1100" kern="1200">
         <a:solidFill>
           <a:schemeClr val="tx1"/>
@@ -76,7 +76,7 @@
         <a:cs typeface="+mn-cs"/>
       </a:defRPr>
     </a:lvl6pPr>
-    <a:lvl7pPr marL="1790659" algn="l" defTabSz="596888" rtl="0" eaLnBrk="1" latinLnBrk="0" hangingPunct="1">
+    <a:lvl7pPr marL="1727270" algn="l" defTabSz="575758" rtl="0" eaLnBrk="1" latinLnBrk="0" hangingPunct="1">
       <a:defRPr sz="1100" kern="1200">
         <a:solidFill>
           <a:schemeClr val="tx1"/>
@@ -86,7 +86,7 @@
         <a:cs typeface="+mn-cs"/>
       </a:defRPr>
     </a:lvl7pPr>
-    <a:lvl8pPr marL="2089100" algn="l" defTabSz="596888" rtl="0" eaLnBrk="1" latinLnBrk="0" hangingPunct="1">
+    <a:lvl8pPr marL="2015146" algn="l" defTabSz="575758" rtl="0" eaLnBrk="1" latinLnBrk="0" hangingPunct="1">
       <a:defRPr sz="1100" kern="1200">
         <a:solidFill>
           <a:schemeClr val="tx1"/>
@@ -96,7 +96,7 @@
         <a:cs typeface="+mn-cs"/>
       </a:defRPr>
     </a:lvl8pPr>
-    <a:lvl9pPr marL="2387544" algn="l" defTabSz="596888" rtl="0" eaLnBrk="1" latinLnBrk="0" hangingPunct="1">
+    <a:lvl9pPr marL="2303025" algn="l" defTabSz="575758" rtl="0" eaLnBrk="1" latinLnBrk="0" hangingPunct="1">
       <a:defRPr sz="1100" kern="1200">
         <a:solidFill>
           <a:schemeClr val="tx1"/>
@@ -192,7 +192,7 @@
           <a:p>
             <a:fld id="{7754A941-C6C2-4027-B1F4-A5E937B2245F}" type="datetimeFigureOut">
               <a:rPr lang="en-US" smtClean="0"/>
-              <a:t>3/8/2011</a:t>
+              <a:t>4/27/2011</a:t>
             </a:fld>
             <a:endParaRPr lang="en-US"/>
           </a:p>
@@ -210,8 +210,8 @@
         </p:nvSpPr>
         <p:spPr>
           <a:xfrm>
-            <a:off x="1096963" y="685800"/>
-            <a:ext cx="4664075" cy="3429000"/>
+            <a:off x="1069975" y="685800"/>
+            <a:ext cx="4718050" cy="3429000"/>
           </a:xfrm>
           <a:prstGeom prst="rect">
             <a:avLst/>
@@ -366,7 +366,7 @@
   </p:cSld>
   <p:clrMap bg1="lt1" tx1="dk1" bg2="lt2" tx2="dk2" accent1="accent1" accent2="accent2" accent3="accent3" accent4="accent4" accent5="accent5" accent6="accent6" hlink="hlink" folHlink="folHlink"/>
   <p:notesStyle>
-    <a:lvl1pPr marL="0" algn="l" defTabSz="596888" rtl="0" eaLnBrk="1" latinLnBrk="0" hangingPunct="1">
+    <a:lvl1pPr marL="0" algn="l" defTabSz="575758" rtl="0" eaLnBrk="1" latinLnBrk="0" hangingPunct="1">
       <a:defRPr sz="800" kern="1200">
         <a:solidFill>
           <a:schemeClr val="tx1"/>
@@ -376,7 +376,7 @@
         <a:cs typeface="+mn-cs"/>
       </a:defRPr>
     </a:lvl1pPr>
-    <a:lvl2pPr marL="298443" algn="l" defTabSz="596888" rtl="0" eaLnBrk="1" latinLnBrk="0" hangingPunct="1">
+    <a:lvl2pPr marL="287878" algn="l" defTabSz="575758" rtl="0" eaLnBrk="1" latinLnBrk="0" hangingPunct="1">
       <a:defRPr sz="800" kern="1200">
         <a:solidFill>
           <a:schemeClr val="tx1"/>
@@ -386,7 +386,7 @@
         <a:cs typeface="+mn-cs"/>
       </a:defRPr>
     </a:lvl2pPr>
-    <a:lvl3pPr marL="596888" algn="l" defTabSz="596888" rtl="0" eaLnBrk="1" latinLnBrk="0" hangingPunct="1">
+    <a:lvl3pPr marL="575758" algn="l" defTabSz="575758" rtl="0" eaLnBrk="1" latinLnBrk="0" hangingPunct="1">
       <a:defRPr sz="800" kern="1200">
         <a:solidFill>
           <a:schemeClr val="tx1"/>
@@ -396,7 +396,7 @@
         <a:cs typeface="+mn-cs"/>
       </a:defRPr>
     </a:lvl3pPr>
-    <a:lvl4pPr marL="895329" algn="l" defTabSz="596888" rtl="0" eaLnBrk="1" latinLnBrk="0" hangingPunct="1">
+    <a:lvl4pPr marL="863634" algn="l" defTabSz="575758" rtl="0" eaLnBrk="1" latinLnBrk="0" hangingPunct="1">
       <a:defRPr sz="800" kern="1200">
         <a:solidFill>
           <a:schemeClr val="tx1"/>
@@ -406,7 +406,7 @@
         <a:cs typeface="+mn-cs"/>
       </a:defRPr>
     </a:lvl4pPr>
-    <a:lvl5pPr marL="1193773" algn="l" defTabSz="596888" rtl="0" eaLnBrk="1" latinLnBrk="0" hangingPunct="1">
+    <a:lvl5pPr marL="1151513" algn="l" defTabSz="575758" rtl="0" eaLnBrk="1" latinLnBrk="0" hangingPunct="1">
       <a:defRPr sz="800" kern="1200">
         <a:solidFill>
           <a:schemeClr val="tx1"/>
@@ -416,7 +416,7 @@
         <a:cs typeface="+mn-cs"/>
       </a:defRPr>
     </a:lvl5pPr>
-    <a:lvl6pPr marL="1492215" algn="l" defTabSz="596888" rtl="0" eaLnBrk="1" latinLnBrk="0" hangingPunct="1">
+    <a:lvl6pPr marL="1439391" algn="l" defTabSz="575758" rtl="0" eaLnBrk="1" latinLnBrk="0" hangingPunct="1">
       <a:defRPr sz="800" kern="1200">
         <a:solidFill>
           <a:schemeClr val="tx1"/>
@@ -426,7 +426,7 @@
         <a:cs typeface="+mn-cs"/>
       </a:defRPr>
     </a:lvl6pPr>
-    <a:lvl7pPr marL="1790659" algn="l" defTabSz="596888" rtl="0" eaLnBrk="1" latinLnBrk="0" hangingPunct="1">
+    <a:lvl7pPr marL="1727270" algn="l" defTabSz="575758" rtl="0" eaLnBrk="1" latinLnBrk="0" hangingPunct="1">
       <a:defRPr sz="800" kern="1200">
         <a:solidFill>
           <a:schemeClr val="tx1"/>
@@ -436,7 +436,7 @@
         <a:cs typeface="+mn-cs"/>
       </a:defRPr>
     </a:lvl7pPr>
-    <a:lvl8pPr marL="2089100" algn="l" defTabSz="596888" rtl="0" eaLnBrk="1" latinLnBrk="0" hangingPunct="1">
+    <a:lvl8pPr marL="2015146" algn="l" defTabSz="575758" rtl="0" eaLnBrk="1" latinLnBrk="0" hangingPunct="1">
       <a:defRPr sz="800" kern="1200">
         <a:solidFill>
           <a:schemeClr val="tx1"/>
@@ -446,7 +446,7 @@
         <a:cs typeface="+mn-cs"/>
       </a:defRPr>
     </a:lvl8pPr>
-    <a:lvl9pPr marL="2387544" algn="l" defTabSz="596888" rtl="0" eaLnBrk="1" latinLnBrk="0" hangingPunct="1">
+    <a:lvl9pPr marL="2303025" algn="l" defTabSz="575758" rtl="0" eaLnBrk="1" latinLnBrk="0" hangingPunct="1">
       <a:defRPr sz="800" kern="1200">
         <a:solidFill>
           <a:schemeClr val="tx1"/>
@@ -489,8 +489,8 @@
         </p:nvSpPr>
         <p:spPr>
           <a:xfrm>
-            <a:off x="1096963" y="685800"/>
-            <a:ext cx="4664075" cy="3429000"/>
+            <a:off x="1069975" y="685800"/>
+            <a:ext cx="4718050" cy="3429000"/>
           </a:xfrm>
         </p:spPr>
       </p:sp>
@@ -578,8 +578,8 @@
         </p:nvSpPr>
         <p:spPr>
           <a:xfrm>
-            <a:off x="233126" y="710148"/>
-            <a:ext cx="2642077" cy="490009"/>
+            <a:off x="226344" y="681548"/>
+            <a:ext cx="2565163" cy="470272"/>
           </a:xfrm>
         </p:spPr>
         <p:txBody>
@@ -606,8 +606,8 @@
         </p:nvSpPr>
         <p:spPr>
           <a:xfrm>
-            <a:off x="466250" y="1295405"/>
-            <a:ext cx="2175828" cy="584199"/>
+            <a:off x="452678" y="1243236"/>
+            <a:ext cx="2112486" cy="560667"/>
           </a:xfrm>
         </p:spPr>
         <p:txBody>
@@ -623,7 +623,7 @@
                 </a:solidFill>
               </a:defRPr>
             </a:lvl1pPr>
-            <a:lvl2pPr marL="298443" indent="0" algn="ctr">
+            <a:lvl2pPr marL="287878" indent="0" algn="ctr">
               <a:buNone/>
               <a:defRPr>
                 <a:solidFill>
@@ -633,7 +633,7 @@
                 </a:solidFill>
               </a:defRPr>
             </a:lvl2pPr>
-            <a:lvl3pPr marL="596888" indent="0" algn="ctr">
+            <a:lvl3pPr marL="575758" indent="0" algn="ctr">
               <a:buNone/>
               <a:defRPr>
                 <a:solidFill>
@@ -643,7 +643,7 @@
                 </a:solidFill>
               </a:defRPr>
             </a:lvl3pPr>
-            <a:lvl4pPr marL="895329" indent="0" algn="ctr">
+            <a:lvl4pPr marL="863634" indent="0" algn="ctr">
               <a:buNone/>
               <a:defRPr>
                 <a:solidFill>
@@ -653,7 +653,7 @@
                 </a:solidFill>
               </a:defRPr>
             </a:lvl4pPr>
-            <a:lvl5pPr marL="1193773" indent="0" algn="ctr">
+            <a:lvl5pPr marL="1151513" indent="0" algn="ctr">
               <a:buNone/>
               <a:defRPr>
                 <a:solidFill>
@@ -663,7 +663,7 @@
                 </a:solidFill>
               </a:defRPr>
             </a:lvl5pPr>
-            <a:lvl6pPr marL="1492215" indent="0" algn="ctr">
+            <a:lvl6pPr marL="1439391" indent="0" algn="ctr">
               <a:buNone/>
               <a:defRPr>
                 <a:solidFill>
@@ -673,7 +673,7 @@
                 </a:solidFill>
               </a:defRPr>
             </a:lvl6pPr>
-            <a:lvl7pPr marL="1790659" indent="0" algn="ctr">
+            <a:lvl7pPr marL="1727270" indent="0" algn="ctr">
               <a:buNone/>
               <a:defRPr>
                 <a:solidFill>
@@ -683,7 +683,7 @@
                 </a:solidFill>
               </a:defRPr>
             </a:lvl7pPr>
-            <a:lvl8pPr marL="2089100" indent="0" algn="ctr">
+            <a:lvl8pPr marL="2015146" indent="0" algn="ctr">
               <a:buNone/>
               <a:defRPr>
                 <a:solidFill>
@@ -693,7 +693,7 @@
                 </a:solidFill>
               </a:defRPr>
             </a:lvl8pPr>
-            <a:lvl9pPr marL="2387544" indent="0" algn="ctr">
+            <a:lvl9pPr marL="2303025" indent="0" algn="ctr">
               <a:buNone/>
               <a:defRPr>
                 <a:solidFill>
@@ -730,7 +730,7 @@
           <a:p>
             <a:fld id="{F0172217-DC24-48CD-AE89-68C8C8D878B4}" type="datetimeFigureOut">
               <a:rPr lang="en-US" smtClean="0"/>
-              <a:t>3/8/2011</a:t>
+              <a:t>4/27/2011</a:t>
             </a:fld>
             <a:endParaRPr lang="en-US"/>
           </a:p>
@@ -900,7 +900,7 @@
           <a:p>
             <a:fld id="{F0172217-DC24-48CD-AE89-68C8C8D878B4}" type="datetimeFigureOut">
               <a:rPr lang="en-US" smtClean="0"/>
-              <a:t>3/8/2011</a:t>
+              <a:t>4/27/2011</a:t>
             </a:fld>
             <a:endParaRPr lang="en-US"/>
           </a:p>
@@ -990,8 +990,8 @@
         </p:nvSpPr>
         <p:spPr>
           <a:xfrm>
-            <a:off x="2253547" y="91562"/>
-            <a:ext cx="699373" cy="1950508"/>
+            <a:off x="2187953" y="87878"/>
+            <a:ext cx="679013" cy="1871946"/>
           </a:xfrm>
         </p:spPr>
         <p:txBody>
@@ -1018,8 +1018,8 @@
         </p:nvSpPr>
         <p:spPr>
           <a:xfrm>
-            <a:off x="155416" y="91562"/>
-            <a:ext cx="2046314" cy="1950508"/>
+            <a:off x="150896" y="87878"/>
+            <a:ext cx="1986743" cy="1871946"/>
           </a:xfrm>
         </p:spPr>
         <p:txBody>
@@ -1080,7 +1080,7 @@
           <a:p>
             <a:fld id="{F0172217-DC24-48CD-AE89-68C8C8D878B4}" type="datetimeFigureOut">
               <a:rPr lang="en-US" smtClean="0"/>
-              <a:t>3/8/2011</a:t>
+              <a:t>4/27/2011</a:t>
             </a:fld>
             <a:endParaRPr lang="en-US"/>
           </a:p>
@@ -1250,7 +1250,7 @@
           <a:p>
             <a:fld id="{F0172217-DC24-48CD-AE89-68C8C8D878B4}" type="datetimeFigureOut">
               <a:rPr lang="en-US" smtClean="0"/>
-              <a:t>3/8/2011</a:t>
+              <a:t>4/27/2011</a:t>
             </a:fld>
             <a:endParaRPr lang="en-US"/>
           </a:p>
@@ -1340,15 +1340,15 @@
         </p:nvSpPr>
         <p:spPr>
           <a:xfrm>
-            <a:off x="245540" y="1468972"/>
-            <a:ext cx="2642077" cy="454025"/>
+            <a:off x="238398" y="1409810"/>
+            <a:ext cx="2565163" cy="435738"/>
           </a:xfrm>
         </p:spPr>
         <p:txBody>
           <a:bodyPr anchor="t"/>
           <a:lstStyle>
             <a:lvl1pPr algn="l">
-              <a:defRPr sz="2500" b="1" cap="all"/>
+              <a:defRPr sz="2400" b="1" cap="all"/>
             </a:lvl1pPr>
           </a:lstStyle>
           <a:p>
@@ -1372,8 +1372,8 @@
         </p:nvSpPr>
         <p:spPr>
           <a:xfrm>
-            <a:off x="245540" y="968915"/>
-            <a:ext cx="2642077" cy="500063"/>
+            <a:off x="238398" y="929891"/>
+            <a:ext cx="2565163" cy="479922"/>
           </a:xfrm>
         </p:spPr>
         <p:txBody>
@@ -1389,7 +1389,7 @@
                 </a:solidFill>
               </a:defRPr>
             </a:lvl1pPr>
-            <a:lvl2pPr marL="298443" indent="0">
+            <a:lvl2pPr marL="287878" indent="0">
               <a:buNone/>
               <a:defRPr sz="1100">
                 <a:solidFill>
@@ -1399,7 +1399,7 @@
                 </a:solidFill>
               </a:defRPr>
             </a:lvl2pPr>
-            <a:lvl3pPr marL="596888" indent="0">
+            <a:lvl3pPr marL="575758" indent="0">
               <a:buNone/>
               <a:defRPr sz="1000">
                 <a:solidFill>
@@ -1409,7 +1409,7 @@
                 </a:solidFill>
               </a:defRPr>
             </a:lvl3pPr>
-            <a:lvl4pPr marL="895329" indent="0">
+            <a:lvl4pPr marL="863634" indent="0">
               <a:buNone/>
               <a:defRPr sz="800">
                 <a:solidFill>
@@ -1419,7 +1419,7 @@
                 </a:solidFill>
               </a:defRPr>
             </a:lvl4pPr>
-            <a:lvl5pPr marL="1193773" indent="0">
+            <a:lvl5pPr marL="1151513" indent="0">
               <a:buNone/>
               <a:defRPr sz="800">
                 <a:solidFill>
@@ -1429,7 +1429,7 @@
                 </a:solidFill>
               </a:defRPr>
             </a:lvl5pPr>
-            <a:lvl6pPr marL="1492215" indent="0">
+            <a:lvl6pPr marL="1439391" indent="0">
               <a:buNone/>
               <a:defRPr sz="800">
                 <a:solidFill>
@@ -1439,7 +1439,7 @@
                 </a:solidFill>
               </a:defRPr>
             </a:lvl6pPr>
-            <a:lvl7pPr marL="1790659" indent="0">
+            <a:lvl7pPr marL="1727270" indent="0">
               <a:buNone/>
               <a:defRPr sz="800">
                 <a:solidFill>
@@ -1449,7 +1449,7 @@
                 </a:solidFill>
               </a:defRPr>
             </a:lvl7pPr>
-            <a:lvl8pPr marL="2089100" indent="0">
+            <a:lvl8pPr marL="2015146" indent="0">
               <a:buNone/>
               <a:defRPr sz="800">
                 <a:solidFill>
@@ -1459,7 +1459,7 @@
                 </a:solidFill>
               </a:defRPr>
             </a:lvl8pPr>
-            <a:lvl9pPr marL="2387544" indent="0">
+            <a:lvl9pPr marL="2303025" indent="0">
               <a:buNone/>
               <a:defRPr sz="800">
                 <a:solidFill>
@@ -1496,7 +1496,7 @@
           <a:p>
             <a:fld id="{F0172217-DC24-48CD-AE89-68C8C8D878B4}" type="datetimeFigureOut">
               <a:rPr lang="en-US" smtClean="0"/>
-              <a:t>3/8/2011</a:t>
+              <a:t>4/27/2011</a:t>
             </a:fld>
             <a:endParaRPr lang="en-US"/>
           </a:p>
@@ -1609,18 +1609,18 @@
         </p:nvSpPr>
         <p:spPr>
           <a:xfrm>
-            <a:off x="155418" y="533408"/>
-            <a:ext cx="1372845" cy="1508654"/>
+            <a:off x="150898" y="511923"/>
+            <a:ext cx="1332879" cy="1447889"/>
           </a:xfrm>
         </p:spPr>
         <p:txBody>
           <a:bodyPr/>
           <a:lstStyle>
             <a:lvl1pPr>
-              <a:defRPr sz="1900"/>
+              <a:defRPr sz="1800"/>
             </a:lvl1pPr>
             <a:lvl2pPr>
-              <a:defRPr sz="1600"/>
+              <a:defRPr sz="1500"/>
             </a:lvl2pPr>
             <a:lvl3pPr>
               <a:defRPr sz="1300"/>
@@ -1694,18 +1694,18 @@
         </p:nvSpPr>
         <p:spPr>
           <a:xfrm>
-            <a:off x="1580071" y="533408"/>
-            <a:ext cx="1372845" cy="1508654"/>
+            <a:off x="1534083" y="511923"/>
+            <a:ext cx="1332879" cy="1447889"/>
           </a:xfrm>
         </p:spPr>
         <p:txBody>
           <a:bodyPr/>
           <a:lstStyle>
             <a:lvl1pPr>
-              <a:defRPr sz="1900"/>
+              <a:defRPr sz="1800"/>
             </a:lvl1pPr>
             <a:lvl2pPr>
-              <a:defRPr sz="1600"/>
+              <a:defRPr sz="1500"/>
             </a:lvl2pPr>
             <a:lvl3pPr>
               <a:defRPr sz="1300"/>
@@ -1784,7 +1784,7 @@
           <a:p>
             <a:fld id="{F0172217-DC24-48CD-AE89-68C8C8D878B4}" type="datetimeFigureOut">
               <a:rPr lang="en-US" smtClean="0"/>
-              <a:t>3/8/2011</a:t>
+              <a:t>4/27/2011</a:t>
             </a:fld>
             <a:endParaRPr lang="en-US"/>
           </a:p>
@@ -1901,8 +1901,8 @@
         </p:nvSpPr>
         <p:spPr>
           <a:xfrm>
-            <a:off x="155424" y="511710"/>
-            <a:ext cx="1373384" cy="213254"/>
+            <a:off x="150902" y="491101"/>
+            <a:ext cx="1333403" cy="204664"/>
           </a:xfrm>
         </p:spPr>
         <p:txBody>
@@ -1910,37 +1910,37 @@
           <a:lstStyle>
             <a:lvl1pPr marL="0" indent="0">
               <a:buNone/>
-              <a:defRPr sz="1600" b="1"/>
+              <a:defRPr sz="1500" b="1"/>
             </a:lvl1pPr>
-            <a:lvl2pPr marL="298443" indent="0">
+            <a:lvl2pPr marL="287878" indent="0">
               <a:buNone/>
               <a:defRPr sz="1300" b="1"/>
             </a:lvl2pPr>
-            <a:lvl3pPr marL="596888" indent="0">
+            <a:lvl3pPr marL="575758" indent="0">
               <a:buNone/>
               <a:defRPr sz="1100" b="1"/>
             </a:lvl3pPr>
-            <a:lvl4pPr marL="895329" indent="0">
+            <a:lvl4pPr marL="863634" indent="0">
               <a:buNone/>
               <a:defRPr sz="1000" b="1"/>
             </a:lvl4pPr>
-            <a:lvl5pPr marL="1193773" indent="0">
+            <a:lvl5pPr marL="1151513" indent="0">
               <a:buNone/>
               <a:defRPr sz="1000" b="1"/>
             </a:lvl5pPr>
-            <a:lvl6pPr marL="1492215" indent="0">
+            <a:lvl6pPr marL="1439391" indent="0">
               <a:buNone/>
               <a:defRPr sz="1000" b="1"/>
             </a:lvl6pPr>
-            <a:lvl7pPr marL="1790659" indent="0">
+            <a:lvl7pPr marL="1727270" indent="0">
               <a:buNone/>
               <a:defRPr sz="1000" b="1"/>
             </a:lvl7pPr>
-            <a:lvl8pPr marL="2089100" indent="0">
+            <a:lvl8pPr marL="2015146" indent="0">
               <a:buNone/>
               <a:defRPr sz="1000" b="1"/>
             </a:lvl8pPr>
-            <a:lvl9pPr marL="2387544" indent="0">
+            <a:lvl9pPr marL="2303025" indent="0">
               <a:buNone/>
               <a:defRPr sz="1000" b="1"/>
             </a:lvl9pPr>
@@ -1966,15 +1966,15 @@
         </p:nvSpPr>
         <p:spPr>
           <a:xfrm>
-            <a:off x="155424" y="724964"/>
-            <a:ext cx="1373384" cy="1317096"/>
+            <a:off x="150902" y="695763"/>
+            <a:ext cx="1333403" cy="1264047"/>
           </a:xfrm>
         </p:spPr>
         <p:txBody>
           <a:bodyPr/>
           <a:lstStyle>
             <a:lvl1pPr>
-              <a:defRPr sz="1600"/>
+              <a:defRPr sz="1500"/>
             </a:lvl1pPr>
             <a:lvl2pPr>
               <a:defRPr sz="1300"/>
@@ -2051,8 +2051,8 @@
         </p:nvSpPr>
         <p:spPr>
           <a:xfrm>
-            <a:off x="1579003" y="511710"/>
-            <a:ext cx="1373923" cy="213254"/>
+            <a:off x="1533042" y="491101"/>
+            <a:ext cx="1333926" cy="204664"/>
           </a:xfrm>
         </p:spPr>
         <p:txBody>
@@ -2060,37 +2060,37 @@
           <a:lstStyle>
             <a:lvl1pPr marL="0" indent="0">
               <a:buNone/>
-              <a:defRPr sz="1600" b="1"/>
+              <a:defRPr sz="1500" b="1"/>
             </a:lvl1pPr>
-            <a:lvl2pPr marL="298443" indent="0">
+            <a:lvl2pPr marL="287878" indent="0">
               <a:buNone/>
               <a:defRPr sz="1300" b="1"/>
             </a:lvl2pPr>
-            <a:lvl3pPr marL="596888" indent="0">
+            <a:lvl3pPr marL="575758" indent="0">
               <a:buNone/>
               <a:defRPr sz="1100" b="1"/>
             </a:lvl3pPr>
-            <a:lvl4pPr marL="895329" indent="0">
+            <a:lvl4pPr marL="863634" indent="0">
               <a:buNone/>
               <a:defRPr sz="1000" b="1"/>
             </a:lvl4pPr>
-            <a:lvl5pPr marL="1193773" indent="0">
+            <a:lvl5pPr marL="1151513" indent="0">
               <a:buNone/>
               <a:defRPr sz="1000" b="1"/>
             </a:lvl5pPr>
-            <a:lvl6pPr marL="1492215" indent="0">
+            <a:lvl6pPr marL="1439391" indent="0">
               <a:buNone/>
               <a:defRPr sz="1000" b="1"/>
             </a:lvl6pPr>
-            <a:lvl7pPr marL="1790659" indent="0">
+            <a:lvl7pPr marL="1727270" indent="0">
               <a:buNone/>
               <a:defRPr sz="1000" b="1"/>
             </a:lvl7pPr>
-            <a:lvl8pPr marL="2089100" indent="0">
+            <a:lvl8pPr marL="2015146" indent="0">
               <a:buNone/>
               <a:defRPr sz="1000" b="1"/>
             </a:lvl8pPr>
-            <a:lvl9pPr marL="2387544" indent="0">
+            <a:lvl9pPr marL="2303025" indent="0">
               <a:buNone/>
               <a:defRPr sz="1000" b="1"/>
             </a:lvl9pPr>
@@ -2116,15 +2116,15 @@
         </p:nvSpPr>
         <p:spPr>
           <a:xfrm>
-            <a:off x="1579003" y="724964"/>
-            <a:ext cx="1373923" cy="1317096"/>
+            <a:off x="1533042" y="695763"/>
+            <a:ext cx="1333926" cy="1264047"/>
           </a:xfrm>
         </p:spPr>
         <p:txBody>
           <a:bodyPr/>
           <a:lstStyle>
             <a:lvl1pPr>
-              <a:defRPr sz="1600"/>
+              <a:defRPr sz="1500"/>
             </a:lvl1pPr>
             <a:lvl2pPr>
               <a:defRPr sz="1300"/>
@@ -2206,7 +2206,7 @@
           <a:p>
             <a:fld id="{F0172217-DC24-48CD-AE89-68C8C8D878B4}" type="datetimeFigureOut">
               <a:rPr lang="en-US" smtClean="0"/>
-              <a:t>3/8/2011</a:t>
+              <a:t>4/27/2011</a:t>
             </a:fld>
             <a:endParaRPr lang="en-US"/>
           </a:p>
@@ -2324,7 +2324,7 @@
           <a:p>
             <a:fld id="{F0172217-DC24-48CD-AE89-68C8C8D878B4}" type="datetimeFigureOut">
               <a:rPr lang="en-US" smtClean="0"/>
-              <a:t>3/8/2011</a:t>
+              <a:t>4/27/2011</a:t>
             </a:fld>
             <a:endParaRPr lang="en-US"/>
           </a:p>
@@ -2419,7 +2419,7 @@
           <a:p>
             <a:fld id="{F0172217-DC24-48CD-AE89-68C8C8D878B4}" type="datetimeFigureOut">
               <a:rPr lang="en-US" smtClean="0"/>
-              <a:t>3/8/2011</a:t>
+              <a:t>4/27/2011</a:t>
             </a:fld>
             <a:endParaRPr lang="en-US"/>
           </a:p>
@@ -2509,8 +2509,8 @@
         </p:nvSpPr>
         <p:spPr>
           <a:xfrm>
-            <a:off x="155430" y="91021"/>
-            <a:ext cx="1022617" cy="387350"/>
+            <a:off x="150915" y="87359"/>
+            <a:ext cx="992847" cy="371750"/>
           </a:xfrm>
         </p:spPr>
         <p:txBody>
@@ -2541,21 +2541,21 @@
         </p:nvSpPr>
         <p:spPr>
           <a:xfrm>
-            <a:off x="1215276" y="91031"/>
-            <a:ext cx="1737640" cy="1951037"/>
+            <a:off x="1179899" y="87369"/>
+            <a:ext cx="1687055" cy="1872453"/>
           </a:xfrm>
         </p:spPr>
         <p:txBody>
           <a:bodyPr/>
           <a:lstStyle>
             <a:lvl1pPr>
-              <a:defRPr sz="2300"/>
+              <a:defRPr sz="2200"/>
             </a:lvl1pPr>
             <a:lvl2pPr>
-              <a:defRPr sz="1900"/>
+              <a:defRPr sz="1800"/>
             </a:lvl2pPr>
             <a:lvl3pPr>
-              <a:defRPr sz="1600"/>
+              <a:defRPr sz="1500"/>
             </a:lvl3pPr>
             <a:lvl4pPr>
               <a:defRPr sz="1300"/>
@@ -2626,8 +2626,8 @@
         </p:nvSpPr>
         <p:spPr>
           <a:xfrm>
-            <a:off x="155430" y="478374"/>
-            <a:ext cx="1022617" cy="1563688"/>
+            <a:off x="150915" y="459108"/>
+            <a:ext cx="992847" cy="1500706"/>
           </a:xfrm>
         </p:spPr>
         <p:txBody>
@@ -2637,35 +2637,35 @@
               <a:buNone/>
               <a:defRPr sz="800"/>
             </a:lvl1pPr>
-            <a:lvl2pPr marL="298443" indent="0">
+            <a:lvl2pPr marL="287878" indent="0">
               <a:buNone/>
               <a:defRPr sz="800"/>
             </a:lvl2pPr>
-            <a:lvl3pPr marL="596888" indent="0">
+            <a:lvl3pPr marL="575758" indent="0">
               <a:buNone/>
               <a:defRPr sz="800"/>
             </a:lvl3pPr>
-            <a:lvl4pPr marL="895329" indent="0">
+            <a:lvl4pPr marL="863634" indent="0">
               <a:buNone/>
               <a:defRPr sz="600"/>
             </a:lvl4pPr>
-            <a:lvl5pPr marL="1193773" indent="0">
+            <a:lvl5pPr marL="1151513" indent="0">
               <a:buNone/>
               <a:defRPr sz="600"/>
             </a:lvl5pPr>
-            <a:lvl6pPr marL="1492215" indent="0">
+            <a:lvl6pPr marL="1439391" indent="0">
               <a:buNone/>
               <a:defRPr sz="600"/>
             </a:lvl6pPr>
-            <a:lvl7pPr marL="1790659" indent="0">
+            <a:lvl7pPr marL="1727270" indent="0">
               <a:buNone/>
               <a:defRPr sz="600"/>
             </a:lvl7pPr>
-            <a:lvl8pPr marL="2089100" indent="0">
+            <a:lvl8pPr marL="2015146" indent="0">
               <a:buNone/>
               <a:defRPr sz="600"/>
             </a:lvl8pPr>
-            <a:lvl9pPr marL="2387544" indent="0">
+            <a:lvl9pPr marL="2303025" indent="0">
               <a:buNone/>
               <a:defRPr sz="600"/>
             </a:lvl9pPr>
@@ -2696,7 +2696,7 @@
           <a:p>
             <a:fld id="{F0172217-DC24-48CD-AE89-68C8C8D878B4}" type="datetimeFigureOut">
               <a:rPr lang="en-US" smtClean="0"/>
-              <a:t>3/8/2011</a:t>
+              <a:t>4/27/2011</a:t>
             </a:fld>
             <a:endParaRPr lang="en-US"/>
           </a:p>
@@ -2786,8 +2786,8 @@
         </p:nvSpPr>
         <p:spPr>
           <a:xfrm>
-            <a:off x="609264" y="1600209"/>
-            <a:ext cx="1864995" cy="188913"/>
+            <a:off x="591537" y="1535762"/>
+            <a:ext cx="1810703" cy="181304"/>
           </a:xfrm>
         </p:spPr>
         <p:txBody>
@@ -2818,8 +2818,8 @@
         </p:nvSpPr>
         <p:spPr>
           <a:xfrm>
-            <a:off x="609264" y="204267"/>
-            <a:ext cx="1864995" cy="1371601"/>
+            <a:off x="591537" y="196045"/>
+            <a:ext cx="1810703" cy="1316356"/>
           </a:xfrm>
         </p:spPr>
         <p:txBody>
@@ -2827,37 +2827,37 @@
           <a:lstStyle>
             <a:lvl1pPr marL="0" indent="0">
               <a:buNone/>
-              <a:defRPr sz="2300"/>
+              <a:defRPr sz="2200"/>
             </a:lvl1pPr>
-            <a:lvl2pPr marL="298443" indent="0">
-              <a:buNone/>
-              <a:defRPr sz="1900"/>
+            <a:lvl2pPr marL="287878" indent="0">
+              <a:buNone/>
+              <a:defRPr sz="1800"/>
             </a:lvl2pPr>
-            <a:lvl3pPr marL="596888" indent="0">
-              <a:buNone/>
-              <a:defRPr sz="1600"/>
+            <a:lvl3pPr marL="575758" indent="0">
+              <a:buNone/>
+              <a:defRPr sz="1500"/>
             </a:lvl3pPr>
-            <a:lvl4pPr marL="895329" indent="0">
+            <a:lvl4pPr marL="863634" indent="0">
               <a:buNone/>
               <a:defRPr sz="1300"/>
             </a:lvl4pPr>
-            <a:lvl5pPr marL="1193773" indent="0">
+            <a:lvl5pPr marL="1151513" indent="0">
               <a:buNone/>
               <a:defRPr sz="1300"/>
             </a:lvl5pPr>
-            <a:lvl6pPr marL="1492215" indent="0">
+            <a:lvl6pPr marL="1439391" indent="0">
               <a:buNone/>
               <a:defRPr sz="1300"/>
             </a:lvl6pPr>
-            <a:lvl7pPr marL="1790659" indent="0">
+            <a:lvl7pPr marL="1727270" indent="0">
               <a:buNone/>
               <a:defRPr sz="1300"/>
             </a:lvl7pPr>
-            <a:lvl8pPr marL="2089100" indent="0">
+            <a:lvl8pPr marL="2015146" indent="0">
               <a:buNone/>
               <a:defRPr sz="1300"/>
             </a:lvl8pPr>
-            <a:lvl9pPr marL="2387544" indent="0">
+            <a:lvl9pPr marL="2303025" indent="0">
               <a:buNone/>
               <a:defRPr sz="1300"/>
             </a:lvl9pPr>
@@ -2879,8 +2879,8 @@
         </p:nvSpPr>
         <p:spPr>
           <a:xfrm>
-            <a:off x="609264" y="1789118"/>
-            <a:ext cx="1864995" cy="268288"/>
+            <a:off x="591537" y="1717061"/>
+            <a:ext cx="1810703" cy="257481"/>
           </a:xfrm>
         </p:spPr>
         <p:txBody>
@@ -2890,35 +2890,35 @@
               <a:buNone/>
               <a:defRPr sz="800"/>
             </a:lvl1pPr>
-            <a:lvl2pPr marL="298443" indent="0">
+            <a:lvl2pPr marL="287878" indent="0">
               <a:buNone/>
               <a:defRPr sz="800"/>
             </a:lvl2pPr>
-            <a:lvl3pPr marL="596888" indent="0">
+            <a:lvl3pPr marL="575758" indent="0">
               <a:buNone/>
               <a:defRPr sz="800"/>
             </a:lvl3pPr>
-            <a:lvl4pPr marL="895329" indent="0">
+            <a:lvl4pPr marL="863634" indent="0">
               <a:buNone/>
               <a:defRPr sz="600"/>
             </a:lvl4pPr>
-            <a:lvl5pPr marL="1193773" indent="0">
+            <a:lvl5pPr marL="1151513" indent="0">
               <a:buNone/>
               <a:defRPr sz="600"/>
             </a:lvl5pPr>
-            <a:lvl6pPr marL="1492215" indent="0">
+            <a:lvl6pPr marL="1439391" indent="0">
               <a:buNone/>
               <a:defRPr sz="600"/>
             </a:lvl6pPr>
-            <a:lvl7pPr marL="1790659" indent="0">
+            <a:lvl7pPr marL="1727270" indent="0">
               <a:buNone/>
               <a:defRPr sz="600"/>
             </a:lvl7pPr>
-            <a:lvl8pPr marL="2089100" indent="0">
+            <a:lvl8pPr marL="2015146" indent="0">
               <a:buNone/>
               <a:defRPr sz="600"/>
             </a:lvl8pPr>
-            <a:lvl9pPr marL="2387544" indent="0">
+            <a:lvl9pPr marL="2303025" indent="0">
               <a:buNone/>
               <a:defRPr sz="600"/>
             </a:lvl9pPr>
@@ -2949,7 +2949,7 @@
           <a:p>
             <a:fld id="{F0172217-DC24-48CD-AE89-68C8C8D878B4}" type="datetimeFigureOut">
               <a:rPr lang="en-US" smtClean="0"/>
-              <a:t>3/8/2011</a:t>
+              <a:t>4/27/2011</a:t>
             </a:fld>
             <a:endParaRPr lang="en-US"/>
           </a:p>
@@ -3044,15 +3044,15 @@
         </p:nvSpPr>
         <p:spPr>
           <a:xfrm>
-            <a:off x="155419" y="91549"/>
-            <a:ext cx="2797494" cy="381000"/>
+            <a:off x="150894" y="87866"/>
+            <a:ext cx="2716056" cy="365654"/>
           </a:xfrm>
           <a:prstGeom prst="rect">
             <a:avLst/>
           </a:prstGeom>
         </p:spPr>
         <p:txBody>
-          <a:bodyPr vert="horz" lIns="59690" tIns="29845" rIns="59690" bIns="29845" rtlCol="0" anchor="ctr">
+          <a:bodyPr vert="horz" lIns="57577" tIns="28788" rIns="57577" bIns="28788" rtlCol="0" anchor="ctr">
             <a:normAutofit/>
           </a:bodyPr>
           <a:lstStyle/>
@@ -3077,15 +3077,15 @@
         </p:nvSpPr>
         <p:spPr>
           <a:xfrm>
-            <a:off x="155419" y="533408"/>
-            <a:ext cx="2797494" cy="1508654"/>
+            <a:off x="150894" y="511923"/>
+            <a:ext cx="2716056" cy="1447889"/>
           </a:xfrm>
           <a:prstGeom prst="rect">
             <a:avLst/>
           </a:prstGeom>
         </p:spPr>
         <p:txBody>
-          <a:bodyPr vert="horz" lIns="59690" tIns="29845" rIns="59690" bIns="29845" rtlCol="0">
+          <a:bodyPr vert="horz" lIns="57577" tIns="28788" rIns="57577" bIns="28788" rtlCol="0">
             <a:normAutofit/>
           </a:bodyPr>
           <a:lstStyle/>
@@ -3139,15 +3139,15 @@
         </p:nvSpPr>
         <p:spPr>
           <a:xfrm>
-            <a:off x="155416" y="2118795"/>
-            <a:ext cx="725276" cy="121709"/>
+            <a:off x="150892" y="2033455"/>
+            <a:ext cx="704162" cy="116806"/>
           </a:xfrm>
           <a:prstGeom prst="rect">
             <a:avLst/>
           </a:prstGeom>
         </p:spPr>
         <p:txBody>
-          <a:bodyPr vert="horz" lIns="59690" tIns="29845" rIns="59690" bIns="29845" rtlCol="0" anchor="ctr"/>
+          <a:bodyPr vert="horz" lIns="57577" tIns="28788" rIns="57577" bIns="28788" rtlCol="0" anchor="ctr"/>
           <a:lstStyle>
             <a:lvl1pPr algn="l">
               <a:defRPr sz="800">
@@ -3162,7 +3162,7 @@
           <a:p>
             <a:fld id="{F0172217-DC24-48CD-AE89-68C8C8D878B4}" type="datetimeFigureOut">
               <a:rPr lang="en-US" smtClean="0"/>
-              <a:t>3/8/2011</a:t>
+              <a:t>4/27/2011</a:t>
             </a:fld>
             <a:endParaRPr lang="en-US"/>
           </a:p>
@@ -3180,15 +3180,15 @@
         </p:nvSpPr>
         <p:spPr>
           <a:xfrm>
-            <a:off x="1062018" y="2118795"/>
-            <a:ext cx="984303" cy="121709"/>
+            <a:off x="1031105" y="2033455"/>
+            <a:ext cx="955649" cy="116806"/>
           </a:xfrm>
           <a:prstGeom prst="rect">
             <a:avLst/>
           </a:prstGeom>
         </p:spPr>
         <p:txBody>
-          <a:bodyPr vert="horz" lIns="59690" tIns="29845" rIns="59690" bIns="29845" rtlCol="0" anchor="ctr"/>
+          <a:bodyPr vert="horz" lIns="57577" tIns="28788" rIns="57577" bIns="28788" rtlCol="0" anchor="ctr"/>
           <a:lstStyle>
             <a:lvl1pPr algn="ctr">
               <a:defRPr sz="800">
@@ -3217,15 +3217,15 @@
         </p:nvSpPr>
         <p:spPr>
           <a:xfrm>
-            <a:off x="2227633" y="2118795"/>
-            <a:ext cx="725276" cy="121709"/>
+            <a:off x="2162784" y="2033455"/>
+            <a:ext cx="704162" cy="116806"/>
           </a:xfrm>
           <a:prstGeom prst="rect">
             <a:avLst/>
           </a:prstGeom>
         </p:spPr>
         <p:txBody>
-          <a:bodyPr vert="horz" lIns="59690" tIns="29845" rIns="59690" bIns="29845" rtlCol="0" anchor="ctr"/>
+          <a:bodyPr vert="horz" lIns="57577" tIns="28788" rIns="57577" bIns="28788" rtlCol="0" anchor="ctr"/>
           <a:lstStyle>
             <a:lvl1pPr algn="r">
               <a:defRPr sz="800">
@@ -3269,12 +3269,12 @@
   </p:sldLayoutIdLst>
   <p:txStyles>
     <p:titleStyle>
-      <a:lvl1pPr algn="ctr" defTabSz="596888" rtl="0" eaLnBrk="1" latinLnBrk="0" hangingPunct="1">
+      <a:lvl1pPr algn="ctr" defTabSz="575758" rtl="0" eaLnBrk="1" latinLnBrk="0" hangingPunct="1">
         <a:spcBef>
           <a:spcPct val="0"/>
         </a:spcBef>
         <a:buNone/>
-        <a:defRPr sz="2900" kern="1200">
+        <a:defRPr sz="2800" kern="1200">
           <a:solidFill>
             <a:schemeClr val="tx1"/>
           </a:solidFill>
@@ -3285,13 +3285,13 @@
       </a:lvl1pPr>
     </p:titleStyle>
     <p:bodyStyle>
-      <a:lvl1pPr marL="223833" indent="-223833" algn="l" defTabSz="596888" rtl="0" eaLnBrk="1" latinLnBrk="0" hangingPunct="1">
+      <a:lvl1pPr marL="215909" indent="-215909" algn="l" defTabSz="575758" rtl="0" eaLnBrk="1" latinLnBrk="0" hangingPunct="1">
         <a:spcBef>
           <a:spcPct val="20000"/>
         </a:spcBef>
         <a:buFont typeface="Arial" pitchFamily="34" charset="0"/>
         <a:buChar char="•"/>
-        <a:defRPr sz="2300" kern="1200">
+        <a:defRPr sz="2200" kern="1200">
           <a:solidFill>
             <a:schemeClr val="tx1"/>
           </a:solidFill>
@@ -3300,13 +3300,13 @@
           <a:cs typeface="+mn-cs"/>
         </a:defRPr>
       </a:lvl1pPr>
-      <a:lvl2pPr marL="484970" indent="-186527" algn="l" defTabSz="596888" rtl="0" eaLnBrk="1" latinLnBrk="0" hangingPunct="1">
+      <a:lvl2pPr marL="467802" indent="-179924" algn="l" defTabSz="575758" rtl="0" eaLnBrk="1" latinLnBrk="0" hangingPunct="1">
         <a:spcBef>
           <a:spcPct val="20000"/>
         </a:spcBef>
         <a:buFont typeface="Arial" pitchFamily="34" charset="0"/>
         <a:buChar char="–"/>
-        <a:defRPr sz="1900" kern="1200">
+        <a:defRPr sz="1800" kern="1200">
           <a:solidFill>
             <a:schemeClr val="tx1"/>
           </a:solidFill>
@@ -3315,13 +3315,13 @@
           <a:cs typeface="+mn-cs"/>
         </a:defRPr>
       </a:lvl2pPr>
-      <a:lvl3pPr marL="746109" indent="-149222" algn="l" defTabSz="596888" rtl="0" eaLnBrk="1" latinLnBrk="0" hangingPunct="1">
+      <a:lvl3pPr marL="719697" indent="-143940" algn="l" defTabSz="575758" rtl="0" eaLnBrk="1" latinLnBrk="0" hangingPunct="1">
         <a:spcBef>
           <a:spcPct val="20000"/>
         </a:spcBef>
         <a:buFont typeface="Arial" pitchFamily="34" charset="0"/>
         <a:buChar char="•"/>
-        <a:defRPr sz="1600" kern="1200">
+        <a:defRPr sz="1500" kern="1200">
           <a:solidFill>
             <a:schemeClr val="tx1"/>
           </a:solidFill>
@@ -3330,7 +3330,7 @@
           <a:cs typeface="+mn-cs"/>
         </a:defRPr>
       </a:lvl3pPr>
-      <a:lvl4pPr marL="1044551" indent="-149222" algn="l" defTabSz="596888" rtl="0" eaLnBrk="1" latinLnBrk="0" hangingPunct="1">
+      <a:lvl4pPr marL="1007574" indent="-143940" algn="l" defTabSz="575758" rtl="0" eaLnBrk="1" latinLnBrk="0" hangingPunct="1">
         <a:spcBef>
           <a:spcPct val="20000"/>
         </a:spcBef>
@@ -3345,7 +3345,7 @@
           <a:cs typeface="+mn-cs"/>
         </a:defRPr>
       </a:lvl4pPr>
-      <a:lvl5pPr marL="1342994" indent="-149222" algn="l" defTabSz="596888" rtl="0" eaLnBrk="1" latinLnBrk="0" hangingPunct="1">
+      <a:lvl5pPr marL="1295452" indent="-143940" algn="l" defTabSz="575758" rtl="0" eaLnBrk="1" latinLnBrk="0" hangingPunct="1">
         <a:spcBef>
           <a:spcPct val="20000"/>
         </a:spcBef>
@@ -3360,7 +3360,7 @@
           <a:cs typeface="+mn-cs"/>
         </a:defRPr>
       </a:lvl5pPr>
-      <a:lvl6pPr marL="1641437" indent="-149222" algn="l" defTabSz="596888" rtl="0" eaLnBrk="1" latinLnBrk="0" hangingPunct="1">
+      <a:lvl6pPr marL="1583330" indent="-143940" algn="l" defTabSz="575758" rtl="0" eaLnBrk="1" latinLnBrk="0" hangingPunct="1">
         <a:spcBef>
           <a:spcPct val="20000"/>
         </a:spcBef>
@@ -3375,7 +3375,7 @@
           <a:cs typeface="+mn-cs"/>
         </a:defRPr>
       </a:lvl6pPr>
-      <a:lvl7pPr marL="1939879" indent="-149222" algn="l" defTabSz="596888" rtl="0" eaLnBrk="1" latinLnBrk="0" hangingPunct="1">
+      <a:lvl7pPr marL="1871207" indent="-143940" algn="l" defTabSz="575758" rtl="0" eaLnBrk="1" latinLnBrk="0" hangingPunct="1">
         <a:spcBef>
           <a:spcPct val="20000"/>
         </a:spcBef>
@@ -3390,7 +3390,7 @@
           <a:cs typeface="+mn-cs"/>
         </a:defRPr>
       </a:lvl7pPr>
-      <a:lvl8pPr marL="2238322" indent="-149222" algn="l" defTabSz="596888" rtl="0" eaLnBrk="1" latinLnBrk="0" hangingPunct="1">
+      <a:lvl8pPr marL="2159085" indent="-143940" algn="l" defTabSz="575758" rtl="0" eaLnBrk="1" latinLnBrk="0" hangingPunct="1">
         <a:spcBef>
           <a:spcPct val="20000"/>
         </a:spcBef>
@@ -3405,7 +3405,7 @@
           <a:cs typeface="+mn-cs"/>
         </a:defRPr>
       </a:lvl8pPr>
-      <a:lvl9pPr marL="2536764" indent="-149222" algn="l" defTabSz="596888" rtl="0" eaLnBrk="1" latinLnBrk="0" hangingPunct="1">
+      <a:lvl9pPr marL="2446963" indent="-143940" algn="l" defTabSz="575758" rtl="0" eaLnBrk="1" latinLnBrk="0" hangingPunct="1">
         <a:spcBef>
           <a:spcPct val="20000"/>
         </a:spcBef>
@@ -3425,7 +3425,7 @@
       <a:defPPr>
         <a:defRPr lang="en-US"/>
       </a:defPPr>
-      <a:lvl1pPr marL="0" algn="l" defTabSz="596888" rtl="0" eaLnBrk="1" latinLnBrk="0" hangingPunct="1">
+      <a:lvl1pPr marL="0" algn="l" defTabSz="575758" rtl="0" eaLnBrk="1" latinLnBrk="0" hangingPunct="1">
         <a:defRPr sz="1100" kern="1200">
           <a:solidFill>
             <a:schemeClr val="tx1"/>
@@ -3435,7 +3435,7 @@
           <a:cs typeface="+mn-cs"/>
         </a:defRPr>
       </a:lvl1pPr>
-      <a:lvl2pPr marL="298443" algn="l" defTabSz="596888" rtl="0" eaLnBrk="1" latinLnBrk="0" hangingPunct="1">
+      <a:lvl2pPr marL="287878" algn="l" defTabSz="575758" rtl="0" eaLnBrk="1" latinLnBrk="0" hangingPunct="1">
         <a:defRPr sz="1100" kern="1200">
           <a:solidFill>
             <a:schemeClr val="tx1"/>
@@ -3445,7 +3445,7 @@
           <a:cs typeface="+mn-cs"/>
         </a:defRPr>
       </a:lvl2pPr>
-      <a:lvl3pPr marL="596888" algn="l" defTabSz="596888" rtl="0" eaLnBrk="1" latinLnBrk="0" hangingPunct="1">
+      <a:lvl3pPr marL="575758" algn="l" defTabSz="575758" rtl="0" eaLnBrk="1" latinLnBrk="0" hangingPunct="1">
         <a:defRPr sz="1100" kern="1200">
           <a:solidFill>
             <a:schemeClr val="tx1"/>
@@ -3455,7 +3455,7 @@
           <a:cs typeface="+mn-cs"/>
         </a:defRPr>
       </a:lvl3pPr>
-      <a:lvl4pPr marL="895329" algn="l" defTabSz="596888" rtl="0" eaLnBrk="1" latinLnBrk="0" hangingPunct="1">
+      <a:lvl4pPr marL="863634" algn="l" defTabSz="575758" rtl="0" eaLnBrk="1" latinLnBrk="0" hangingPunct="1">
         <a:defRPr sz="1100" kern="1200">
           <a:solidFill>
             <a:schemeClr val="tx1"/>
@@ -3465,7 +3465,7 @@
           <a:cs typeface="+mn-cs"/>
         </a:defRPr>
       </a:lvl4pPr>
-      <a:lvl5pPr marL="1193773" algn="l" defTabSz="596888" rtl="0" eaLnBrk="1" latinLnBrk="0" hangingPunct="1">
+      <a:lvl5pPr marL="1151513" algn="l" defTabSz="575758" rtl="0" eaLnBrk="1" latinLnBrk="0" hangingPunct="1">
         <a:defRPr sz="1100" kern="1200">
           <a:solidFill>
             <a:schemeClr val="tx1"/>
@@ -3475,7 +3475,7 @@
           <a:cs typeface="+mn-cs"/>
         </a:defRPr>
       </a:lvl5pPr>
-      <a:lvl6pPr marL="1492215" algn="l" defTabSz="596888" rtl="0" eaLnBrk="1" latinLnBrk="0" hangingPunct="1">
+      <a:lvl6pPr marL="1439391" algn="l" defTabSz="575758" rtl="0" eaLnBrk="1" latinLnBrk="0" hangingPunct="1">
         <a:defRPr sz="1100" kern="1200">
           <a:solidFill>
             <a:schemeClr val="tx1"/>
@@ -3485,7 +3485,7 @@
           <a:cs typeface="+mn-cs"/>
         </a:defRPr>
       </a:lvl6pPr>
-      <a:lvl7pPr marL="1790659" algn="l" defTabSz="596888" rtl="0" eaLnBrk="1" latinLnBrk="0" hangingPunct="1">
+      <a:lvl7pPr marL="1727270" algn="l" defTabSz="575758" rtl="0" eaLnBrk="1" latinLnBrk="0" hangingPunct="1">
         <a:defRPr sz="1100" kern="1200">
           <a:solidFill>
             <a:schemeClr val="tx1"/>
@@ -3495,7 +3495,7 @@
           <a:cs typeface="+mn-cs"/>
         </a:defRPr>
       </a:lvl7pPr>
-      <a:lvl8pPr marL="2089100" algn="l" defTabSz="596888" rtl="0" eaLnBrk="1" latinLnBrk="0" hangingPunct="1">
+      <a:lvl8pPr marL="2015146" algn="l" defTabSz="575758" rtl="0" eaLnBrk="1" latinLnBrk="0" hangingPunct="1">
         <a:defRPr sz="1100" kern="1200">
           <a:solidFill>
             <a:schemeClr val="tx1"/>
@@ -3505,7 +3505,7 @@
           <a:cs typeface="+mn-cs"/>
         </a:defRPr>
       </a:lvl8pPr>
-      <a:lvl9pPr marL="2387544" algn="l" defTabSz="596888" rtl="0" eaLnBrk="1" latinLnBrk="0" hangingPunct="1">
+      <a:lvl9pPr marL="2303025" algn="l" defTabSz="575758" rtl="0" eaLnBrk="1" latinLnBrk="0" hangingPunct="1">
         <a:defRPr sz="1100" kern="1200">
           <a:solidFill>
             <a:schemeClr val="tx1"/>
@@ -3539,31 +3539,31 @@
       </p:grpSpPr>
       <p:grpSp>
         <p:nvGrpSpPr>
-          <p:cNvPr id="23" name="Group 22"/>
+          <p:cNvPr id="224" name="Group 223"/>
           <p:cNvGrpSpPr/>
           <p:nvPr/>
         </p:nvGrpSpPr>
         <p:grpSpPr>
           <a:xfrm>
-            <a:off x="70179" y="50965"/>
-            <a:ext cx="2967966" cy="2082635"/>
-            <a:chOff x="70179" y="50965"/>
-            <a:chExt cx="2967966" cy="2082635"/>
+            <a:off x="24936" y="54968"/>
+            <a:ext cx="2967966" cy="2083989"/>
+            <a:chOff x="70179" y="304799"/>
+            <a:chExt cx="2967966" cy="2083989"/>
           </a:xfrm>
         </p:grpSpPr>
         <p:cxnSp>
           <p:nvCxnSpPr>
-            <p:cNvPr id="24" name="Elbow Connector 23"/>
+            <p:cNvPr id="225" name="Elbow Connector 224"/>
             <p:cNvCxnSpPr>
-              <a:stCxn id="43" idx="2"/>
-              <a:endCxn id="38" idx="0"/>
+              <a:stCxn id="243" idx="2"/>
+              <a:endCxn id="238" idx="0"/>
             </p:cNvCxnSpPr>
             <p:nvPr/>
           </p:nvCxnSpPr>
           <p:spPr>
             <a:xfrm rot="16200000" flipH="1">
               <a:off x="671104" y="856149"/>
-              <a:ext cx="272599" cy="1197913"/>
+              <a:ext cx="272598" cy="1197913"/>
             </a:xfrm>
             <a:prstGeom prst="bentConnector3">
               <a:avLst>
@@ -3593,10 +3593,10 @@
         </p:cxnSp>
         <p:cxnSp>
           <p:nvCxnSpPr>
-            <p:cNvPr id="25" name="Elbow Connector 24"/>
+            <p:cNvPr id="226" name="Elbow Connector 225"/>
             <p:cNvCxnSpPr>
-              <a:stCxn id="32" idx="2"/>
-              <a:endCxn id="42" idx="0"/>
+              <a:stCxn id="233" idx="2"/>
+              <a:endCxn id="242" idx="0"/>
             </p:cNvCxnSpPr>
             <p:nvPr/>
           </p:nvCxnSpPr>
@@ -3633,7 +3633,7 @@
         </p:cxnSp>
         <p:sp>
           <p:nvSpPr>
-            <p:cNvPr id="26" name="Rectangle 25"/>
+            <p:cNvPr id="227" name="Rectangle 226"/>
             <p:cNvSpPr/>
             <p:nvPr/>
           </p:nvSpPr>
@@ -3680,7 +3680,7 @@
         </p:sp>
         <p:sp>
           <p:nvSpPr>
-            <p:cNvPr id="27" name="Rectangle 26"/>
+            <p:cNvPr id="228" name="Rectangle 227"/>
             <p:cNvSpPr/>
             <p:nvPr/>
           </p:nvSpPr>
@@ -3743,10 +3743,10 @@
         </p:sp>
         <p:cxnSp>
           <p:nvCxnSpPr>
-            <p:cNvPr id="28" name="Elbow Connector 27"/>
+            <p:cNvPr id="229" name="Elbow Connector 228"/>
             <p:cNvCxnSpPr>
-              <a:stCxn id="40" idx="0"/>
-              <a:endCxn id="30" idx="3"/>
+              <a:stCxn id="240" idx="0"/>
+              <a:endCxn id="231" idx="3"/>
             </p:cNvCxnSpPr>
             <p:nvPr/>
           </p:nvCxnSpPr>
@@ -3783,7 +3783,7 @@
         </p:cxnSp>
         <p:grpSp>
           <p:nvGrpSpPr>
-            <p:cNvPr id="29" name="Group 28"/>
+            <p:cNvPr id="230" name="Group 229"/>
             <p:cNvGrpSpPr/>
             <p:nvPr/>
           </p:nvGrpSpPr>
@@ -3797,7 +3797,7 @@
           </p:grpSpPr>
           <p:sp>
             <p:nvSpPr>
-              <p:cNvPr id="42" name="Rectangle 41"/>
+              <p:cNvPr id="242" name="Rectangle 241"/>
               <p:cNvSpPr/>
               <p:nvPr/>
             </p:nvSpPr>
@@ -3855,7 +3855,7 @@
           </p:sp>
           <p:sp>
             <p:nvSpPr>
-              <p:cNvPr id="43" name="Diamond 42"/>
+              <p:cNvPr id="243" name="Diamond 242"/>
               <p:cNvSpPr/>
               <p:nvPr/>
             </p:nvSpPr>
@@ -3908,7 +3908,7 @@
         </p:grpSp>
         <p:sp>
           <p:nvSpPr>
-            <p:cNvPr id="30" name="Isosceles Triangle 29"/>
+            <p:cNvPr id="231" name="Isosceles Triangle 230"/>
             <p:cNvSpPr/>
             <p:nvPr/>
           </p:nvSpPr>
@@ -3958,14 +3958,14 @@
         </p:sp>
         <p:sp>
           <p:nvSpPr>
-            <p:cNvPr id="31" name="Rectangle 30"/>
+            <p:cNvPr id="232" name="Rectangle 231"/>
             <p:cNvSpPr/>
             <p:nvPr/>
           </p:nvSpPr>
           <p:spPr>
             <a:xfrm>
-              <a:off x="113883" y="50965"/>
-              <a:ext cx="2764770" cy="406236"/>
+              <a:off x="113883" y="304799"/>
+              <a:ext cx="2583279" cy="152401"/>
             </a:xfrm>
             <a:prstGeom prst="rect">
               <a:avLst/>
@@ -3994,7 +3994,7 @@
             </a:fontRef>
           </p:style>
           <p:txBody>
-            <a:bodyPr rtlCol="0" anchor="t"/>
+            <a:bodyPr rtlCol="0" anchor="ctr"/>
             <a:lstStyle/>
             <a:p>
               <a:pPr algn="ctr"/>
@@ -4030,61 +4030,6 @@
                 </a:rPr>
                 <a:t>)</a:t>
               </a:r>
-              <a:endParaRPr lang="en-US" sz="1100" b="1" dirty="0">
-                <a:solidFill>
-                  <a:schemeClr val="tx1"/>
-                </a:solidFill>
-              </a:endParaRPr>
-            </a:p>
-            <a:p>
-              <a:r>
-                <a:rPr lang="en-US" sz="900" dirty="0" err="1" smtClean="0">
-                  <a:solidFill>
-                    <a:srgbClr val="00B050"/>
-                  </a:solidFill>
-                </a:rPr>
-                <a:t>portid</a:t>
-              </a:r>
-              <a:r>
-                <a:rPr lang="en-US" sz="900" dirty="0" smtClean="0">
-                  <a:solidFill>
-                    <a:srgbClr val="00B050"/>
-                  </a:solidFill>
-                </a:rPr>
-                <a:t>: </a:t>
-              </a:r>
-              <a:r>
-                <a:rPr lang="en-US" sz="900" dirty="0" err="1" smtClean="0">
-                  <a:solidFill>
-                    <a:srgbClr val="00B050"/>
-                  </a:solidFill>
-                </a:rPr>
-                <a:t>P</a:t>
-              </a:r>
-              <a:r>
-                <a:rPr lang="en-US" sz="900" dirty="0" err="1">
-                  <a:solidFill>
-                    <a:srgbClr val="00B050"/>
-                  </a:solidFill>
-                </a:rPr>
-                <a:t>I</a:t>
-              </a:r>
-              <a:r>
-                <a:rPr lang="en-US" sz="900" dirty="0" err="1" smtClean="0">
-                  <a:solidFill>
-                    <a:srgbClr val="00B050"/>
-                  </a:solidFill>
-                </a:rPr>
-                <a:t>d</a:t>
-              </a:r>
-              <a:r>
-                <a:rPr lang="en-US" sz="900" dirty="0" smtClean="0">
-                  <a:solidFill>
-                    <a:srgbClr val="00B050"/>
-                  </a:solidFill>
-                </a:rPr>
-                <a:t> {use=“optional”}</a:t>
-              </a:r>
               <a:endParaRPr lang="en-US" sz="900" dirty="0">
                 <a:solidFill>
                   <a:srgbClr val="00B050"/>
@@ -4095,7 +4040,7 @@
         </p:sp>
         <p:sp>
           <p:nvSpPr>
-            <p:cNvPr id="32" name="Diamond 31"/>
+            <p:cNvPr id="233" name="Diamond 232"/>
             <p:cNvSpPr/>
             <p:nvPr/>
           </p:nvSpPr>
@@ -4141,44 +4086,9 @@
             </a:p>
           </p:txBody>
         </p:sp>
-        <p:cxnSp>
-          <p:nvCxnSpPr>
-            <p:cNvPr id="33" name="Straight Connector 32"/>
-            <p:cNvCxnSpPr/>
-            <p:nvPr/>
-          </p:nvCxnSpPr>
-          <p:spPr>
-            <a:xfrm>
-              <a:off x="113882" y="237374"/>
-              <a:ext cx="2764770" cy="0"/>
-            </a:xfrm>
-            <a:prstGeom prst="line">
-              <a:avLst/>
-            </a:prstGeom>
-            <a:ln w="6350">
-              <a:solidFill>
-                <a:schemeClr val="tx1"/>
-              </a:solidFill>
-            </a:ln>
-          </p:spPr>
-          <p:style>
-            <a:lnRef idx="1">
-              <a:schemeClr val="accent1"/>
-            </a:lnRef>
-            <a:fillRef idx="0">
-              <a:schemeClr val="accent1"/>
-            </a:fillRef>
-            <a:effectRef idx="0">
-              <a:schemeClr val="accent1"/>
-            </a:effectRef>
-            <a:fontRef idx="minor">
-              <a:schemeClr val="tx1"/>
-            </a:fontRef>
-          </p:style>
-        </p:cxnSp>
         <p:grpSp>
           <p:nvGrpSpPr>
-            <p:cNvPr id="34" name="Group 33"/>
+            <p:cNvPr id="234" name="Group 233"/>
             <p:cNvGrpSpPr/>
             <p:nvPr/>
           </p:nvGrpSpPr>
@@ -4192,7 +4102,7 @@
           </p:grpSpPr>
           <p:sp>
             <p:nvSpPr>
-              <p:cNvPr id="40" name="Rectangle 39"/>
+              <p:cNvPr id="240" name="Rectangle 239"/>
               <p:cNvSpPr/>
               <p:nvPr/>
             </p:nvSpPr>
@@ -4238,7 +4148,7 @@
                       <a:srgbClr val="0070C0"/>
                     </a:solidFill>
                   </a:rPr>
-                  <a:t>Subelement</a:t>
+                  <a:t>SBaseRef</a:t>
                 </a:r>
                 <a:endParaRPr lang="en-US" sz="1100" b="1" dirty="0">
                   <a:solidFill>
@@ -4250,7 +4160,7 @@
           </p:sp>
           <p:sp>
             <p:nvSpPr>
-              <p:cNvPr id="41" name="Isosceles Triangle 40"/>
+              <p:cNvPr id="241" name="Isosceles Triangle 240"/>
               <p:cNvSpPr/>
               <p:nvPr/>
             </p:nvSpPr>
@@ -4301,28 +4211,28 @@
         </p:grpSp>
         <p:grpSp>
           <p:nvGrpSpPr>
-            <p:cNvPr id="35" name="Group 34"/>
+            <p:cNvPr id="235" name="Group 234"/>
             <p:cNvGrpSpPr/>
             <p:nvPr/>
           </p:nvGrpSpPr>
           <p:grpSpPr>
             <a:xfrm>
-              <a:off x="334962" y="1591406"/>
-              <a:ext cx="2142795" cy="542194"/>
-              <a:chOff x="309046" y="2137743"/>
-              <a:chExt cx="2142795" cy="542194"/>
+              <a:off x="334962" y="1591405"/>
+              <a:ext cx="2142795" cy="797383"/>
+              <a:chOff x="309046" y="2137742"/>
+              <a:chExt cx="2142795" cy="797383"/>
             </a:xfrm>
           </p:grpSpPr>
           <p:sp>
             <p:nvSpPr>
-              <p:cNvPr id="38" name="Rectangle 37"/>
+              <p:cNvPr id="238" name="Rectangle 237"/>
               <p:cNvSpPr/>
               <p:nvPr/>
             </p:nvSpPr>
             <p:spPr>
               <a:xfrm>
-                <a:off x="309046" y="2137743"/>
-                <a:ext cx="2142795" cy="542194"/>
+                <a:off x="309046" y="2137742"/>
+                <a:ext cx="2142795" cy="797383"/>
               </a:xfrm>
               <a:prstGeom prst="rect">
                 <a:avLst/>
@@ -4371,6 +4281,63 @@
               </a:p>
               <a:p>
                 <a:r>
+                  <a:rPr lang="en-US" sz="900" dirty="0" err="1" smtClean="0">
+                    <a:solidFill>
+                      <a:srgbClr val="0070C0"/>
+                    </a:solidFill>
+                  </a:rPr>
+                  <a:t>submodelRef</a:t>
+                </a:r>
+                <a:r>
+                  <a:rPr lang="en-US" sz="900" dirty="0" smtClean="0">
+                    <a:solidFill>
+                      <a:srgbClr val="0070C0"/>
+                    </a:solidFill>
+                  </a:rPr>
+                  <a:t>: </a:t>
+                </a:r>
+                <a:r>
+                  <a:rPr lang="en-US" sz="900" dirty="0" err="1" smtClean="0">
+                    <a:solidFill>
+                      <a:srgbClr val="0070C0"/>
+                    </a:solidFill>
+                  </a:rPr>
+                  <a:t>SIdRef</a:t>
+                </a:r>
+                <a:endParaRPr lang="en-US" sz="900" dirty="0" smtClean="0">
+                  <a:solidFill>
+                    <a:srgbClr val="0070C0"/>
+                  </a:solidFill>
+                </a:endParaRPr>
+              </a:p>
+              <a:p>
+                <a:r>
+                  <a:rPr lang="en-US" sz="900" dirty="0" smtClean="0">
+                    <a:solidFill>
+                      <a:srgbClr val="0070C0"/>
+                    </a:solidFill>
+                  </a:rPr>
+                  <a:t>deletion: </a:t>
+                </a:r>
+                <a:r>
+                  <a:rPr lang="en-US" sz="900" dirty="0" err="1" smtClean="0">
+                    <a:solidFill>
+                      <a:srgbClr val="0070C0"/>
+                    </a:solidFill>
+                  </a:rPr>
+                  <a:t>SIdRef</a:t>
+                </a:r>
+                <a:r>
+                  <a:rPr lang="en-US" sz="900" dirty="0" smtClean="0">
+                    <a:solidFill>
+                      <a:srgbClr val="0070C0"/>
+                    </a:solidFill>
+                  </a:rPr>
+                  <a:t> {use=“optional”}</a:t>
+                </a:r>
+              </a:p>
+              <a:p>
+                <a:r>
                   <a:rPr lang="en-US" sz="900" dirty="0" smtClean="0">
                     <a:solidFill>
                       <a:srgbClr val="0070C0"/>
@@ -4379,12 +4346,12 @@
                   <a:t>identical: </a:t>
                 </a:r>
                 <a:r>
-                  <a:rPr lang="en-US" sz="900" dirty="0" err="1" smtClean="0">
+                  <a:rPr lang="en-US" sz="900" dirty="0">
                     <a:solidFill>
                       <a:srgbClr val="0070C0"/>
                     </a:solidFill>
                   </a:rPr>
-                  <a:t>boolean</a:t>
+                  <a:t>B</a:t>
                 </a:r>
                 <a:r>
                   <a:rPr lang="en-US" sz="900" dirty="0" smtClean="0">
@@ -4392,7 +4359,7 @@
                       <a:srgbClr val="0070C0"/>
                     </a:solidFill>
                   </a:rPr>
-                  <a:t> {use=“optional”}</a:t>
+                  <a:t>oolean {use=“optional”}</a:t>
                 </a:r>
               </a:p>
               <a:p>
@@ -4433,7 +4400,7 @@
           </p:sp>
           <p:cxnSp>
             <p:nvCxnSpPr>
-              <p:cNvPr id="39" name="Straight Connector 38"/>
+              <p:cNvPr id="239" name="Straight Connector 238"/>
               <p:cNvCxnSpPr/>
               <p:nvPr/>
             </p:nvCxnSpPr>
@@ -4469,17 +4436,17 @@
         </p:grpSp>
         <p:cxnSp>
           <p:nvCxnSpPr>
-            <p:cNvPr id="36" name="Elbow Connector 35"/>
+            <p:cNvPr id="236" name="Elbow Connector 235"/>
             <p:cNvCxnSpPr>
-              <a:stCxn id="38" idx="3"/>
-              <a:endCxn id="41" idx="3"/>
+              <a:stCxn id="238" idx="3"/>
+              <a:endCxn id="241" idx="3"/>
             </p:cNvCxnSpPr>
             <p:nvPr/>
           </p:nvCxnSpPr>
           <p:spPr>
             <a:xfrm flipV="1">
               <a:off x="2477757" y="1544173"/>
-              <a:ext cx="85397" cy="318330"/>
+              <a:ext cx="85397" cy="445924"/>
             </a:xfrm>
             <a:prstGeom prst="bentConnector2">
               <a:avLst/>
@@ -4507,10 +4474,10 @@
         </p:cxnSp>
         <p:cxnSp>
           <p:nvCxnSpPr>
-            <p:cNvPr id="37" name="Elbow Connector 36"/>
+            <p:cNvPr id="237" name="Elbow Connector 236"/>
             <p:cNvCxnSpPr>
-              <a:stCxn id="42" idx="3"/>
-              <a:endCxn id="30" idx="3"/>
+              <a:stCxn id="242" idx="3"/>
+              <a:endCxn id="231" idx="3"/>
             </p:cNvCxnSpPr>
             <p:nvPr/>
           </p:nvCxnSpPr>

--- a/sbml-level-3/version-1/comp/HierarchicalSBase.pptx
+++ b/sbml-level-3/version-1/comp/HierarchicalSBase.pptx
@@ -192,7 +192,7 @@
           <a:p>
             <a:fld id="{7754A941-C6C2-4027-B1F4-A5E937B2245F}" type="datetimeFigureOut">
               <a:rPr lang="en-US" smtClean="0"/>
-              <a:t>4/27/2011</a:t>
+              <a:t>5/10/2011</a:t>
             </a:fld>
             <a:endParaRPr lang="en-US"/>
           </a:p>
@@ -730,7 +730,7 @@
           <a:p>
             <a:fld id="{F0172217-DC24-48CD-AE89-68C8C8D878B4}" type="datetimeFigureOut">
               <a:rPr lang="en-US" smtClean="0"/>
-              <a:t>4/27/2011</a:t>
+              <a:t>5/10/2011</a:t>
             </a:fld>
             <a:endParaRPr lang="en-US"/>
           </a:p>
@@ -900,7 +900,7 @@
           <a:p>
             <a:fld id="{F0172217-DC24-48CD-AE89-68C8C8D878B4}" type="datetimeFigureOut">
               <a:rPr lang="en-US" smtClean="0"/>
-              <a:t>4/27/2011</a:t>
+              <a:t>5/10/2011</a:t>
             </a:fld>
             <a:endParaRPr lang="en-US"/>
           </a:p>
@@ -1080,7 +1080,7 @@
           <a:p>
             <a:fld id="{F0172217-DC24-48CD-AE89-68C8C8D878B4}" type="datetimeFigureOut">
               <a:rPr lang="en-US" smtClean="0"/>
-              <a:t>4/27/2011</a:t>
+              <a:t>5/10/2011</a:t>
             </a:fld>
             <a:endParaRPr lang="en-US"/>
           </a:p>
@@ -1250,7 +1250,7 @@
           <a:p>
             <a:fld id="{F0172217-DC24-48CD-AE89-68C8C8D878B4}" type="datetimeFigureOut">
               <a:rPr lang="en-US" smtClean="0"/>
-              <a:t>4/27/2011</a:t>
+              <a:t>5/10/2011</a:t>
             </a:fld>
             <a:endParaRPr lang="en-US"/>
           </a:p>
@@ -1496,7 +1496,7 @@
           <a:p>
             <a:fld id="{F0172217-DC24-48CD-AE89-68C8C8D878B4}" type="datetimeFigureOut">
               <a:rPr lang="en-US" smtClean="0"/>
-              <a:t>4/27/2011</a:t>
+              <a:t>5/10/2011</a:t>
             </a:fld>
             <a:endParaRPr lang="en-US"/>
           </a:p>
@@ -1784,7 +1784,7 @@
           <a:p>
             <a:fld id="{F0172217-DC24-48CD-AE89-68C8C8D878B4}" type="datetimeFigureOut">
               <a:rPr lang="en-US" smtClean="0"/>
-              <a:t>4/27/2011</a:t>
+              <a:t>5/10/2011</a:t>
             </a:fld>
             <a:endParaRPr lang="en-US"/>
           </a:p>
@@ -2206,7 +2206,7 @@
           <a:p>
             <a:fld id="{F0172217-DC24-48CD-AE89-68C8C8D878B4}" type="datetimeFigureOut">
               <a:rPr lang="en-US" smtClean="0"/>
-              <a:t>4/27/2011</a:t>
+              <a:t>5/10/2011</a:t>
             </a:fld>
             <a:endParaRPr lang="en-US"/>
           </a:p>
@@ -2324,7 +2324,7 @@
           <a:p>
             <a:fld id="{F0172217-DC24-48CD-AE89-68C8C8D878B4}" type="datetimeFigureOut">
               <a:rPr lang="en-US" smtClean="0"/>
-              <a:t>4/27/2011</a:t>
+              <a:t>5/10/2011</a:t>
             </a:fld>
             <a:endParaRPr lang="en-US"/>
           </a:p>
@@ -2419,7 +2419,7 @@
           <a:p>
             <a:fld id="{F0172217-DC24-48CD-AE89-68C8C8D878B4}" type="datetimeFigureOut">
               <a:rPr lang="en-US" smtClean="0"/>
-              <a:t>4/27/2011</a:t>
+              <a:t>5/10/2011</a:t>
             </a:fld>
             <a:endParaRPr lang="en-US"/>
           </a:p>
@@ -2696,7 +2696,7 @@
           <a:p>
             <a:fld id="{F0172217-DC24-48CD-AE89-68C8C8D878B4}" type="datetimeFigureOut">
               <a:rPr lang="en-US" smtClean="0"/>
-              <a:t>4/27/2011</a:t>
+              <a:t>5/10/2011</a:t>
             </a:fld>
             <a:endParaRPr lang="en-US"/>
           </a:p>
@@ -2949,7 +2949,7 @@
           <a:p>
             <a:fld id="{F0172217-DC24-48CD-AE89-68C8C8D878B4}" type="datetimeFigureOut">
               <a:rPr lang="en-US" smtClean="0"/>
-              <a:t>4/27/2011</a:t>
+              <a:t>5/10/2011</a:t>
             </a:fld>
             <a:endParaRPr lang="en-US"/>
           </a:p>
@@ -3162,7 +3162,7 @@
           <a:p>
             <a:fld id="{F0172217-DC24-48CD-AE89-68C8C8D878B4}" type="datetimeFigureOut">
               <a:rPr lang="en-US" smtClean="0"/>
-              <a:t>4/27/2011</a:t>
+              <a:t>5/10/2011</a:t>
             </a:fld>
             <a:endParaRPr lang="en-US"/>
           </a:p>

--- a/sbml-level-3/version-1/comp/HierarchicalSBase.pptx
+++ b/sbml-level-3/version-1/comp/HierarchicalSBase.pptx
@@ -192,7 +192,7 @@
           <a:p>
             <a:fld id="{7754A941-C6C2-4027-B1F4-A5E937B2245F}" type="datetimeFigureOut">
               <a:rPr lang="en-US" smtClean="0"/>
-              <a:t>5/10/2011</a:t>
+              <a:t>5/11/2011</a:t>
             </a:fld>
             <a:endParaRPr lang="en-US"/>
           </a:p>
@@ -730,7 +730,7 @@
           <a:p>
             <a:fld id="{F0172217-DC24-48CD-AE89-68C8C8D878B4}" type="datetimeFigureOut">
               <a:rPr lang="en-US" smtClean="0"/>
-              <a:t>5/10/2011</a:t>
+              <a:t>5/11/2011</a:t>
             </a:fld>
             <a:endParaRPr lang="en-US"/>
           </a:p>
@@ -900,7 +900,7 @@
           <a:p>
             <a:fld id="{F0172217-DC24-48CD-AE89-68C8C8D878B4}" type="datetimeFigureOut">
               <a:rPr lang="en-US" smtClean="0"/>
-              <a:t>5/10/2011</a:t>
+              <a:t>5/11/2011</a:t>
             </a:fld>
             <a:endParaRPr lang="en-US"/>
           </a:p>
@@ -1080,7 +1080,7 @@
           <a:p>
             <a:fld id="{F0172217-DC24-48CD-AE89-68C8C8D878B4}" type="datetimeFigureOut">
               <a:rPr lang="en-US" smtClean="0"/>
-              <a:t>5/10/2011</a:t>
+              <a:t>5/11/2011</a:t>
             </a:fld>
             <a:endParaRPr lang="en-US"/>
           </a:p>
@@ -1250,7 +1250,7 @@
           <a:p>
             <a:fld id="{F0172217-DC24-48CD-AE89-68C8C8D878B4}" type="datetimeFigureOut">
               <a:rPr lang="en-US" smtClean="0"/>
-              <a:t>5/10/2011</a:t>
+              <a:t>5/11/2011</a:t>
             </a:fld>
             <a:endParaRPr lang="en-US"/>
           </a:p>
@@ -1496,7 +1496,7 @@
           <a:p>
             <a:fld id="{F0172217-DC24-48CD-AE89-68C8C8D878B4}" type="datetimeFigureOut">
               <a:rPr lang="en-US" smtClean="0"/>
-              <a:t>5/10/2011</a:t>
+              <a:t>5/11/2011</a:t>
             </a:fld>
             <a:endParaRPr lang="en-US"/>
           </a:p>
@@ -1784,7 +1784,7 @@
           <a:p>
             <a:fld id="{F0172217-DC24-48CD-AE89-68C8C8D878B4}" type="datetimeFigureOut">
               <a:rPr lang="en-US" smtClean="0"/>
-              <a:t>5/10/2011</a:t>
+              <a:t>5/11/2011</a:t>
             </a:fld>
             <a:endParaRPr lang="en-US"/>
           </a:p>
@@ -2206,7 +2206,7 @@
           <a:p>
             <a:fld id="{F0172217-DC24-48CD-AE89-68C8C8D878B4}" type="datetimeFigureOut">
               <a:rPr lang="en-US" smtClean="0"/>
-              <a:t>5/10/2011</a:t>
+              <a:t>5/11/2011</a:t>
             </a:fld>
             <a:endParaRPr lang="en-US"/>
           </a:p>
@@ -2324,7 +2324,7 @@
           <a:p>
             <a:fld id="{F0172217-DC24-48CD-AE89-68C8C8D878B4}" type="datetimeFigureOut">
               <a:rPr lang="en-US" smtClean="0"/>
-              <a:t>5/10/2011</a:t>
+              <a:t>5/11/2011</a:t>
             </a:fld>
             <a:endParaRPr lang="en-US"/>
           </a:p>
@@ -2419,7 +2419,7 @@
           <a:p>
             <a:fld id="{F0172217-DC24-48CD-AE89-68C8C8D878B4}" type="datetimeFigureOut">
               <a:rPr lang="en-US" smtClean="0"/>
-              <a:t>5/10/2011</a:t>
+              <a:t>5/11/2011</a:t>
             </a:fld>
             <a:endParaRPr lang="en-US"/>
           </a:p>
@@ -2696,7 +2696,7 @@
           <a:p>
             <a:fld id="{F0172217-DC24-48CD-AE89-68C8C8D878B4}" type="datetimeFigureOut">
               <a:rPr lang="en-US" smtClean="0"/>
-              <a:t>5/10/2011</a:t>
+              <a:t>5/11/2011</a:t>
             </a:fld>
             <a:endParaRPr lang="en-US"/>
           </a:p>
@@ -2949,7 +2949,7 @@
           <a:p>
             <a:fld id="{F0172217-DC24-48CD-AE89-68C8C8D878B4}" type="datetimeFigureOut">
               <a:rPr lang="en-US" smtClean="0"/>
-              <a:t>5/10/2011</a:t>
+              <a:t>5/11/2011</a:t>
             </a:fld>
             <a:endParaRPr lang="en-US"/>
           </a:p>
@@ -3162,7 +3162,7 @@
           <a:p>
             <a:fld id="{F0172217-DC24-48CD-AE89-68C8C8D878B4}" type="datetimeFigureOut">
               <a:rPr lang="en-US" smtClean="0"/>
-              <a:t>5/10/2011</a:t>
+              <a:t>5/11/2011</a:t>
             </a:fld>
             <a:endParaRPr lang="en-US"/>
           </a:p>
